--- a/Poster/ML_poster.pptx
+++ b/Poster/ML_poster.pptx
@@ -4723,7 +4723,9 @@
             <a:r>
               <a:rPr lang="en-US" altLang="en-US" sz="8228" b="1" dirty="0">
                 <a:solidFill>
-                  <a:srgbClr val="FFFF00"/>
+                  <a:schemeClr val="accent3">
+                    <a:lumMod val="95000"/>
+                  </a:schemeClr>
                 </a:solidFill>
               </a:rPr>
               <a:t>How do presidential candidates speak differently </a:t>
@@ -4740,10 +4742,30 @@
             <a:r>
               <a:rPr lang="en-US" altLang="en-US" sz="8228" b="1" dirty="0">
                 <a:solidFill>
-                  <a:srgbClr val="FFFF00"/>
+                  <a:schemeClr val="accent3">
+                    <a:lumMod val="95000"/>
+                  </a:schemeClr>
                 </a:solidFill>
               </a:rPr>
-              <a:t>about trade within rust belt regions? </a:t>
+              <a:t>about trade within </a:t>
+            </a:r>
+            <a:r>
+              <a:rPr lang="en-US" altLang="en-US" sz="8228" b="1" dirty="0">
+                <a:solidFill>
+                  <a:srgbClr val="FF0000"/>
+                </a:solidFill>
+              </a:rPr>
+              <a:t>rust belt regions</a:t>
+            </a:r>
+            <a:r>
+              <a:rPr lang="en-US" altLang="en-US" sz="8228" b="1" dirty="0">
+                <a:solidFill>
+                  <a:schemeClr val="accent3">
+                    <a:lumMod val="95000"/>
+                  </a:schemeClr>
+                </a:solidFill>
+              </a:rPr>
+              <a:t>? </a:t>
             </a:r>
           </a:p>
           <a:p>
@@ -8048,7 +8070,7 @@
         </p:blipFill>
         <p:spPr>
           <a:xfrm>
-            <a:off x="22326116" y="21190783"/>
+            <a:off x="22482202" y="21190783"/>
             <a:ext cx="10283798" cy="6546017"/>
           </a:xfrm>
           <a:prstGeom prst="rect">
@@ -8078,7 +8100,7 @@
         </p:blipFill>
         <p:spPr>
           <a:xfrm>
-            <a:off x="22246835" y="6792161"/>
+            <a:off x="22402800" y="6792161"/>
             <a:ext cx="10058400" cy="6739847"/>
           </a:xfrm>
           <a:prstGeom prst="rect">
@@ -8108,8 +8130,68 @@
         </p:blipFill>
         <p:spPr>
           <a:xfrm>
-            <a:off x="22351516" y="14251876"/>
+            <a:off x="22559122" y="14251876"/>
             <a:ext cx="10206878" cy="6703124"/>
+          </a:xfrm>
+          <a:prstGeom prst="rect">
+            <a:avLst/>
+          </a:prstGeom>
+        </p:spPr>
+      </p:pic>
+      <p:pic>
+        <p:nvPicPr>
+          <p:cNvPr id="12" name="Picture 11"/>
+          <p:cNvPicPr>
+            <a:picLocks noChangeAspect="1"/>
+          </p:cNvPicPr>
+          <p:nvPr/>
+        </p:nvPicPr>
+        <p:blipFill>
+          <a:blip r:embed="rId10">
+            <a:extLst>
+              <a:ext uri="{28A0092B-C50C-407E-A947-70E740481C1C}">
+                <a14:useLocalDpi xmlns:a14="http://schemas.microsoft.com/office/drawing/2010/main" val="0"/>
+              </a:ext>
+            </a:extLst>
+          </a:blip>
+          <a:stretch>
+            <a:fillRect/>
+          </a:stretch>
+        </p:blipFill>
+        <p:spPr>
+          <a:xfrm>
+            <a:off x="38738752" y="18102484"/>
+            <a:ext cx="5933818" cy="8391295"/>
+          </a:xfrm>
+          <a:prstGeom prst="rect">
+            <a:avLst/>
+          </a:prstGeom>
+        </p:spPr>
+      </p:pic>
+      <p:pic>
+        <p:nvPicPr>
+          <p:cNvPr id="13" name="Picture 12"/>
+          <p:cNvPicPr>
+            <a:picLocks noChangeAspect="1"/>
+          </p:cNvPicPr>
+          <p:nvPr/>
+        </p:nvPicPr>
+        <p:blipFill>
+          <a:blip r:embed="rId11">
+            <a:extLst>
+              <a:ext uri="{28A0092B-C50C-407E-A947-70E740481C1C}">
+                <a14:useLocalDpi xmlns:a14="http://schemas.microsoft.com/office/drawing/2010/main" val="0"/>
+              </a:ext>
+            </a:extLst>
+          </a:blip>
+          <a:stretch>
+            <a:fillRect/>
+          </a:stretch>
+        </p:blipFill>
+        <p:spPr>
+          <a:xfrm>
+            <a:off x="33093832" y="17754600"/>
+            <a:ext cx="5983924" cy="8462152"/>
           </a:xfrm>
           <a:prstGeom prst="rect">
             <a:avLst/>

--- a/Poster/ML_poster.pptx
+++ b/Poster/ML_poster.pptx
@@ -257,7 +257,7 @@
               <a:pPr>
                 <a:defRPr/>
               </a:pPr>
-              <a:t>3/2/18</a:t>
+              <a:t>3/3/2018</a:t>
             </a:fld>
             <a:endParaRPr lang="en-US" altLang="en-US"/>
           </a:p>
@@ -626,7 +626,7 @@
               </a14:hiddenFill>
             </a:ext>
             <a:ext uri="{FAA26D3D-D897-4be2-8F04-BA451C77F1D7}">
-              <ma14:placeholderFlag xmlns:ma14="http://schemas.microsoft.com/office/mac/drawingml/2011/main" val="1"/>
+              <ma14:placeholderFlag xmlns:ma14="http://schemas.microsoft.com/office/mac/drawingml/2011/main" xmlns="" val="1"/>
             </a:ext>
           </a:extLst>
         </p:spPr>
@@ -662,7 +662,7 @@
               </a14:hiddenLine>
             </a:ext>
             <a:ext uri="{FAA26D3D-D897-4be2-8F04-BA451C77F1D7}">
-              <ma14:placeholderFlag xmlns:ma14="http://schemas.microsoft.com/office/mac/drawingml/2011/main" val="1"/>
+              <ma14:placeholderFlag xmlns:ma14="http://schemas.microsoft.com/office/mac/drawingml/2011/main" xmlns="" val="1"/>
             </a:ext>
           </a:extLst>
         </p:spPr>
@@ -3549,7 +3549,7 @@
               </a14:hiddenLine>
             </a:ext>
             <a:ext uri="{FAA26D3D-D897-4be2-8F04-BA451C77F1D7}">
-              <ma14:placeholderFlag xmlns:ma14="http://schemas.microsoft.com/office/mac/drawingml/2011/main" val="1"/>
+              <ma14:placeholderFlag xmlns:ma14="http://schemas.microsoft.com/office/mac/drawingml/2011/main" xmlns="" val="1"/>
             </a:ext>
           </a:extLst>
         </p:spPr>
@@ -3610,7 +3610,7 @@
               </a14:hiddenLine>
             </a:ext>
             <a:ext uri="{FAA26D3D-D897-4be2-8F04-BA451C77F1D7}">
-              <ma14:placeholderFlag xmlns:ma14="http://schemas.microsoft.com/office/mac/drawingml/2011/main" val="1"/>
+              <ma14:placeholderFlag xmlns:ma14="http://schemas.microsoft.com/office/mac/drawingml/2011/main" xmlns="" val="1"/>
             </a:ext>
           </a:extLst>
         </p:spPr>
@@ -4568,7 +4568,7 @@
               </a:gs>
               <a:gs pos="100000">
                 <a:schemeClr val="accent5">
-                  <a:lumMod val="50000"/>
+                  <a:lumMod val="75000"/>
                 </a:schemeClr>
               </a:gs>
             </a:gsLst>
@@ -4721,15 +4721,64 @@
               <a:buNone/>
             </a:pPr>
             <a:r>
-              <a:rPr lang="en-US" altLang="en-US" sz="8228" b="1" dirty="0">
+              <a:rPr lang="en-US" altLang="en-US" sz="8800" b="1" dirty="0" smtClean="0">
                 <a:solidFill>
                   <a:schemeClr val="accent3">
                     <a:lumMod val="95000"/>
                   </a:schemeClr>
                 </a:solidFill>
               </a:rPr>
-              <a:t>How do presidential candidates speak differently </a:t>
-            </a:r>
+              <a:t>Trade Rhetoric Geography in the US Presidential Election Speeches</a:t>
+            </a:r>
+            <a:endParaRPr lang="en-US" altLang="en-US" sz="8800" b="1" dirty="0">
+              <a:solidFill>
+                <a:schemeClr val="accent3">
+                  <a:lumMod val="95000"/>
+                </a:schemeClr>
+              </a:solidFill>
+            </a:endParaRPr>
+          </a:p>
+          <a:p>
+            <a:pPr algn="ctr">
+              <a:spcBef>
+                <a:spcPct val="0"/>
+              </a:spcBef>
+              <a:buNone/>
+            </a:pPr>
+            <a:endParaRPr lang="en-US" altLang="en-US" sz="5143" dirty="0"/>
+          </a:p>
+          <a:p>
+            <a:pPr algn="ctr">
+              <a:spcBef>
+                <a:spcPct val="0"/>
+              </a:spcBef>
+              <a:buNone/>
+            </a:pPr>
+            <a:r>
+              <a:rPr lang="en-US" altLang="en-US" sz="5143" b="1" dirty="0" smtClean="0"/>
+              <a:t>Alice </a:t>
+            </a:r>
+            <a:r>
+              <a:rPr lang="en-US" altLang="en-US" sz="5143" b="1" dirty="0" err="1"/>
+              <a:t>Mee</a:t>
+            </a:r>
+            <a:r>
+              <a:rPr lang="en-US" altLang="en-US" sz="5143" b="1" dirty="0"/>
+              <a:t> </a:t>
+            </a:r>
+            <a:r>
+              <a:rPr lang="en-US" altLang="en-US" sz="5143" b="1" dirty="0" err="1"/>
+              <a:t>Seon</a:t>
+            </a:r>
+            <a:r>
+              <a:rPr lang="en-US" altLang="en-US" sz="5143" b="1" dirty="0"/>
+              <a:t> Chung(alicechung@uchicao.edu), </a:t>
+            </a:r>
+            <a:r>
+              <a:rPr lang="en-US" altLang="en-US" sz="5143" b="1" dirty="0" smtClean="0"/>
+              <a:t>Computational Social Sciences</a:t>
+            </a:r>
+            <a:endParaRPr lang="en-US" altLang="en-US" sz="5143" b="1" dirty="0" smtClean="0"/>
           </a:p>
           <a:p>
             <a:pPr algn="ctr">
@@ -4740,32 +4789,16 @@
               <a:buNone/>
             </a:pPr>
             <a:r>
-              <a:rPr lang="en-US" altLang="en-US" sz="8228" b="1" dirty="0">
-                <a:solidFill>
-                  <a:schemeClr val="accent3">
-                    <a:lumMod val="95000"/>
-                  </a:schemeClr>
-                </a:solidFill>
-              </a:rPr>
-              <a:t>about trade within </a:t>
-            </a:r>
-            <a:r>
-              <a:rPr lang="en-US" altLang="en-US" sz="8228" b="1" dirty="0">
-                <a:solidFill>
-                  <a:srgbClr val="FF0000"/>
-                </a:solidFill>
-              </a:rPr>
-              <a:t>rust belt regions</a:t>
-            </a:r>
-            <a:r>
-              <a:rPr lang="en-US" altLang="en-US" sz="8228" b="1" dirty="0">
-                <a:solidFill>
-                  <a:schemeClr val="accent3">
-                    <a:lumMod val="95000"/>
-                  </a:schemeClr>
-                </a:solidFill>
-              </a:rPr>
-              <a:t>? </a:t>
+              <a:rPr lang="en-US" altLang="en-US" sz="5143" b="1" dirty="0" smtClean="0"/>
+              <a:t>Minju </a:t>
+            </a:r>
+            <a:r>
+              <a:rPr lang="en-US" altLang="en-US" sz="5143" b="1" dirty="0"/>
+              <a:t>Kim(minjukim@uchicago.edu</a:t>
+            </a:r>
+            <a:r>
+              <a:rPr lang="en-US" altLang="en-US" sz="5143" b="1" dirty="0" smtClean="0"/>
+              <a:t>), Department of Political Science</a:t>
             </a:r>
           </a:p>
           <a:p>
@@ -4777,70 +4810,10 @@
               <a:buNone/>
             </a:pPr>
             <a:r>
-              <a:rPr lang="en-US" altLang="en-US" sz="5143" dirty="0" err="1">
-                <a:solidFill>
-                  <a:schemeClr val="bg1"/>
-                </a:solidFill>
-              </a:rPr>
-              <a:t>Minju</a:t>
-            </a:r>
-            <a:r>
-              <a:rPr lang="en-US" altLang="en-US" sz="5143" dirty="0">
-                <a:solidFill>
-                  <a:schemeClr val="bg1"/>
-                </a:solidFill>
-              </a:rPr>
-              <a:t> Kim(minjukim@uchicago.edu), Alice </a:t>
-            </a:r>
-            <a:r>
-              <a:rPr lang="en-US" altLang="en-US" sz="5143" dirty="0" err="1">
-                <a:solidFill>
-                  <a:schemeClr val="bg1"/>
-                </a:solidFill>
-              </a:rPr>
-              <a:t>Mee</a:t>
-            </a:r>
-            <a:r>
-              <a:rPr lang="en-US" altLang="en-US" sz="5143" dirty="0">
-                <a:solidFill>
-                  <a:schemeClr val="bg1"/>
-                </a:solidFill>
-              </a:rPr>
+              <a:rPr lang="en-US" altLang="en-US" sz="5143" dirty="0" smtClean="0"/>
               <a:t> </a:t>
             </a:r>
-            <a:r>
-              <a:rPr lang="en-US" altLang="en-US" sz="5143" dirty="0" err="1">
-                <a:solidFill>
-                  <a:schemeClr val="bg1"/>
-                </a:solidFill>
-              </a:rPr>
-              <a:t>Seon</a:t>
-            </a:r>
-            <a:r>
-              <a:rPr lang="en-US" altLang="en-US" sz="5143" dirty="0">
-                <a:solidFill>
-                  <a:schemeClr val="bg1"/>
-                </a:solidFill>
-              </a:rPr>
-              <a:t> Chung(alicechung@uchicao.edu)</a:t>
-            </a:r>
-          </a:p>
-          <a:p>
-            <a:pPr algn="ctr" eaLnBrk="1" hangingPunct="1">
-              <a:spcBef>
-                <a:spcPct val="0"/>
-              </a:spcBef>
-              <a:buFontTx/>
-              <a:buNone/>
-            </a:pPr>
-            <a:r>
-              <a:rPr lang="en-US" altLang="en-US" sz="5143" dirty="0">
-                <a:solidFill>
-                  <a:schemeClr val="bg1"/>
-                </a:solidFill>
-              </a:rPr>
-              <a:t>University of Chicago</a:t>
-            </a:r>
+            <a:endParaRPr lang="en-US" altLang="en-US" sz="5143" dirty="0"/>
           </a:p>
         </p:txBody>
       </p:sp>
@@ -5047,7 +5020,7 @@
         </p:nvSpPr>
         <p:spPr bwMode="auto">
           <a:xfrm>
-            <a:off x="11355717" y="5193847"/>
+            <a:off x="11606830" y="5158872"/>
             <a:ext cx="10360152" cy="1172936"/>
           </a:xfrm>
           <a:prstGeom prst="rect">
@@ -5248,7 +5221,7 @@
         </p:nvSpPr>
         <p:spPr bwMode="auto">
           <a:xfrm>
-            <a:off x="11355717" y="13532008"/>
+            <a:off x="11606830" y="13556841"/>
             <a:ext cx="10360152" cy="1172936"/>
           </a:xfrm>
           <a:prstGeom prst="rect">
@@ -5634,7 +5607,7 @@
         </p:nvSpPr>
         <p:spPr bwMode="auto">
           <a:xfrm>
-            <a:off x="381001" y="17754600"/>
+            <a:off x="381000" y="19871481"/>
             <a:ext cx="10360152" cy="1177018"/>
           </a:xfrm>
           <a:prstGeom prst="rect">
@@ -6050,11 +6023,6 @@
               </a:rPr>
               <a:t>Using 15 FREX words for each dimension, count the frequencies and scaled by each document length.</a:t>
             </a:r>
-            <a:endParaRPr lang="en-US" altLang="en-US" sz="4400" dirty="0" smtClean="0">
-              <a:latin typeface="Times New Roman" charset="0"/>
-              <a:ea typeface="Times New Roman" charset="0"/>
-              <a:cs typeface="Times New Roman" charset="0"/>
-            </a:endParaRPr>
           </a:p>
           <a:p>
             <a:pPr marL="685800" indent="-685800"/>
@@ -6064,15 +6032,7 @@
                 <a:ea typeface="Times New Roman" charset="0"/>
                 <a:cs typeface="Times New Roman" charset="0"/>
               </a:rPr>
-              <a:t>R</a:t>
-            </a:r>
-            <a:r>
-              <a:rPr lang="en-US" altLang="en-US" sz="4800" dirty="0" smtClean="0">
-                <a:latin typeface="Times New Roman" charset="0"/>
-                <a:ea typeface="Times New Roman" charset="0"/>
-                <a:cs typeface="Times New Roman" charset="0"/>
-              </a:rPr>
-              <a:t>egression Model</a:t>
+              <a:t>Regression Model</a:t>
             </a:r>
             <a:endParaRPr lang="en-US" altLang="en-US" sz="4800" dirty="0">
               <a:latin typeface="Times New Roman" charset="0"/>
@@ -6161,7 +6121,15 @@
                 <a:ea typeface="Times New Roman" charset="0"/>
                 <a:cs typeface="Times New Roman" charset="0"/>
               </a:rPr>
-              <a:t>of the author </a:t>
+              <a:t>of the </a:t>
+            </a:r>
+            <a:r>
+              <a:rPr lang="en-US" sz="4400" dirty="0" smtClean="0">
+                <a:latin typeface="Times New Roman" charset="0"/>
+                <a:ea typeface="Times New Roman" charset="0"/>
+                <a:cs typeface="Times New Roman" charset="0"/>
+              </a:rPr>
+              <a:t>speaker</a:t>
             </a:r>
             <a:endParaRPr lang="en-US" sz="4400" dirty="0" smtClean="0">
               <a:latin typeface="Times New Roman" charset="0"/>
@@ -6224,8 +6192,8 @@
         </p:nvSpPr>
         <p:spPr bwMode="auto">
           <a:xfrm>
-            <a:off x="509017" y="19278600"/>
-            <a:ext cx="10360152" cy="17089205"/>
+            <a:off x="381000" y="21603933"/>
+            <a:ext cx="10360152" cy="10884429"/>
           </a:xfrm>
           <a:prstGeom prst="rect">
             <a:avLst/>
@@ -6388,7 +6356,23 @@
                 <a:ea typeface="Times New Roman" charset="0"/>
                 <a:cs typeface="Times New Roman" charset="0"/>
               </a:rPr>
-              <a:t>: Presidential candidates talk trade as an act of economic transactions in speeches of rust belt regions.</a:t>
+              <a:t>: Presidential </a:t>
+            </a:r>
+            <a:r>
+              <a:rPr lang="en-US" sz="4800" dirty="0" smtClean="0">
+                <a:latin typeface="Times New Roman" charset="0"/>
+                <a:ea typeface="Times New Roman" charset="0"/>
+                <a:cs typeface="Times New Roman" charset="0"/>
+              </a:rPr>
+              <a:t>candidates frame trade as an economic activity in speeches </a:t>
+            </a:r>
+            <a:r>
+              <a:rPr lang="en-US" sz="4800" dirty="0">
+                <a:latin typeface="Times New Roman" charset="0"/>
+                <a:ea typeface="Times New Roman" charset="0"/>
+                <a:cs typeface="Times New Roman" charset="0"/>
+              </a:rPr>
+              <a:t>of rust belt regions.</a:t>
             </a:r>
           </a:p>
           <a:p>
@@ -6407,18 +6391,15 @@
                 <a:ea typeface="Times New Roman" charset="0"/>
                 <a:cs typeface="Times New Roman" charset="0"/>
               </a:rPr>
-              <a:t>: Presidential candidates link trade with national security in speeches of non-rustbelt regions.</a:t>
-            </a:r>
-          </a:p>
-          <a:p>
-            <a:pPr lvl="0" algn="just" latinLnBrk="1"/>
+              <a:t>: Presidential candidates </a:t>
+            </a:r>
             <a:r>
               <a:rPr lang="en-US" sz="4800" dirty="0" smtClean="0">
                 <a:latin typeface="Times New Roman" charset="0"/>
                 <a:ea typeface="Times New Roman" charset="0"/>
                 <a:cs typeface="Times New Roman" charset="0"/>
               </a:rPr>
-              <a:t> H3-1: </a:t>
+              <a:t>link </a:t>
             </a:r>
             <a:r>
               <a:rPr lang="en-US" sz="4800" dirty="0">
@@ -6426,26 +6407,50 @@
                 <a:ea typeface="Times New Roman" charset="0"/>
                 <a:cs typeface="Times New Roman" charset="0"/>
               </a:rPr>
-              <a:t>Within rust belt regions, if the regions are swing states, presidential candidates talk more about threatened job security due to import competition.</a:t>
-            </a:r>
-          </a:p>
-          <a:p>
-            <a:pPr lvl="0" algn="just" latinLnBrk="1"/>
+              <a:t>trade with </a:t>
+            </a:r>
+            <a:r>
+              <a:rPr lang="en-US" sz="4800" dirty="0" smtClean="0">
+                <a:latin typeface="Times New Roman" charset="0"/>
+                <a:ea typeface="Times New Roman" charset="0"/>
+                <a:cs typeface="Times New Roman" charset="0"/>
+              </a:rPr>
+              <a:t>national security </a:t>
+            </a:r>
+            <a:r>
+              <a:rPr lang="en-US" sz="4800" dirty="0" smtClean="0">
+                <a:latin typeface="Times New Roman" charset="0"/>
+                <a:ea typeface="Times New Roman" charset="0"/>
+                <a:cs typeface="Times New Roman" charset="0"/>
+              </a:rPr>
+              <a:t>in </a:t>
+            </a:r>
             <a:r>
               <a:rPr lang="en-US" sz="4800" dirty="0">
                 <a:latin typeface="Times New Roman" charset="0"/>
                 <a:ea typeface="Times New Roman" charset="0"/>
                 <a:cs typeface="Times New Roman" charset="0"/>
               </a:rPr>
-              <a:t>H3-2: Within rust belt regions, if the regions are swing states, Democrats link </a:t>
-            </a:r>
+              <a:t>speeches of non-rustbelt regions.</a:t>
+            </a:r>
+          </a:p>
+          <a:p>
+            <a:pPr lvl="0" algn="just" latinLnBrk="1"/>
             <a:r>
               <a:rPr lang="en-US" sz="4800" dirty="0" smtClean="0">
                 <a:latin typeface="Times New Roman" charset="0"/>
                 <a:ea typeface="Times New Roman" charset="0"/>
                 <a:cs typeface="Times New Roman" charset="0"/>
               </a:rPr>
-              <a:t>threatened </a:t>
+              <a:t> </a:t>
+            </a:r>
+            <a:r>
+              <a:rPr lang="en-US" sz="4800" dirty="0" smtClean="0">
+                <a:latin typeface="Times New Roman" charset="0"/>
+                <a:ea typeface="Times New Roman" charset="0"/>
+                <a:cs typeface="Times New Roman" charset="0"/>
+              </a:rPr>
+              <a:t>H3: </a:t>
             </a:r>
             <a:r>
               <a:rPr lang="en-US" sz="4800" dirty="0">
@@ -6453,31 +6458,55 @@
                 <a:ea typeface="Times New Roman" charset="0"/>
                 <a:cs typeface="Times New Roman" charset="0"/>
               </a:rPr>
-              <a:t>job security with domestic words (worker, </a:t>
-            </a:r>
-            <a:r>
-              <a:rPr lang="en-US" sz="4800" dirty="0" err="1">
+              <a:t>Within rust belt regions, if the regions are swing states, presidential candidates </a:t>
+            </a:r>
+            <a:r>
+              <a:rPr lang="en-US" sz="4800" dirty="0" smtClean="0">
                 <a:latin typeface="Times New Roman" charset="0"/>
                 <a:ea typeface="Times New Roman" charset="0"/>
                 <a:cs typeface="Times New Roman" charset="0"/>
               </a:rPr>
-              <a:t>manufactur</a:t>
-            </a:r>
+              <a:t>frame trade as </a:t>
+            </a:r>
+            <a:r>
+              <a:rPr lang="en-US" sz="4800" dirty="0" smtClean="0">
+                <a:latin typeface="Times New Roman" charset="0"/>
+                <a:ea typeface="Times New Roman" charset="0"/>
+                <a:cs typeface="Times New Roman" charset="0"/>
+              </a:rPr>
+              <a:t>special interest</a:t>
+            </a:r>
+            <a:r>
+              <a:rPr lang="en-US" sz="4800" dirty="0" smtClean="0">
+                <a:latin typeface="Times New Roman" charset="0"/>
+                <a:ea typeface="Times New Roman" charset="0"/>
+                <a:cs typeface="Times New Roman" charset="0"/>
+              </a:rPr>
+              <a:t> by linking trade with job security .</a:t>
+            </a:r>
+            <a:endParaRPr lang="en-US" sz="4800" dirty="0">
+              <a:latin typeface="Times New Roman" charset="0"/>
+              <a:ea typeface="Times New Roman" charset="0"/>
+              <a:cs typeface="Times New Roman" charset="0"/>
+            </a:endParaRPr>
+          </a:p>
+          <a:p>
+            <a:pPr lvl="0" algn="just" latinLnBrk="1"/>
             <a:r>
               <a:rPr lang="en-US" sz="4800" dirty="0">
                 <a:latin typeface="Times New Roman" charset="0"/>
                 <a:ea typeface="Times New Roman" charset="0"/>
                 <a:cs typeface="Times New Roman" charset="0"/>
               </a:rPr>
-              <a:t>, labor, plant, union) , while Republicans link threatened job security with foreign or international words (agreement, </a:t>
-            </a:r>
-            <a:r>
-              <a:rPr lang="en-US" sz="4800" dirty="0" err="1">
+              <a:t> </a:t>
+            </a:r>
+            <a:r>
+              <a:rPr lang="en-US" sz="4800" dirty="0" smtClean="0">
                 <a:latin typeface="Times New Roman" charset="0"/>
                 <a:ea typeface="Times New Roman" charset="0"/>
                 <a:cs typeface="Times New Roman" charset="0"/>
               </a:rPr>
-              <a:t>nafta</a:t>
+              <a:t>H4</a:t>
             </a:r>
             <a:r>
               <a:rPr lang="en-US" sz="4800" dirty="0">
@@ -6485,26 +6514,17 @@
                 <a:ea typeface="Times New Roman" charset="0"/>
                 <a:cs typeface="Times New Roman" charset="0"/>
               </a:rPr>
-              <a:t>, china, deal). </a:t>
-            </a:r>
-          </a:p>
-          <a:p>
-            <a:pPr lvl="0" algn="just" latinLnBrk="1"/>
-            <a:r>
-              <a:rPr lang="en-US" sz="4800" dirty="0">
+              <a:t>: Within non-rust belt regions, if the regions are swing states, presidential </a:t>
+            </a:r>
+            <a:r>
+              <a:rPr lang="en-US" sz="4800" dirty="0" smtClean="0">
                 <a:latin typeface="Times New Roman" charset="0"/>
                 <a:ea typeface="Times New Roman" charset="0"/>
                 <a:cs typeface="Times New Roman" charset="0"/>
               </a:rPr>
-              <a:t>H4: Within non-rust belt regions, if the regions are swing states, presidential candidates talk more about threatened national security due to globalization.</a:t>
-            </a:r>
-          </a:p>
-          <a:p>
-            <a:pPr algn="just">
-              <a:buFontTx/>
-              <a:buNone/>
-            </a:pPr>
-            <a:endParaRPr lang="en-US" altLang="en-US" sz="4800" dirty="0">
+              <a:t>candidates frame trade as a source of personal-level security threat. </a:t>
+            </a:r>
+            <a:endParaRPr lang="en-US" sz="4800" dirty="0">
               <a:latin typeface="Times New Roman" charset="0"/>
               <a:ea typeface="Times New Roman" charset="0"/>
               <a:cs typeface="Times New Roman" charset="0"/>
@@ -6692,7 +6712,7 @@
         </p:nvSpPr>
         <p:spPr bwMode="auto">
           <a:xfrm>
-            <a:off x="381000" y="12725400"/>
+            <a:off x="355600" y="14734950"/>
             <a:ext cx="10360152" cy="1177018"/>
           </a:xfrm>
           <a:prstGeom prst="rect">
@@ -6885,7 +6905,7 @@
         </p:nvSpPr>
         <p:spPr bwMode="auto">
           <a:xfrm>
-            <a:off x="381000" y="14157642"/>
+            <a:off x="431800" y="16261453"/>
             <a:ext cx="10360152" cy="3054594"/>
           </a:xfrm>
           <a:prstGeom prst="rect">
@@ -7034,17 +7054,40 @@
             </a:lvl9pPr>
           </a:lstStyle>
           <a:p>
-            <a:pPr marL="685800" lvl="0" indent="-685800">
-              <a:buFont typeface="Arial" charset="0"/>
-              <a:buChar char="•"/>
+            <a:pPr lvl="0">
+              <a:buNone/>
             </a:pPr>
+            <a:r>
+              <a:rPr lang="en-US" sz="4800" dirty="0" smtClean="0">
+                <a:latin typeface="Times New Roman" charset="0"/>
+                <a:ea typeface="Times New Roman" charset="0"/>
+                <a:cs typeface="Times New Roman" charset="0"/>
+              </a:rPr>
+              <a:t>Presidential </a:t>
+            </a:r>
             <a:r>
               <a:rPr lang="en-US" sz="4800" dirty="0">
                 <a:latin typeface="Times New Roman" charset="0"/>
                 <a:ea typeface="Times New Roman" charset="0"/>
                 <a:cs typeface="Times New Roman" charset="0"/>
               </a:rPr>
-              <a:t>Presidential candidates make campaign speeches considering the regional characteristics of the location where they delivery speech</a:t>
+              <a:t>candidates make campaign speeches considering the regional characteristics of </a:t>
+            </a:r>
+            <a:r>
+              <a:rPr lang="en-US" sz="4800" dirty="0" smtClean="0">
+                <a:latin typeface="Times New Roman" charset="0"/>
+                <a:ea typeface="Times New Roman" charset="0"/>
+                <a:cs typeface="Times New Roman" charset="0"/>
+              </a:rPr>
+              <a:t>the location where </a:t>
+            </a:r>
+            <a:r>
+              <a:rPr lang="en-US" sz="4800" dirty="0">
+                <a:latin typeface="Times New Roman" charset="0"/>
+                <a:ea typeface="Times New Roman" charset="0"/>
+                <a:cs typeface="Times New Roman" charset="0"/>
+              </a:rPr>
+              <a:t>they delivery speech</a:t>
             </a:r>
             <a:r>
               <a:rPr lang="en-US" sz="4800" dirty="0" smtClean="0">
@@ -7072,8 +7115,8 @@
         </p:nvSpPr>
         <p:spPr bwMode="auto">
           <a:xfrm>
-            <a:off x="11355717" y="6734591"/>
-            <a:ext cx="10360152" cy="5713783"/>
+            <a:off x="11326459" y="6589152"/>
+            <a:ext cx="10640523" cy="6895645"/>
           </a:xfrm>
           <a:prstGeom prst="rect">
             <a:avLst/>
@@ -7285,41 +7328,71 @@
               <a:t>Descriptive </a:t>
             </a:r>
             <a:r>
+              <a:rPr lang="en-US" altLang="en-US" sz="4800" dirty="0" smtClean="0">
+                <a:latin typeface="Times New Roman" charset="0"/>
+                <a:ea typeface="Times New Roman" charset="0"/>
+                <a:cs typeface="Times New Roman" charset="0"/>
+              </a:rPr>
+              <a:t>Statistics</a:t>
+            </a:r>
+            <a:br>
+              <a:rPr lang="en-US" altLang="en-US" sz="4800" dirty="0" smtClean="0">
+                <a:latin typeface="Times New Roman" charset="0"/>
+                <a:ea typeface="Times New Roman" charset="0"/>
+                <a:cs typeface="Times New Roman" charset="0"/>
+              </a:rPr>
+            </a:br>
+            <a:r>
+              <a:rPr lang="en-US" altLang="en-US" sz="4800" dirty="0" smtClean="0">
+                <a:latin typeface="Times New Roman" charset="0"/>
+                <a:ea typeface="Times New Roman" charset="0"/>
+                <a:cs typeface="Times New Roman" charset="0"/>
+              </a:rPr>
+              <a:t>(1) Total 1247 speeches, </a:t>
+            </a:r>
+            <a:br>
+              <a:rPr lang="en-US" altLang="en-US" sz="4800" dirty="0" smtClean="0">
+                <a:latin typeface="Times New Roman" charset="0"/>
+                <a:ea typeface="Times New Roman" charset="0"/>
+                <a:cs typeface="Times New Roman" charset="0"/>
+              </a:rPr>
+            </a:br>
+            <a:r>
+              <a:rPr lang="en-US" altLang="en-US" sz="4800" dirty="0" smtClean="0">
+                <a:latin typeface="Times New Roman" charset="0"/>
+                <a:ea typeface="Times New Roman" charset="0"/>
+                <a:cs typeface="Times New Roman" charset="0"/>
+              </a:rPr>
+              <a:t>(2) 676 from Democratic Party, 571 from Republican Party </a:t>
+            </a:r>
+            <a:r>
               <a:rPr lang="en-US" altLang="en-US" sz="4800" dirty="0">
                 <a:latin typeface="Times New Roman" charset="0"/>
                 <a:ea typeface="Times New Roman" charset="0"/>
                 <a:cs typeface="Times New Roman" charset="0"/>
               </a:rPr>
-              <a:t>Statistics</a:t>
-            </a:r>
-          </a:p>
-          <a:p>
-            <a:pPr marL="685800" indent="-685800">
-              <a:buFont typeface="Arial" charset="0"/>
-              <a:buChar char="•"/>
-            </a:pPr>
-            <a:r>
+              <a:t/>
+            </a:r>
+            <a:br>
               <a:rPr lang="en-US" altLang="en-US" sz="4800" dirty="0">
                 <a:latin typeface="Times New Roman" charset="0"/>
                 <a:ea typeface="Times New Roman" charset="0"/>
                 <a:cs typeface="Times New Roman" charset="0"/>
               </a:rPr>
-              <a:t>By party, by year</a:t>
-            </a:r>
-          </a:p>
-          <a:p>
-            <a:pPr marL="685800" indent="-685800">
-              <a:buFont typeface="Arial" charset="0"/>
-              <a:buChar char="•"/>
-            </a:pPr>
-            <a:r>
-              <a:rPr lang="en-US" altLang="en-US" sz="4800" dirty="0">
+            </a:br>
+            <a:r>
+              <a:rPr lang="en-US" altLang="en-US" sz="4800" dirty="0" smtClean="0">
                 <a:latin typeface="Times New Roman" charset="0"/>
                 <a:ea typeface="Times New Roman" charset="0"/>
                 <a:cs typeface="Times New Roman" charset="0"/>
               </a:rPr>
-              <a:t>Rust map </a:t>
-            </a:r>
+              <a:t>(3) 685, 282, 280 speeches in each year</a:t>
+            </a:r>
+            <a:endParaRPr lang="en-US" altLang="en-US" sz="4800" dirty="0" smtClean="0">
+              <a:latin typeface="Times New Roman" charset="0"/>
+              <a:ea typeface="Times New Roman" charset="0"/>
+              <a:cs typeface="Times New Roman" charset="0"/>
+            </a:endParaRPr>
           </a:p>
         </p:txBody>
       </p:sp>
@@ -7333,7 +7406,7 @@
         </p:nvSpPr>
         <p:spPr bwMode="auto">
           <a:xfrm>
-            <a:off x="33147000" y="5193847"/>
+            <a:off x="22510496" y="19129435"/>
             <a:ext cx="10360152" cy="1172936"/>
           </a:xfrm>
           <a:prstGeom prst="rect">
@@ -7506,13 +7579,18 @@
               <a:buNone/>
             </a:pPr>
             <a:r>
-              <a:rPr lang="en-US" altLang="en-US" sz="4628" dirty="0">
+              <a:rPr lang="en-US" altLang="en-US" sz="4628" dirty="0" smtClean="0">
                 <a:solidFill>
                   <a:schemeClr val="bg1"/>
                 </a:solidFill>
               </a:rPr>
-              <a:t>Regression Results</a:t>
-            </a:r>
+              <a:t>Word Cloud</a:t>
+            </a:r>
+            <a:endParaRPr lang="en-US" altLang="en-US" sz="4628" dirty="0">
+              <a:solidFill>
+                <a:schemeClr val="bg1"/>
+              </a:solidFill>
+            </a:endParaRPr>
           </a:p>
         </p:txBody>
       </p:sp>
@@ -7526,7 +7604,7 @@
         </p:nvSpPr>
         <p:spPr bwMode="auto">
           <a:xfrm>
-            <a:off x="33287480" y="25374600"/>
+            <a:off x="33683719" y="24389088"/>
             <a:ext cx="10360152" cy="1177018"/>
           </a:xfrm>
           <a:prstGeom prst="rect">
@@ -7884,7 +7962,7 @@
           <p:cNvPr id="2" name="TextBox 1">
             <a:extLst>
               <a:ext uri="{FF2B5EF4-FFF2-40B4-BE49-F238E27FC236}">
-                <a16:creationId xmlns:a16="http://schemas.microsoft.com/office/drawing/2014/main" xmlns="" id="{7B97C7E3-A8DF-4DC3-A1E2-1B0C28BA069E}"/>
+                <a16:creationId xmlns:a16="http://schemas.microsoft.com/office/drawing/2014/main" id="{7B97C7E3-A8DF-4DC3-A1E2-1B0C28BA069E}"/>
               </a:ext>
             </a:extLst>
           </p:cNvPr>
@@ -7911,153 +7989,16 @@
           </a:p>
         </p:txBody>
       </p:sp>
-      <p:grpSp>
-        <p:nvGrpSpPr>
-          <p:cNvPr id="8" name="Group 7"/>
-          <p:cNvGrpSpPr>
-            <a:grpSpLocks noChangeAspect="1"/>
-          </p:cNvGrpSpPr>
-          <p:nvPr/>
-        </p:nvGrpSpPr>
-        <p:grpSpPr>
-          <a:xfrm>
-            <a:off x="33275162" y="7153836"/>
-            <a:ext cx="10045593" cy="10058400"/>
-            <a:chOff x="14251882" y="9179809"/>
-            <a:chExt cx="15751722" cy="15771806"/>
-          </a:xfrm>
-        </p:grpSpPr>
-        <p:pic>
-          <p:nvPicPr>
-            <p:cNvPr id="4" name="Picture 3"/>
-            <p:cNvPicPr>
-              <a:picLocks noChangeAspect="1"/>
-            </p:cNvPicPr>
-            <p:nvPr/>
-          </p:nvPicPr>
-          <p:blipFill>
-            <a:blip r:embed="rId3" cstate="print">
-              <a:extLst>
-                <a:ext uri="{28A0092B-C50C-407E-A947-70E740481C1C}">
-                  <a14:useLocalDpi xmlns:a14="http://schemas.microsoft.com/office/drawing/2010/main" val="0"/>
-                </a:ext>
-              </a:extLst>
-            </a:blip>
-            <a:stretch>
-              <a:fillRect/>
-            </a:stretch>
-          </p:blipFill>
-          <p:spPr>
-            <a:xfrm>
-              <a:off x="14270219" y="17179215"/>
-              <a:ext cx="7772400" cy="7772400"/>
-            </a:xfrm>
-            <a:prstGeom prst="rect">
-              <a:avLst/>
-            </a:prstGeom>
-          </p:spPr>
-        </p:pic>
-        <p:pic>
-          <p:nvPicPr>
-            <p:cNvPr id="5" name="Picture 4"/>
-            <p:cNvPicPr>
-              <a:picLocks noChangeAspect="1"/>
-            </p:cNvPicPr>
-            <p:nvPr/>
-          </p:nvPicPr>
-          <p:blipFill>
-            <a:blip r:embed="rId4" cstate="print">
-              <a:extLst>
-                <a:ext uri="{28A0092B-C50C-407E-A947-70E740481C1C}">
-                  <a14:useLocalDpi xmlns:a14="http://schemas.microsoft.com/office/drawing/2010/main" val="0"/>
-                </a:ext>
-              </a:extLst>
-            </a:blip>
-            <a:stretch>
-              <a:fillRect/>
-            </a:stretch>
-          </p:blipFill>
-          <p:spPr>
-            <a:xfrm>
-              <a:off x="22231204" y="9185244"/>
-              <a:ext cx="7772400" cy="7772400"/>
-            </a:xfrm>
-            <a:prstGeom prst="rect">
-              <a:avLst/>
-            </a:prstGeom>
-          </p:spPr>
-        </p:pic>
-        <p:pic>
-          <p:nvPicPr>
-            <p:cNvPr id="6" name="Picture 5"/>
-            <p:cNvPicPr>
-              <a:picLocks noChangeAspect="1"/>
-            </p:cNvPicPr>
-            <p:nvPr/>
-          </p:nvPicPr>
-          <p:blipFill>
-            <a:blip r:embed="rId5" cstate="print">
-              <a:extLst>
-                <a:ext uri="{28A0092B-C50C-407E-A947-70E740481C1C}">
-                  <a14:useLocalDpi xmlns:a14="http://schemas.microsoft.com/office/drawing/2010/main" val="0"/>
-                </a:ext>
-              </a:extLst>
-            </a:blip>
-            <a:stretch>
-              <a:fillRect/>
-            </a:stretch>
-          </p:blipFill>
-          <p:spPr>
-            <a:xfrm>
-              <a:off x="14251882" y="9179809"/>
-              <a:ext cx="7772400" cy="7772400"/>
-            </a:xfrm>
-            <a:prstGeom prst="rect">
-              <a:avLst/>
-            </a:prstGeom>
-          </p:spPr>
-        </p:pic>
-        <p:pic>
-          <p:nvPicPr>
-            <p:cNvPr id="7" name="Picture 6"/>
-            <p:cNvPicPr>
-              <a:picLocks noChangeAspect="1"/>
-            </p:cNvPicPr>
-            <p:nvPr/>
-          </p:nvPicPr>
-          <p:blipFill>
-            <a:blip r:embed="rId6" cstate="print">
-              <a:extLst>
-                <a:ext uri="{28A0092B-C50C-407E-A947-70E740481C1C}">
-                  <a14:useLocalDpi xmlns:a14="http://schemas.microsoft.com/office/drawing/2010/main" val="0"/>
-                </a:ext>
-              </a:extLst>
-            </a:blip>
-            <a:stretch>
-              <a:fillRect/>
-            </a:stretch>
-          </p:blipFill>
-          <p:spPr>
-            <a:xfrm>
-              <a:off x="22212177" y="17179215"/>
-              <a:ext cx="7772400" cy="7772400"/>
-            </a:xfrm>
-            <a:prstGeom prst="rect">
-              <a:avLst/>
-            </a:prstGeom>
-          </p:spPr>
-        </p:pic>
-      </p:grpSp>
       <p:pic>
         <p:nvPicPr>
-          <p:cNvPr id="9" name="Picture 8"/>
+          <p:cNvPr id="10" name="Picture 9"/>
           <p:cNvPicPr>
             <a:picLocks noChangeAspect="1"/>
           </p:cNvPicPr>
           <p:nvPr/>
         </p:nvPicPr>
         <p:blipFill>
-          <a:blip r:embed="rId7">
+          <a:blip r:embed="rId3" cstate="print">
             <a:extLst>
               <a:ext uri="{28A0092B-C50C-407E-A947-70E740481C1C}">
                 <a14:useLocalDpi xmlns:a14="http://schemas.microsoft.com/office/drawing/2010/main" val="0"/>
@@ -8070,8 +8011,434 @@
         </p:blipFill>
         <p:spPr>
           <a:xfrm>
-            <a:off x="22482202" y="21190783"/>
-            <a:ext cx="10283798" cy="6546017"/>
+            <a:off x="34074100" y="17090066"/>
+            <a:ext cx="10058400" cy="6739847"/>
+          </a:xfrm>
+          <a:prstGeom prst="rect">
+            <a:avLst/>
+          </a:prstGeom>
+        </p:spPr>
+      </p:pic>
+      <p:sp>
+        <p:nvSpPr>
+          <p:cNvPr id="29" name="Rectangle 40"/>
+          <p:cNvSpPr>
+            <a:spLocks noChangeArrowheads="1"/>
+          </p:cNvSpPr>
+          <p:nvPr/>
+        </p:nvSpPr>
+        <p:spPr bwMode="auto">
+          <a:xfrm>
+            <a:off x="33480402" y="15249900"/>
+            <a:ext cx="10360152" cy="1177018"/>
+          </a:xfrm>
+          <a:prstGeom prst="rect">
+            <a:avLst/>
+          </a:prstGeom>
+          <a:solidFill>
+            <a:srgbClr val="002060"/>
+          </a:solidFill>
+          <a:ln>
+            <a:noFill/>
+          </a:ln>
+          <a:effectLst>
+            <a:outerShdw blurRad="190500" dist="228600" dir="2700000" algn="ctr">
+              <a:srgbClr val="000000">
+                <a:alpha val="30000"/>
+              </a:srgbClr>
+            </a:outerShdw>
+          </a:effectLst>
+          <a:scene3d>
+            <a:camera prst="orthographicFront">
+              <a:rot lat="0" lon="0" rev="0"/>
+            </a:camera>
+            <a:lightRig rig="glow" dir="t">
+              <a:rot lat="0" lon="0" rev="4800000"/>
+            </a:lightRig>
+          </a:scene3d>
+          <a:sp3d prstMaterial="matte">
+            <a:bevelT w="127000" h="63500"/>
+          </a:sp3d>
+        </p:spPr>
+        <p:txBody>
+          <a:bodyPr lIns="98973" tIns="49486" rIns="98973" bIns="49486" anchor="ctr"/>
+          <a:lstStyle>
+            <a:lvl1pPr defTabSz="3760788">
+              <a:spcBef>
+                <a:spcPct val="20000"/>
+              </a:spcBef>
+              <a:buChar char="•"/>
+              <a:defRPr sz="13100">
+                <a:solidFill>
+                  <a:schemeClr val="tx1"/>
+                </a:solidFill>
+                <a:latin typeface="Arial" charset="0"/>
+                <a:ea typeface="ＭＳ Ｐゴシック" charset="-128"/>
+              </a:defRPr>
+            </a:lvl1pPr>
+            <a:lvl2pPr marL="742950" indent="-285750" defTabSz="3760788">
+              <a:spcBef>
+                <a:spcPct val="20000"/>
+              </a:spcBef>
+              <a:buChar char="–"/>
+              <a:defRPr sz="11500">
+                <a:solidFill>
+                  <a:schemeClr val="tx1"/>
+                </a:solidFill>
+                <a:latin typeface="Arial" charset="0"/>
+                <a:ea typeface="ＭＳ Ｐゴシック" charset="-128"/>
+              </a:defRPr>
+            </a:lvl2pPr>
+            <a:lvl3pPr marL="1143000" indent="-228600" defTabSz="3760788">
+              <a:spcBef>
+                <a:spcPct val="20000"/>
+              </a:spcBef>
+              <a:buChar char="•"/>
+              <a:defRPr sz="9800">
+                <a:solidFill>
+                  <a:schemeClr val="tx1"/>
+                </a:solidFill>
+                <a:latin typeface="Arial" charset="0"/>
+                <a:ea typeface="ＭＳ Ｐゴシック" charset="-128"/>
+              </a:defRPr>
+            </a:lvl3pPr>
+            <a:lvl4pPr marL="1600200" indent="-228600" defTabSz="3760788">
+              <a:spcBef>
+                <a:spcPct val="20000"/>
+              </a:spcBef>
+              <a:buChar char="–"/>
+              <a:defRPr sz="8100">
+                <a:solidFill>
+                  <a:schemeClr val="tx1"/>
+                </a:solidFill>
+                <a:latin typeface="Arial" charset="0"/>
+                <a:ea typeface="ＭＳ Ｐゴシック" charset="-128"/>
+              </a:defRPr>
+            </a:lvl4pPr>
+            <a:lvl5pPr marL="2057400" indent="-228600" defTabSz="3760788">
+              <a:spcBef>
+                <a:spcPct val="20000"/>
+              </a:spcBef>
+              <a:buChar char="»"/>
+              <a:defRPr sz="8100">
+                <a:solidFill>
+                  <a:schemeClr val="tx1"/>
+                </a:solidFill>
+                <a:latin typeface="Arial" charset="0"/>
+                <a:ea typeface="ＭＳ Ｐゴシック" charset="-128"/>
+              </a:defRPr>
+            </a:lvl5pPr>
+            <a:lvl6pPr marL="2514600" indent="-228600" defTabSz="3760788" eaLnBrk="0" fontAlgn="base" hangingPunct="0">
+              <a:spcBef>
+                <a:spcPct val="20000"/>
+              </a:spcBef>
+              <a:spcAft>
+                <a:spcPct val="0"/>
+              </a:spcAft>
+              <a:buChar char="»"/>
+              <a:defRPr sz="8100">
+                <a:solidFill>
+                  <a:schemeClr val="tx1"/>
+                </a:solidFill>
+                <a:latin typeface="Arial" charset="0"/>
+                <a:ea typeface="ＭＳ Ｐゴシック" charset="-128"/>
+              </a:defRPr>
+            </a:lvl6pPr>
+            <a:lvl7pPr marL="2971800" indent="-228600" defTabSz="3760788" eaLnBrk="0" fontAlgn="base" hangingPunct="0">
+              <a:spcBef>
+                <a:spcPct val="20000"/>
+              </a:spcBef>
+              <a:spcAft>
+                <a:spcPct val="0"/>
+              </a:spcAft>
+              <a:buChar char="»"/>
+              <a:defRPr sz="8100">
+                <a:solidFill>
+                  <a:schemeClr val="tx1"/>
+                </a:solidFill>
+                <a:latin typeface="Arial" charset="0"/>
+                <a:ea typeface="ＭＳ Ｐゴシック" charset="-128"/>
+              </a:defRPr>
+            </a:lvl7pPr>
+            <a:lvl8pPr marL="3429000" indent="-228600" defTabSz="3760788" eaLnBrk="0" fontAlgn="base" hangingPunct="0">
+              <a:spcBef>
+                <a:spcPct val="20000"/>
+              </a:spcBef>
+              <a:spcAft>
+                <a:spcPct val="0"/>
+              </a:spcAft>
+              <a:buChar char="»"/>
+              <a:defRPr sz="8100">
+                <a:solidFill>
+                  <a:schemeClr val="tx1"/>
+                </a:solidFill>
+                <a:latin typeface="Arial" charset="0"/>
+                <a:ea typeface="ＭＳ Ｐゴシック" charset="-128"/>
+              </a:defRPr>
+            </a:lvl8pPr>
+            <a:lvl9pPr marL="3886200" indent="-228600" defTabSz="3760788" eaLnBrk="0" fontAlgn="base" hangingPunct="0">
+              <a:spcBef>
+                <a:spcPct val="20000"/>
+              </a:spcBef>
+              <a:spcAft>
+                <a:spcPct val="0"/>
+              </a:spcAft>
+              <a:buChar char="»"/>
+              <a:defRPr sz="8100">
+                <a:solidFill>
+                  <a:schemeClr val="tx1"/>
+                </a:solidFill>
+                <a:latin typeface="Arial" charset="0"/>
+                <a:ea typeface="ＭＳ Ｐゴシック" charset="-128"/>
+              </a:defRPr>
+            </a:lvl9pPr>
+          </a:lstStyle>
+          <a:p>
+            <a:pPr algn="ctr" eaLnBrk="1" hangingPunct="1">
+              <a:spcBef>
+                <a:spcPct val="0"/>
+              </a:spcBef>
+              <a:buFontTx/>
+              <a:buNone/>
+            </a:pPr>
+            <a:r>
+              <a:rPr lang="en-US" altLang="en-US" sz="4628" dirty="0" smtClean="0">
+                <a:solidFill>
+                  <a:schemeClr val="bg1"/>
+                </a:solidFill>
+              </a:rPr>
+              <a:t>Trade Topic Salience Map</a:t>
+            </a:r>
+            <a:endParaRPr lang="en-US" altLang="en-US" sz="4628" dirty="0">
+              <a:solidFill>
+                <a:schemeClr val="bg1"/>
+              </a:solidFill>
+            </a:endParaRPr>
+          </a:p>
+        </p:txBody>
+      </p:sp>
+      <p:sp>
+        <p:nvSpPr>
+          <p:cNvPr id="31" name="Rectangle 24"/>
+          <p:cNvSpPr>
+            <a:spLocks noChangeArrowheads="1"/>
+          </p:cNvSpPr>
+          <p:nvPr/>
+        </p:nvSpPr>
+        <p:spPr bwMode="auto">
+          <a:xfrm>
+            <a:off x="33553321" y="5193847"/>
+            <a:ext cx="10360152" cy="1172936"/>
+          </a:xfrm>
+          <a:prstGeom prst="rect">
+            <a:avLst/>
+          </a:prstGeom>
+          <a:solidFill>
+            <a:srgbClr val="002060"/>
+          </a:solidFill>
+          <a:ln>
+            <a:noFill/>
+          </a:ln>
+          <a:effectLst>
+            <a:outerShdw blurRad="190500" dist="228600" dir="2700000" algn="ctr">
+              <a:srgbClr val="000000">
+                <a:alpha val="30000"/>
+              </a:srgbClr>
+            </a:outerShdw>
+          </a:effectLst>
+          <a:scene3d>
+            <a:camera prst="orthographicFront">
+              <a:rot lat="0" lon="0" rev="0"/>
+            </a:camera>
+            <a:lightRig rig="glow" dir="t">
+              <a:rot lat="0" lon="0" rev="4800000"/>
+            </a:lightRig>
+          </a:scene3d>
+          <a:sp3d prstMaterial="matte">
+            <a:bevelT w="127000" h="63500"/>
+          </a:sp3d>
+        </p:spPr>
+        <p:txBody>
+          <a:bodyPr lIns="98973" tIns="49486" rIns="98973" bIns="49486" anchor="ctr"/>
+          <a:lstStyle>
+            <a:lvl1pPr defTabSz="3760788">
+              <a:spcBef>
+                <a:spcPct val="20000"/>
+              </a:spcBef>
+              <a:buChar char="•"/>
+              <a:defRPr sz="13100">
+                <a:solidFill>
+                  <a:schemeClr val="tx1"/>
+                </a:solidFill>
+                <a:latin typeface="Arial" charset="0"/>
+                <a:ea typeface="ＭＳ Ｐゴシック" charset="-128"/>
+              </a:defRPr>
+            </a:lvl1pPr>
+            <a:lvl2pPr marL="742950" indent="-285750" defTabSz="3760788">
+              <a:spcBef>
+                <a:spcPct val="20000"/>
+              </a:spcBef>
+              <a:buChar char="–"/>
+              <a:defRPr sz="11500">
+                <a:solidFill>
+                  <a:schemeClr val="tx1"/>
+                </a:solidFill>
+                <a:latin typeface="Arial" charset="0"/>
+                <a:ea typeface="ＭＳ Ｐゴシック" charset="-128"/>
+              </a:defRPr>
+            </a:lvl2pPr>
+            <a:lvl3pPr marL="1143000" indent="-228600" defTabSz="3760788">
+              <a:spcBef>
+                <a:spcPct val="20000"/>
+              </a:spcBef>
+              <a:buChar char="•"/>
+              <a:defRPr sz="9800">
+                <a:solidFill>
+                  <a:schemeClr val="tx1"/>
+                </a:solidFill>
+                <a:latin typeface="Arial" charset="0"/>
+                <a:ea typeface="ＭＳ Ｐゴシック" charset="-128"/>
+              </a:defRPr>
+            </a:lvl3pPr>
+            <a:lvl4pPr marL="1600200" indent="-228600" defTabSz="3760788">
+              <a:spcBef>
+                <a:spcPct val="20000"/>
+              </a:spcBef>
+              <a:buChar char="–"/>
+              <a:defRPr sz="8100">
+                <a:solidFill>
+                  <a:schemeClr val="tx1"/>
+                </a:solidFill>
+                <a:latin typeface="Arial" charset="0"/>
+                <a:ea typeface="ＭＳ Ｐゴシック" charset="-128"/>
+              </a:defRPr>
+            </a:lvl4pPr>
+            <a:lvl5pPr marL="2057400" indent="-228600" defTabSz="3760788">
+              <a:spcBef>
+                <a:spcPct val="20000"/>
+              </a:spcBef>
+              <a:buChar char="»"/>
+              <a:defRPr sz="8100">
+                <a:solidFill>
+                  <a:schemeClr val="tx1"/>
+                </a:solidFill>
+                <a:latin typeface="Arial" charset="0"/>
+                <a:ea typeface="ＭＳ Ｐゴシック" charset="-128"/>
+              </a:defRPr>
+            </a:lvl5pPr>
+            <a:lvl6pPr marL="2514600" indent="-228600" defTabSz="3760788" eaLnBrk="0" fontAlgn="base" hangingPunct="0">
+              <a:spcBef>
+                <a:spcPct val="20000"/>
+              </a:spcBef>
+              <a:spcAft>
+                <a:spcPct val="0"/>
+              </a:spcAft>
+              <a:buChar char="»"/>
+              <a:defRPr sz="8100">
+                <a:solidFill>
+                  <a:schemeClr val="tx1"/>
+                </a:solidFill>
+                <a:latin typeface="Arial" charset="0"/>
+                <a:ea typeface="ＭＳ Ｐゴシック" charset="-128"/>
+              </a:defRPr>
+            </a:lvl6pPr>
+            <a:lvl7pPr marL="2971800" indent="-228600" defTabSz="3760788" eaLnBrk="0" fontAlgn="base" hangingPunct="0">
+              <a:spcBef>
+                <a:spcPct val="20000"/>
+              </a:spcBef>
+              <a:spcAft>
+                <a:spcPct val="0"/>
+              </a:spcAft>
+              <a:buChar char="»"/>
+              <a:defRPr sz="8100">
+                <a:solidFill>
+                  <a:schemeClr val="tx1"/>
+                </a:solidFill>
+                <a:latin typeface="Arial" charset="0"/>
+                <a:ea typeface="ＭＳ Ｐゴシック" charset="-128"/>
+              </a:defRPr>
+            </a:lvl7pPr>
+            <a:lvl8pPr marL="3429000" indent="-228600" defTabSz="3760788" eaLnBrk="0" fontAlgn="base" hangingPunct="0">
+              <a:spcBef>
+                <a:spcPct val="20000"/>
+              </a:spcBef>
+              <a:spcAft>
+                <a:spcPct val="0"/>
+              </a:spcAft>
+              <a:buChar char="»"/>
+              <a:defRPr sz="8100">
+                <a:solidFill>
+                  <a:schemeClr val="tx1"/>
+                </a:solidFill>
+                <a:latin typeface="Arial" charset="0"/>
+                <a:ea typeface="ＭＳ Ｐゴシック" charset="-128"/>
+              </a:defRPr>
+            </a:lvl8pPr>
+            <a:lvl9pPr marL="3886200" indent="-228600" defTabSz="3760788" eaLnBrk="0" fontAlgn="base" hangingPunct="0">
+              <a:spcBef>
+                <a:spcPct val="20000"/>
+              </a:spcBef>
+              <a:spcAft>
+                <a:spcPct val="0"/>
+              </a:spcAft>
+              <a:buChar char="»"/>
+              <a:defRPr sz="8100">
+                <a:solidFill>
+                  <a:schemeClr val="tx1"/>
+                </a:solidFill>
+                <a:latin typeface="Arial" charset="0"/>
+                <a:ea typeface="ＭＳ Ｐゴシック" charset="-128"/>
+              </a:defRPr>
+            </a:lvl9pPr>
+          </a:lstStyle>
+          <a:p>
+            <a:pPr algn="ctr" eaLnBrk="1" hangingPunct="1">
+              <a:spcBef>
+                <a:spcPct val="0"/>
+              </a:spcBef>
+              <a:buFontTx/>
+              <a:buNone/>
+            </a:pPr>
+            <a:r>
+              <a:rPr lang="en-US" altLang="en-US" sz="4628" dirty="0" smtClean="0">
+                <a:solidFill>
+                  <a:schemeClr val="bg1"/>
+                </a:solidFill>
+              </a:rPr>
+              <a:t>Regression</a:t>
+            </a:r>
+            <a:endParaRPr lang="en-US" altLang="en-US" sz="4628" dirty="0">
+              <a:solidFill>
+                <a:schemeClr val="bg1"/>
+              </a:solidFill>
+            </a:endParaRPr>
+          </a:p>
+        </p:txBody>
+      </p:sp>
+      <p:pic>
+        <p:nvPicPr>
+          <p:cNvPr id="3" name="그림 2"/>
+          <p:cNvPicPr>
+            <a:picLocks noChangeAspect="1"/>
+          </p:cNvPicPr>
+          <p:nvPr/>
+        </p:nvPicPr>
+        <p:blipFill>
+          <a:blip r:embed="rId4">
+            <a:extLst>
+              <a:ext uri="{28A0092B-C50C-407E-A947-70E740481C1C}">
+                <a14:useLocalDpi xmlns:a14="http://schemas.microsoft.com/office/drawing/2010/main" val="0"/>
+              </a:ext>
+            </a:extLst>
+          </a:blip>
+          <a:stretch>
+            <a:fillRect/>
+          </a:stretch>
+        </p:blipFill>
+        <p:spPr>
+          <a:xfrm>
+            <a:off x="33683719" y="6759470"/>
+            <a:ext cx="9897714" cy="7975480"/>
           </a:xfrm>
           <a:prstGeom prst="rect">
             <a:avLst/>
@@ -8080,7 +8447,536 @@
       </p:pic>
       <p:pic>
         <p:nvPicPr>
-          <p:cNvPr id="10" name="Picture 9"/>
+          <p:cNvPr id="14" name="그림 13"/>
+          <p:cNvPicPr>
+            <a:picLocks noChangeAspect="1"/>
+          </p:cNvPicPr>
+          <p:nvPr/>
+        </p:nvPicPr>
+        <p:blipFill>
+          <a:blip r:embed="rId5">
+            <a:extLst>
+              <a:ext uri="{28A0092B-C50C-407E-A947-70E740481C1C}">
+                <a14:useLocalDpi xmlns:a14="http://schemas.microsoft.com/office/drawing/2010/main" val="0"/>
+              </a:ext>
+            </a:extLst>
+          </a:blip>
+          <a:stretch>
+            <a:fillRect/>
+          </a:stretch>
+        </p:blipFill>
+        <p:spPr>
+          <a:xfrm>
+            <a:off x="22624174" y="7402318"/>
+            <a:ext cx="9526329" cy="4763165"/>
+          </a:xfrm>
+          <a:prstGeom prst="rect">
+            <a:avLst/>
+          </a:prstGeom>
+        </p:spPr>
+      </p:pic>
+      <p:pic>
+        <p:nvPicPr>
+          <p:cNvPr id="15" name="그림 14"/>
+          <p:cNvPicPr>
+            <a:picLocks noChangeAspect="1"/>
+          </p:cNvPicPr>
+          <p:nvPr/>
+        </p:nvPicPr>
+        <p:blipFill>
+          <a:blip r:embed="rId6">
+            <a:extLst>
+              <a:ext uri="{28A0092B-C50C-407E-A947-70E740481C1C}">
+                <a14:useLocalDpi xmlns:a14="http://schemas.microsoft.com/office/drawing/2010/main" val="0"/>
+              </a:ext>
+            </a:extLst>
+          </a:blip>
+          <a:stretch>
+            <a:fillRect/>
+          </a:stretch>
+        </p:blipFill>
+        <p:spPr>
+          <a:xfrm>
+            <a:off x="22788049" y="13110182"/>
+            <a:ext cx="9526329" cy="4763165"/>
+          </a:xfrm>
+          <a:prstGeom prst="rect">
+            <a:avLst/>
+          </a:prstGeom>
+        </p:spPr>
+      </p:pic>
+      <p:sp>
+        <p:nvSpPr>
+          <p:cNvPr id="17" name="TextBox 16"/>
+          <p:cNvSpPr txBox="1"/>
+          <p:nvPr/>
+        </p:nvSpPr>
+        <p:spPr>
+          <a:xfrm>
+            <a:off x="325237" y="6412939"/>
+            <a:ext cx="10360152" cy="8217634"/>
+          </a:xfrm>
+          <a:prstGeom prst="rect">
+            <a:avLst/>
+          </a:prstGeom>
+          <a:noFill/>
+        </p:spPr>
+        <p:txBody>
+          <a:bodyPr wrap="square" rtlCol="0">
+            <a:spAutoFit/>
+          </a:bodyPr>
+          <a:lstStyle/>
+          <a:p>
+            <a:r>
+              <a:rPr lang="en-US" altLang="ko-KR" sz="4800" dirty="0" smtClean="0">
+                <a:latin typeface="Times New Roman" panose="02020603050405020304" pitchFamily="18" charset="0"/>
+                <a:cs typeface="Times New Roman" panose="02020603050405020304" pitchFamily="18" charset="0"/>
+              </a:rPr>
+              <a:t>Voters suffering from job insecurity due to international trade are known to punish the incumbent president by choosing the presidential candidate from the other political party (Jensen et al 2017; </a:t>
+            </a:r>
+            <a:r>
+              <a:rPr lang="en-US" altLang="ko-KR" sz="4800" dirty="0" err="1" smtClean="0">
+                <a:latin typeface="Times New Roman" panose="02020603050405020304" pitchFamily="18" charset="0"/>
+                <a:cs typeface="Times New Roman" panose="02020603050405020304" pitchFamily="18" charset="0"/>
+              </a:rPr>
+              <a:t>Margalit</a:t>
+            </a:r>
+            <a:r>
+              <a:rPr lang="en-US" altLang="ko-KR" sz="4800" dirty="0" smtClean="0">
+                <a:latin typeface="Times New Roman" panose="02020603050405020304" pitchFamily="18" charset="0"/>
+                <a:cs typeface="Times New Roman" panose="02020603050405020304" pitchFamily="18" charset="0"/>
+              </a:rPr>
+              <a:t> 2011). </a:t>
+            </a:r>
+          </a:p>
+          <a:p>
+            <a:endParaRPr lang="en-US" altLang="ko-KR" sz="4800" dirty="0" smtClean="0">
+              <a:latin typeface="Times New Roman" panose="02020603050405020304" pitchFamily="18" charset="0"/>
+              <a:cs typeface="Times New Roman" panose="02020603050405020304" pitchFamily="18" charset="0"/>
+            </a:endParaRPr>
+          </a:p>
+          <a:p>
+            <a:r>
+              <a:rPr lang="en-US" altLang="ko-KR" sz="4800" dirty="0" smtClean="0">
+                <a:latin typeface="Times New Roman" panose="02020603050405020304" pitchFamily="18" charset="0"/>
+                <a:cs typeface="Times New Roman" panose="02020603050405020304" pitchFamily="18" charset="0"/>
+              </a:rPr>
+              <a:t>Then,  how would  presidential candidates </a:t>
+            </a:r>
+            <a:r>
+              <a:rPr lang="en-US" altLang="ko-KR" sz="4800" i="1" dirty="0" smtClean="0">
+                <a:latin typeface="Times New Roman" panose="02020603050405020304" pitchFamily="18" charset="0"/>
+                <a:cs typeface="Times New Roman" panose="02020603050405020304" pitchFamily="18" charset="0"/>
+              </a:rPr>
+              <a:t>ex-ante</a:t>
+            </a:r>
+            <a:r>
+              <a:rPr lang="en-US" altLang="ko-KR" sz="4800" dirty="0" smtClean="0">
+                <a:latin typeface="Times New Roman" panose="02020603050405020304" pitchFamily="18" charset="0"/>
+                <a:cs typeface="Times New Roman" panose="02020603050405020304" pitchFamily="18" charset="0"/>
+              </a:rPr>
+              <a:t> respond to this voter punishment in their presidential campaign speeches?</a:t>
+            </a:r>
+            <a:endParaRPr lang="ko-KR" altLang="en-US" sz="4800" dirty="0">
+              <a:latin typeface="Times New Roman" panose="02020603050405020304" pitchFamily="18" charset="0"/>
+              <a:cs typeface="Times New Roman" panose="02020603050405020304" pitchFamily="18" charset="0"/>
+            </a:endParaRPr>
+          </a:p>
+        </p:txBody>
+      </p:sp>
+      <p:graphicFrame>
+        <p:nvGraphicFramePr>
+          <p:cNvPr id="19" name="표 18"/>
+          <p:cNvGraphicFramePr>
+            <a:graphicFrameLocks noGrp="1"/>
+          </p:cNvGraphicFramePr>
+          <p:nvPr>
+            <p:extLst>
+              <p:ext uri="{D42A27DB-BD31-4B8C-83A1-F6EECF244321}">
+                <p14:modId xmlns:p14="http://schemas.microsoft.com/office/powerpoint/2010/main" val="839632280"/>
+              </p:ext>
+            </p:extLst>
+          </p:nvPr>
+        </p:nvGraphicFramePr>
+        <p:xfrm>
+          <a:off x="22510497" y="20869436"/>
+          <a:ext cx="10558926" cy="11490044"/>
+        </p:xfrm>
+        <a:graphic>
+          <a:graphicData uri="http://schemas.openxmlformats.org/drawingml/2006/table">
+            <a:tbl>
+              <a:tblPr firstRow="1" bandRow="1">
+                <a:tableStyleId>{5C22544A-7EE6-4342-B048-85BDC9FD1C3A}</a:tableStyleId>
+              </a:tblPr>
+              <a:tblGrid>
+                <a:gridCol w="1359309">
+                  <a:extLst>
+                    <a:ext uri="{9D8B030D-6E8A-4147-A177-3AD203B41FA5}">
+                      <a16:colId xmlns:a16="http://schemas.microsoft.com/office/drawing/2014/main" val="4219704855"/>
+                    </a:ext>
+                  </a:extLst>
+                </a:gridCol>
+                <a:gridCol w="4666226">
+                  <a:extLst>
+                    <a:ext uri="{9D8B030D-6E8A-4147-A177-3AD203B41FA5}">
+                      <a16:colId xmlns:a16="http://schemas.microsoft.com/office/drawing/2014/main" val="663304543"/>
+                    </a:ext>
+                  </a:extLst>
+                </a:gridCol>
+                <a:gridCol w="4533391">
+                  <a:extLst>
+                    <a:ext uri="{9D8B030D-6E8A-4147-A177-3AD203B41FA5}">
+                      <a16:colId xmlns:a16="http://schemas.microsoft.com/office/drawing/2014/main" val="1331362254"/>
+                    </a:ext>
+                  </a:extLst>
+                </a:gridCol>
+              </a:tblGrid>
+              <a:tr h="1291759">
+                <a:tc>
+                  <a:txBody>
+                    <a:bodyPr/>
+                    <a:lstStyle/>
+                    <a:p>
+                      <a:pPr algn="ctr" latinLnBrk="1"/>
+                      <a:endParaRPr lang="ko-KR" altLang="en-US" sz="4800" b="1" dirty="0">
+                        <a:solidFill>
+                          <a:schemeClr val="accent6">
+                            <a:lumMod val="75000"/>
+                          </a:schemeClr>
+                        </a:solidFill>
+                        <a:latin typeface="Times New Roman" panose="02020603050405020304" pitchFamily="18" charset="0"/>
+                        <a:cs typeface="Times New Roman" panose="02020603050405020304" pitchFamily="18" charset="0"/>
+                      </a:endParaRPr>
+                    </a:p>
+                  </a:txBody>
+                  <a:tcPr anchor="ctr"/>
+                </a:tc>
+                <a:tc>
+                  <a:txBody>
+                    <a:bodyPr/>
+                    <a:lstStyle/>
+                    <a:p>
+                      <a:pPr algn="ctr" latinLnBrk="1"/>
+                      <a:r>
+                        <a:rPr lang="en-US" altLang="ko-KR" sz="4000" b="1" dirty="0" smtClean="0">
+                          <a:solidFill>
+                            <a:schemeClr val="accent6">
+                              <a:lumMod val="75000"/>
+                            </a:schemeClr>
+                          </a:solidFill>
+                          <a:latin typeface="Times New Roman" panose="02020603050405020304" pitchFamily="18" charset="0"/>
+                          <a:cs typeface="Times New Roman" panose="02020603050405020304" pitchFamily="18" charset="0"/>
+                        </a:rPr>
+                        <a:t>Swing </a:t>
+                      </a:r>
+                      <a:endParaRPr lang="ko-KR" altLang="en-US" sz="4000" b="1" dirty="0">
+                        <a:solidFill>
+                          <a:schemeClr val="accent6">
+                            <a:lumMod val="75000"/>
+                          </a:schemeClr>
+                        </a:solidFill>
+                        <a:latin typeface="Times New Roman" panose="02020603050405020304" pitchFamily="18" charset="0"/>
+                        <a:cs typeface="Times New Roman" panose="02020603050405020304" pitchFamily="18" charset="0"/>
+                      </a:endParaRPr>
+                    </a:p>
+                  </a:txBody>
+                  <a:tcPr anchor="ctr"/>
+                </a:tc>
+                <a:tc>
+                  <a:txBody>
+                    <a:bodyPr/>
+                    <a:lstStyle/>
+                    <a:p>
+                      <a:pPr algn="ctr" latinLnBrk="1"/>
+                      <a:r>
+                        <a:rPr lang="en-US" altLang="ko-KR" sz="4000" b="1" dirty="0" smtClean="0">
+                          <a:solidFill>
+                            <a:schemeClr val="accent6">
+                              <a:lumMod val="75000"/>
+                            </a:schemeClr>
+                          </a:solidFill>
+                          <a:latin typeface="Times New Roman" panose="02020603050405020304" pitchFamily="18" charset="0"/>
+                          <a:cs typeface="Times New Roman" panose="02020603050405020304" pitchFamily="18" charset="0"/>
+                        </a:rPr>
+                        <a:t>Non-swing</a:t>
+                      </a:r>
+                      <a:endParaRPr lang="ko-KR" altLang="en-US" sz="4000" b="1" dirty="0">
+                        <a:solidFill>
+                          <a:schemeClr val="accent6">
+                            <a:lumMod val="75000"/>
+                          </a:schemeClr>
+                        </a:solidFill>
+                        <a:latin typeface="Times New Roman" panose="02020603050405020304" pitchFamily="18" charset="0"/>
+                        <a:cs typeface="Times New Roman" panose="02020603050405020304" pitchFamily="18" charset="0"/>
+                      </a:endParaRPr>
+                    </a:p>
+                  </a:txBody>
+                  <a:tcPr anchor="ctr"/>
+                </a:tc>
+                <a:extLst>
+                  <a:ext uri="{0D108BD9-81ED-4DB2-BD59-A6C34878D82A}">
+                    <a16:rowId xmlns:a16="http://schemas.microsoft.com/office/drawing/2014/main" val="2978029908"/>
+                  </a:ext>
+                </a:extLst>
+              </a:tr>
+              <a:tr h="5019420">
+                <a:tc>
+                  <a:txBody>
+                    <a:bodyPr/>
+                    <a:lstStyle/>
+                    <a:p>
+                      <a:pPr algn="ctr" latinLnBrk="1"/>
+                      <a:r>
+                        <a:rPr lang="en-US" altLang="ko-KR" sz="4000" b="1" dirty="0" smtClean="0">
+                          <a:solidFill>
+                            <a:schemeClr val="accent6">
+                              <a:lumMod val="75000"/>
+                            </a:schemeClr>
+                          </a:solidFill>
+                          <a:latin typeface="Times New Roman" panose="02020603050405020304" pitchFamily="18" charset="0"/>
+                          <a:cs typeface="Times New Roman" panose="02020603050405020304" pitchFamily="18" charset="0"/>
+                        </a:rPr>
+                        <a:t>Rust</a:t>
+                      </a:r>
+                      <a:br>
+                        <a:rPr lang="en-US" altLang="ko-KR" sz="4000" b="1" dirty="0" smtClean="0">
+                          <a:solidFill>
+                            <a:schemeClr val="accent6">
+                              <a:lumMod val="75000"/>
+                            </a:schemeClr>
+                          </a:solidFill>
+                          <a:latin typeface="Times New Roman" panose="02020603050405020304" pitchFamily="18" charset="0"/>
+                          <a:cs typeface="Times New Roman" panose="02020603050405020304" pitchFamily="18" charset="0"/>
+                        </a:rPr>
+                      </a:br>
+                      <a:r>
+                        <a:rPr lang="en-US" altLang="ko-KR" sz="4000" b="1" baseline="0" dirty="0" smtClean="0">
+                          <a:solidFill>
+                            <a:schemeClr val="accent6">
+                              <a:lumMod val="75000"/>
+                            </a:schemeClr>
+                          </a:solidFill>
+                          <a:latin typeface="Times New Roman" panose="02020603050405020304" pitchFamily="18" charset="0"/>
+                          <a:cs typeface="Times New Roman" panose="02020603050405020304" pitchFamily="18" charset="0"/>
+                        </a:rPr>
+                        <a:t>belt</a:t>
+                      </a:r>
+                      <a:endParaRPr lang="ko-KR" altLang="en-US" sz="4000" b="1" dirty="0">
+                        <a:solidFill>
+                          <a:schemeClr val="accent6">
+                            <a:lumMod val="75000"/>
+                          </a:schemeClr>
+                        </a:solidFill>
+                        <a:latin typeface="Times New Roman" panose="02020603050405020304" pitchFamily="18" charset="0"/>
+                        <a:cs typeface="Times New Roman" panose="02020603050405020304" pitchFamily="18" charset="0"/>
+                      </a:endParaRPr>
+                    </a:p>
+                  </a:txBody>
+                  <a:tcPr anchor="ctr"/>
+                </a:tc>
+                <a:tc>
+                  <a:txBody>
+                    <a:bodyPr/>
+                    <a:lstStyle/>
+                    <a:p>
+                      <a:pPr algn="ctr" latinLnBrk="1"/>
+                      <a:endParaRPr lang="ko-KR" altLang="en-US" sz="4800" b="1" dirty="0">
+                        <a:solidFill>
+                          <a:schemeClr val="accent6">
+                            <a:lumMod val="75000"/>
+                          </a:schemeClr>
+                        </a:solidFill>
+                        <a:latin typeface="Times New Roman" panose="02020603050405020304" pitchFamily="18" charset="0"/>
+                        <a:cs typeface="Times New Roman" panose="02020603050405020304" pitchFamily="18" charset="0"/>
+                      </a:endParaRPr>
+                    </a:p>
+                  </a:txBody>
+                  <a:tcPr anchor="ctr"/>
+                </a:tc>
+                <a:tc>
+                  <a:txBody>
+                    <a:bodyPr/>
+                    <a:lstStyle/>
+                    <a:p>
+                      <a:pPr algn="ctr" latinLnBrk="1"/>
+                      <a:endParaRPr lang="ko-KR" altLang="en-US" sz="4800" b="1" dirty="0">
+                        <a:solidFill>
+                          <a:schemeClr val="accent6">
+                            <a:lumMod val="75000"/>
+                          </a:schemeClr>
+                        </a:solidFill>
+                        <a:latin typeface="Times New Roman" panose="02020603050405020304" pitchFamily="18" charset="0"/>
+                        <a:cs typeface="Times New Roman" panose="02020603050405020304" pitchFamily="18" charset="0"/>
+                      </a:endParaRPr>
+                    </a:p>
+                  </a:txBody>
+                  <a:tcPr anchor="ctr"/>
+                </a:tc>
+                <a:extLst>
+                  <a:ext uri="{0D108BD9-81ED-4DB2-BD59-A6C34878D82A}">
+                    <a16:rowId xmlns:a16="http://schemas.microsoft.com/office/drawing/2014/main" val="3918322365"/>
+                  </a:ext>
+                </a:extLst>
+              </a:tr>
+              <a:tr h="5178865">
+                <a:tc>
+                  <a:txBody>
+                    <a:bodyPr/>
+                    <a:lstStyle/>
+                    <a:p>
+                      <a:pPr algn="ctr" latinLnBrk="1"/>
+                      <a:r>
+                        <a:rPr lang="en-US" altLang="ko-KR" sz="4000" b="1" dirty="0" smtClean="0">
+                          <a:solidFill>
+                            <a:schemeClr val="accent6">
+                              <a:lumMod val="75000"/>
+                            </a:schemeClr>
+                          </a:solidFill>
+                          <a:latin typeface="Times New Roman" panose="02020603050405020304" pitchFamily="18" charset="0"/>
+                          <a:cs typeface="Times New Roman" panose="02020603050405020304" pitchFamily="18" charset="0"/>
+                        </a:rPr>
+                        <a:t>Non-</a:t>
+                      </a:r>
+                      <a:br>
+                        <a:rPr lang="en-US" altLang="ko-KR" sz="4000" b="1" dirty="0" smtClean="0">
+                          <a:solidFill>
+                            <a:schemeClr val="accent6">
+                              <a:lumMod val="75000"/>
+                            </a:schemeClr>
+                          </a:solidFill>
+                          <a:latin typeface="Times New Roman" panose="02020603050405020304" pitchFamily="18" charset="0"/>
+                          <a:cs typeface="Times New Roman" panose="02020603050405020304" pitchFamily="18" charset="0"/>
+                        </a:rPr>
+                      </a:br>
+                      <a:r>
+                        <a:rPr lang="en-US" altLang="ko-KR" sz="4000" b="1" dirty="0" smtClean="0">
+                          <a:solidFill>
+                            <a:schemeClr val="accent6">
+                              <a:lumMod val="75000"/>
+                            </a:schemeClr>
+                          </a:solidFill>
+                          <a:latin typeface="Times New Roman" panose="02020603050405020304" pitchFamily="18" charset="0"/>
+                          <a:cs typeface="Times New Roman" panose="02020603050405020304" pitchFamily="18" charset="0"/>
+                        </a:rPr>
+                        <a:t>Rust</a:t>
+                      </a:r>
+                      <a:br>
+                        <a:rPr lang="en-US" altLang="ko-KR" sz="4000" b="1" dirty="0" smtClean="0">
+                          <a:solidFill>
+                            <a:schemeClr val="accent6">
+                              <a:lumMod val="75000"/>
+                            </a:schemeClr>
+                          </a:solidFill>
+                          <a:latin typeface="Times New Roman" panose="02020603050405020304" pitchFamily="18" charset="0"/>
+                          <a:cs typeface="Times New Roman" panose="02020603050405020304" pitchFamily="18" charset="0"/>
+                        </a:rPr>
+                      </a:br>
+                      <a:r>
+                        <a:rPr lang="en-US" altLang="ko-KR" sz="4000" b="1" dirty="0" smtClean="0">
+                          <a:solidFill>
+                            <a:schemeClr val="accent6">
+                              <a:lumMod val="75000"/>
+                            </a:schemeClr>
+                          </a:solidFill>
+                          <a:latin typeface="Times New Roman" panose="02020603050405020304" pitchFamily="18" charset="0"/>
+                          <a:cs typeface="Times New Roman" panose="02020603050405020304" pitchFamily="18" charset="0"/>
+                        </a:rPr>
+                        <a:t>belt</a:t>
+                      </a:r>
+                      <a:endParaRPr lang="ko-KR" altLang="en-US" sz="4000" b="1" dirty="0">
+                        <a:solidFill>
+                          <a:schemeClr val="accent6">
+                            <a:lumMod val="75000"/>
+                          </a:schemeClr>
+                        </a:solidFill>
+                        <a:latin typeface="Times New Roman" panose="02020603050405020304" pitchFamily="18" charset="0"/>
+                        <a:cs typeface="Times New Roman" panose="02020603050405020304" pitchFamily="18" charset="0"/>
+                      </a:endParaRPr>
+                    </a:p>
+                  </a:txBody>
+                  <a:tcPr anchor="ctr"/>
+                </a:tc>
+                <a:tc>
+                  <a:txBody>
+                    <a:bodyPr/>
+                    <a:lstStyle/>
+                    <a:p>
+                      <a:pPr algn="ctr" latinLnBrk="1"/>
+                      <a:endParaRPr lang="ko-KR" altLang="en-US" sz="4800" b="1" dirty="0">
+                        <a:solidFill>
+                          <a:schemeClr val="accent6">
+                            <a:lumMod val="75000"/>
+                          </a:schemeClr>
+                        </a:solidFill>
+                        <a:latin typeface="Times New Roman" panose="02020603050405020304" pitchFamily="18" charset="0"/>
+                        <a:cs typeface="Times New Roman" panose="02020603050405020304" pitchFamily="18" charset="0"/>
+                      </a:endParaRPr>
+                    </a:p>
+                  </a:txBody>
+                  <a:tcPr anchor="ctr"/>
+                </a:tc>
+                <a:tc>
+                  <a:txBody>
+                    <a:bodyPr/>
+                    <a:lstStyle/>
+                    <a:p>
+                      <a:pPr algn="ctr" latinLnBrk="1"/>
+                      <a:endParaRPr lang="ko-KR" altLang="en-US" sz="4800" b="1" dirty="0">
+                        <a:solidFill>
+                          <a:schemeClr val="accent6">
+                            <a:lumMod val="75000"/>
+                          </a:schemeClr>
+                        </a:solidFill>
+                        <a:latin typeface="Times New Roman" panose="02020603050405020304" pitchFamily="18" charset="0"/>
+                        <a:cs typeface="Times New Roman" panose="02020603050405020304" pitchFamily="18" charset="0"/>
+                      </a:endParaRPr>
+                    </a:p>
+                  </a:txBody>
+                  <a:tcPr anchor="ctr"/>
+                </a:tc>
+                <a:extLst>
+                  <a:ext uri="{0D108BD9-81ED-4DB2-BD59-A6C34878D82A}">
+                    <a16:rowId xmlns:a16="http://schemas.microsoft.com/office/drawing/2014/main" val="1831740532"/>
+                  </a:ext>
+                </a:extLst>
+              </a:tr>
+            </a:tbl>
+          </a:graphicData>
+        </a:graphic>
+      </p:graphicFrame>
+      <p:pic>
+        <p:nvPicPr>
+          <p:cNvPr id="20" name="그림 19"/>
+          <p:cNvPicPr>
+            <a:picLocks noChangeAspect="1"/>
+          </p:cNvPicPr>
+          <p:nvPr/>
+        </p:nvPicPr>
+        <p:blipFill>
+          <a:blip r:embed="rId7" cstate="print">
+            <a:extLst>
+              <a:ext uri="{28A0092B-C50C-407E-A947-70E740481C1C}">
+                <a14:useLocalDpi xmlns:a14="http://schemas.microsoft.com/office/drawing/2010/main" val="0"/>
+              </a:ext>
+            </a:extLst>
+          </a:blip>
+          <a:stretch>
+            <a:fillRect/>
+          </a:stretch>
+        </p:blipFill>
+        <p:spPr>
+          <a:xfrm>
+            <a:off x="23971333" y="22430749"/>
+            <a:ext cx="4288119" cy="4288119"/>
+          </a:xfrm>
+          <a:prstGeom prst="rect">
+            <a:avLst/>
+          </a:prstGeom>
+        </p:spPr>
+      </p:pic>
+      <p:pic>
+        <p:nvPicPr>
+          <p:cNvPr id="23" name="그림 22"/>
           <p:cNvPicPr>
             <a:picLocks noChangeAspect="1"/>
           </p:cNvPicPr>
@@ -8100,8 +8996,8 @@
         </p:blipFill>
         <p:spPr>
           <a:xfrm>
-            <a:off x="22402800" y="6792161"/>
-            <a:ext cx="10058400" cy="6739847"/>
+            <a:off x="28622266" y="22430750"/>
+            <a:ext cx="4228668" cy="4228668"/>
           </a:xfrm>
           <a:prstGeom prst="rect">
             <a:avLst/>
@@ -8110,14 +9006,14 @@
       </p:pic>
       <p:pic>
         <p:nvPicPr>
-          <p:cNvPr id="11" name="Picture 10"/>
+          <p:cNvPr id="24" name="그림 23"/>
           <p:cNvPicPr>
             <a:picLocks noChangeAspect="1"/>
           </p:cNvPicPr>
           <p:nvPr/>
         </p:nvPicPr>
         <p:blipFill>
-          <a:blip r:embed="rId9">
+          <a:blip r:embed="rId9" cstate="print">
             <a:extLst>
               <a:ext uri="{28A0092B-C50C-407E-A947-70E740481C1C}">
                 <a14:useLocalDpi xmlns:a14="http://schemas.microsoft.com/office/drawing/2010/main" val="0"/>
@@ -8130,8 +9026,8 @@
         </p:blipFill>
         <p:spPr>
           <a:xfrm>
-            <a:off x="22559122" y="14251876"/>
-            <a:ext cx="10206878" cy="6703124"/>
+            <a:off x="23971333" y="27663567"/>
+            <a:ext cx="4197361" cy="4197361"/>
           </a:xfrm>
           <a:prstGeom prst="rect">
             <a:avLst/>
@@ -8140,14 +9036,14 @@
       </p:pic>
       <p:pic>
         <p:nvPicPr>
-          <p:cNvPr id="12" name="Picture 11"/>
+          <p:cNvPr id="25" name="그림 24"/>
           <p:cNvPicPr>
             <a:picLocks noChangeAspect="1"/>
           </p:cNvPicPr>
           <p:nvPr/>
         </p:nvPicPr>
         <p:blipFill>
-          <a:blip r:embed="rId10">
+          <a:blip r:embed="rId10" cstate="print">
             <a:extLst>
               <a:ext uri="{28A0092B-C50C-407E-A947-70E740481C1C}">
                 <a14:useLocalDpi xmlns:a14="http://schemas.microsoft.com/office/drawing/2010/main" val="0"/>
@@ -8160,44 +9056,77 @@
         </p:blipFill>
         <p:spPr>
           <a:xfrm>
-            <a:off x="38738752" y="18102484"/>
-            <a:ext cx="5933818" cy="8391295"/>
+            <a:off x="28616285" y="27626279"/>
+            <a:ext cx="4234649" cy="4234649"/>
           </a:xfrm>
           <a:prstGeom prst="rect">
             <a:avLst/>
           </a:prstGeom>
         </p:spPr>
       </p:pic>
-      <p:pic>
-        <p:nvPicPr>
-          <p:cNvPr id="13" name="Picture 12"/>
-          <p:cNvPicPr>
-            <a:picLocks noChangeAspect="1"/>
-          </p:cNvPicPr>
+      <p:sp>
+        <p:nvSpPr>
+          <p:cNvPr id="28" name="TextBox 27"/>
+          <p:cNvSpPr txBox="1"/>
           <p:nvPr/>
-        </p:nvPicPr>
-        <p:blipFill>
-          <a:blip r:embed="rId11">
-            <a:extLst>
-              <a:ext uri="{28A0092B-C50C-407E-A947-70E740481C1C}">
-                <a14:useLocalDpi xmlns:a14="http://schemas.microsoft.com/office/drawing/2010/main" val="0"/>
-              </a:ext>
-            </a:extLst>
-          </a:blip>
-          <a:stretch>
-            <a:fillRect/>
-          </a:stretch>
-        </p:blipFill>
+        </p:nvSpPr>
         <p:spPr>
           <a:xfrm>
-            <a:off x="33093832" y="17754600"/>
-            <a:ext cx="5983924" cy="8462152"/>
+            <a:off x="33705055" y="25997648"/>
+            <a:ext cx="10338816" cy="4524315"/>
           </a:xfrm>
           <a:prstGeom prst="rect">
             <a:avLst/>
           </a:prstGeom>
+          <a:noFill/>
         </p:spPr>
-      </p:pic>
+        <p:txBody>
+          <a:bodyPr wrap="square" rtlCol="0">
+            <a:spAutoFit/>
+          </a:bodyPr>
+          <a:lstStyle/>
+          <a:p>
+            <a:pPr marL="685800" indent="-685800">
+              <a:buFont typeface="Arial" panose="020B0604020202020204" pitchFamily="34" charset="0"/>
+              <a:buChar char="•"/>
+            </a:pPr>
+            <a:r>
+              <a:rPr lang="en-US" altLang="ko-KR" sz="4800" dirty="0" smtClean="0">
+                <a:latin typeface="Times New Roman" panose="02020603050405020304" pitchFamily="18" charset="0"/>
+                <a:cs typeface="Times New Roman" panose="02020603050405020304" pitchFamily="18" charset="0"/>
+              </a:rPr>
+              <a:t>Presidential Candidates </a:t>
+            </a:r>
+            <a:r>
+              <a:rPr lang="en-US" altLang="ko-KR" sz="4800" i="1" dirty="0" smtClean="0">
+                <a:latin typeface="Times New Roman" panose="02020603050405020304" pitchFamily="18" charset="0"/>
+                <a:cs typeface="Times New Roman" panose="02020603050405020304" pitchFamily="18" charset="0"/>
+              </a:rPr>
+              <a:t>ex-ante </a:t>
+            </a:r>
+            <a:r>
+              <a:rPr lang="en-US" altLang="ko-KR" sz="4800" dirty="0" smtClean="0">
+                <a:latin typeface="Times New Roman" panose="02020603050405020304" pitchFamily="18" charset="0"/>
+                <a:cs typeface="Times New Roman" panose="02020603050405020304" pitchFamily="18" charset="0"/>
+              </a:rPr>
+              <a:t>respond to voter punishment on trade through the means of adopting different rhetoric by region.</a:t>
+            </a:r>
+          </a:p>
+          <a:p>
+            <a:pPr marL="685800" indent="-685800">
+              <a:buFont typeface="Arial" panose="020B0604020202020204" pitchFamily="34" charset="0"/>
+              <a:buChar char="•"/>
+            </a:pPr>
+            <a:r>
+              <a:rPr lang="en-US" altLang="ko-KR" sz="4800" dirty="0" smtClean="0">
+                <a:latin typeface="Times New Roman" panose="02020603050405020304" pitchFamily="18" charset="0"/>
+                <a:cs typeface="Times New Roman" panose="02020603050405020304" pitchFamily="18" charset="0"/>
+              </a:rPr>
+              <a:t>The different rhetoric varies by political partisanship.</a:t>
+            </a:r>
+          </a:p>
+        </p:txBody>
+      </p:sp>
     </p:spTree>
   </p:cSld>
   <p:clrMapOvr>

--- a/Poster/ML_poster.pptx
+++ b/Poster/ML_poster.pptx
@@ -257,7 +257,7 @@
               <a:pPr>
                 <a:defRPr/>
               </a:pPr>
-              <a:t>3/3/2018</a:t>
+              <a:t>3/3/18</a:t>
             </a:fld>
             <a:endParaRPr lang="en-US" altLang="en-US"/>
           </a:p>
@@ -626,7 +626,7 @@
               </a14:hiddenFill>
             </a:ext>
             <a:ext uri="{FAA26D3D-D897-4be2-8F04-BA451C77F1D7}">
-              <ma14:placeholderFlag xmlns:ma14="http://schemas.microsoft.com/office/mac/drawingml/2011/main" xmlns="" val="1"/>
+              <ma14:placeholderFlag xmlns:ma14="http://schemas.microsoft.com/office/mac/drawingml/2011/main" val="1"/>
             </a:ext>
           </a:extLst>
         </p:spPr>
@@ -662,7 +662,7 @@
               </a14:hiddenLine>
             </a:ext>
             <a:ext uri="{FAA26D3D-D897-4be2-8F04-BA451C77F1D7}">
-              <ma14:placeholderFlag xmlns:ma14="http://schemas.microsoft.com/office/mac/drawingml/2011/main" xmlns="" val="1"/>
+              <ma14:placeholderFlag xmlns:ma14="http://schemas.microsoft.com/office/mac/drawingml/2011/main" val="1"/>
             </a:ext>
           </a:extLst>
         </p:spPr>
@@ -3549,7 +3549,7 @@
               </a14:hiddenLine>
             </a:ext>
             <a:ext uri="{FAA26D3D-D897-4be2-8F04-BA451C77F1D7}">
-              <ma14:placeholderFlag xmlns:ma14="http://schemas.microsoft.com/office/mac/drawingml/2011/main" xmlns="" val="1"/>
+              <ma14:placeholderFlag xmlns:ma14="http://schemas.microsoft.com/office/mac/drawingml/2011/main" val="1"/>
             </a:ext>
           </a:extLst>
         </p:spPr>
@@ -3610,7 +3610,7 @@
               </a14:hiddenLine>
             </a:ext>
             <a:ext uri="{FAA26D3D-D897-4be2-8F04-BA451C77F1D7}">
-              <ma14:placeholderFlag xmlns:ma14="http://schemas.microsoft.com/office/mac/drawingml/2011/main" xmlns="" val="1"/>
+              <ma14:placeholderFlag xmlns:ma14="http://schemas.microsoft.com/office/mac/drawingml/2011/main" val="1"/>
             </a:ext>
           </a:extLst>
         </p:spPr>
@@ -4237,6 +4237,626 @@
       </p:grpSpPr>
       <p:sp>
         <p:nvSpPr>
+          <p:cNvPr id="37" name="Text Box 41"/>
+          <p:cNvSpPr txBox="1">
+            <a:spLocks noChangeArrowheads="1"/>
+          </p:cNvSpPr>
+          <p:nvPr/>
+        </p:nvSpPr>
+        <p:spPr bwMode="auto">
+          <a:xfrm>
+            <a:off x="11371865" y="6629399"/>
+            <a:ext cx="10372538" cy="12893040"/>
+          </a:xfrm>
+          <a:prstGeom prst="rect">
+            <a:avLst/>
+          </a:prstGeom>
+          <a:solidFill>
+            <a:schemeClr val="accent3"/>
+          </a:solidFill>
+          <a:ln>
+            <a:noFill/>
+          </a:ln>
+        </p:spPr>
+        <p:txBody>
+          <a:bodyPr wrap="square" lIns="98973" tIns="49486" rIns="98973" bIns="49486">
+            <a:spAutoFit/>
+          </a:bodyPr>
+          <a:lstStyle>
+            <a:lvl1pPr defTabSz="3760788">
+              <a:spcBef>
+                <a:spcPct val="20000"/>
+              </a:spcBef>
+              <a:buChar char="•"/>
+              <a:defRPr sz="13100">
+                <a:solidFill>
+                  <a:schemeClr val="tx1"/>
+                </a:solidFill>
+                <a:latin typeface="Arial" charset="0"/>
+                <a:ea typeface="ＭＳ Ｐゴシック" charset="-128"/>
+              </a:defRPr>
+            </a:lvl1pPr>
+            <a:lvl2pPr marL="742950" indent="-285750" defTabSz="3760788">
+              <a:spcBef>
+                <a:spcPct val="20000"/>
+              </a:spcBef>
+              <a:buChar char="–"/>
+              <a:defRPr sz="11500">
+                <a:solidFill>
+                  <a:schemeClr val="tx1"/>
+                </a:solidFill>
+                <a:latin typeface="Arial" charset="0"/>
+                <a:ea typeface="ＭＳ Ｐゴシック" charset="-128"/>
+              </a:defRPr>
+            </a:lvl2pPr>
+            <a:lvl3pPr marL="1143000" indent="-228600" defTabSz="3760788">
+              <a:spcBef>
+                <a:spcPct val="20000"/>
+              </a:spcBef>
+              <a:buChar char="•"/>
+              <a:defRPr sz="9800">
+                <a:solidFill>
+                  <a:schemeClr val="tx1"/>
+                </a:solidFill>
+                <a:latin typeface="Arial" charset="0"/>
+                <a:ea typeface="ＭＳ Ｐゴシック" charset="-128"/>
+              </a:defRPr>
+            </a:lvl3pPr>
+            <a:lvl4pPr marL="1600200" indent="-228600" defTabSz="3760788">
+              <a:spcBef>
+                <a:spcPct val="20000"/>
+              </a:spcBef>
+              <a:buChar char="–"/>
+              <a:defRPr sz="8100">
+                <a:solidFill>
+                  <a:schemeClr val="tx1"/>
+                </a:solidFill>
+                <a:latin typeface="Arial" charset="0"/>
+                <a:ea typeface="ＭＳ Ｐゴシック" charset="-128"/>
+              </a:defRPr>
+            </a:lvl4pPr>
+            <a:lvl5pPr marL="2057400" indent="-228600" defTabSz="3760788">
+              <a:spcBef>
+                <a:spcPct val="20000"/>
+              </a:spcBef>
+              <a:buChar char="»"/>
+              <a:defRPr sz="8100">
+                <a:solidFill>
+                  <a:schemeClr val="tx1"/>
+                </a:solidFill>
+                <a:latin typeface="Arial" charset="0"/>
+                <a:ea typeface="ＭＳ Ｐゴシック" charset="-128"/>
+              </a:defRPr>
+            </a:lvl5pPr>
+            <a:lvl6pPr marL="2514600" indent="-228600" defTabSz="3760788" eaLnBrk="0" fontAlgn="base" hangingPunct="0">
+              <a:spcBef>
+                <a:spcPct val="20000"/>
+              </a:spcBef>
+              <a:spcAft>
+                <a:spcPct val="0"/>
+              </a:spcAft>
+              <a:buChar char="»"/>
+              <a:defRPr sz="8100">
+                <a:solidFill>
+                  <a:schemeClr val="tx1"/>
+                </a:solidFill>
+                <a:latin typeface="Arial" charset="0"/>
+                <a:ea typeface="ＭＳ Ｐゴシック" charset="-128"/>
+              </a:defRPr>
+            </a:lvl6pPr>
+            <a:lvl7pPr marL="2971800" indent="-228600" defTabSz="3760788" eaLnBrk="0" fontAlgn="base" hangingPunct="0">
+              <a:spcBef>
+                <a:spcPct val="20000"/>
+              </a:spcBef>
+              <a:spcAft>
+                <a:spcPct val="0"/>
+              </a:spcAft>
+              <a:buChar char="»"/>
+              <a:defRPr sz="8100">
+                <a:solidFill>
+                  <a:schemeClr val="tx1"/>
+                </a:solidFill>
+                <a:latin typeface="Arial" charset="0"/>
+                <a:ea typeface="ＭＳ Ｐゴシック" charset="-128"/>
+              </a:defRPr>
+            </a:lvl7pPr>
+            <a:lvl8pPr marL="3429000" indent="-228600" defTabSz="3760788" eaLnBrk="0" fontAlgn="base" hangingPunct="0">
+              <a:spcBef>
+                <a:spcPct val="20000"/>
+              </a:spcBef>
+              <a:spcAft>
+                <a:spcPct val="0"/>
+              </a:spcAft>
+              <a:buChar char="»"/>
+              <a:defRPr sz="8100">
+                <a:solidFill>
+                  <a:schemeClr val="tx1"/>
+                </a:solidFill>
+                <a:latin typeface="Arial" charset="0"/>
+                <a:ea typeface="ＭＳ Ｐゴシック" charset="-128"/>
+              </a:defRPr>
+            </a:lvl8pPr>
+            <a:lvl9pPr marL="3886200" indent="-228600" defTabSz="3760788" eaLnBrk="0" fontAlgn="base" hangingPunct="0">
+              <a:spcBef>
+                <a:spcPct val="20000"/>
+              </a:spcBef>
+              <a:spcAft>
+                <a:spcPct val="0"/>
+              </a:spcAft>
+              <a:buChar char="»"/>
+              <a:defRPr sz="8100">
+                <a:solidFill>
+                  <a:schemeClr val="tx1"/>
+                </a:solidFill>
+                <a:latin typeface="Arial" charset="0"/>
+                <a:ea typeface="ＭＳ Ｐゴシック" charset="-128"/>
+              </a:defRPr>
+            </a:lvl9pPr>
+          </a:lstStyle>
+          <a:p>
+            <a:pPr>
+              <a:buNone/>
+            </a:pPr>
+            <a:endParaRPr lang="en-US" altLang="en-US" sz="4400" dirty="0">
+              <a:latin typeface="Times New Roman" charset="0"/>
+              <a:ea typeface="Times New Roman" charset="0"/>
+              <a:cs typeface="Times New Roman" charset="0"/>
+            </a:endParaRPr>
+          </a:p>
+          <a:p>
+            <a:pPr eaLnBrk="1" hangingPunct="1">
+              <a:spcBef>
+                <a:spcPct val="50000"/>
+              </a:spcBef>
+              <a:buFontTx/>
+              <a:buNone/>
+            </a:pPr>
+            <a:endParaRPr lang="en-US" altLang="en-US" sz="4800" dirty="0">
+              <a:latin typeface="Times New Roman" charset="0"/>
+              <a:ea typeface="Times New Roman" charset="0"/>
+              <a:cs typeface="Times New Roman" charset="0"/>
+            </a:endParaRPr>
+          </a:p>
+          <a:p>
+            <a:pPr eaLnBrk="1" hangingPunct="1">
+              <a:spcBef>
+                <a:spcPct val="50000"/>
+              </a:spcBef>
+              <a:buFontTx/>
+              <a:buNone/>
+            </a:pPr>
+            <a:endParaRPr lang="en-US" altLang="en-US" sz="4800" dirty="0">
+              <a:latin typeface="Times New Roman" charset="0"/>
+              <a:ea typeface="Times New Roman" charset="0"/>
+              <a:cs typeface="Times New Roman" charset="0"/>
+            </a:endParaRPr>
+          </a:p>
+          <a:p>
+            <a:pPr eaLnBrk="1" hangingPunct="1">
+              <a:spcBef>
+                <a:spcPct val="50000"/>
+              </a:spcBef>
+              <a:buFontTx/>
+              <a:buNone/>
+            </a:pPr>
+            <a:endParaRPr lang="en-US" altLang="en-US" sz="4800" dirty="0">
+              <a:latin typeface="Times New Roman" charset="0"/>
+              <a:ea typeface="Times New Roman" charset="0"/>
+              <a:cs typeface="Times New Roman" charset="0"/>
+            </a:endParaRPr>
+          </a:p>
+          <a:p>
+            <a:pPr eaLnBrk="1" hangingPunct="1">
+              <a:spcBef>
+                <a:spcPct val="50000"/>
+              </a:spcBef>
+              <a:buFontTx/>
+              <a:buNone/>
+            </a:pPr>
+            <a:endParaRPr lang="en-US" altLang="en-US" sz="4800" dirty="0">
+              <a:latin typeface="Times New Roman" charset="0"/>
+              <a:ea typeface="Times New Roman" charset="0"/>
+              <a:cs typeface="Times New Roman" charset="0"/>
+            </a:endParaRPr>
+          </a:p>
+          <a:p>
+            <a:pPr eaLnBrk="1" hangingPunct="1">
+              <a:spcBef>
+                <a:spcPct val="50000"/>
+              </a:spcBef>
+              <a:buFontTx/>
+              <a:buNone/>
+            </a:pPr>
+            <a:endParaRPr lang="en-US" altLang="en-US" sz="4800" dirty="0">
+              <a:latin typeface="Times New Roman" charset="0"/>
+              <a:ea typeface="Times New Roman" charset="0"/>
+              <a:cs typeface="Times New Roman" charset="0"/>
+            </a:endParaRPr>
+          </a:p>
+          <a:p>
+            <a:pPr eaLnBrk="1" hangingPunct="1">
+              <a:spcBef>
+                <a:spcPct val="50000"/>
+              </a:spcBef>
+              <a:buFontTx/>
+              <a:buNone/>
+            </a:pPr>
+            <a:endParaRPr lang="en-US" altLang="en-US" sz="4800" dirty="0">
+              <a:latin typeface="Times New Roman" charset="0"/>
+              <a:ea typeface="Times New Roman" charset="0"/>
+              <a:cs typeface="Times New Roman" charset="0"/>
+            </a:endParaRPr>
+          </a:p>
+          <a:p>
+            <a:pPr eaLnBrk="1" hangingPunct="1">
+              <a:spcBef>
+                <a:spcPct val="50000"/>
+              </a:spcBef>
+              <a:buFontTx/>
+              <a:buNone/>
+            </a:pPr>
+            <a:endParaRPr lang="en-US" altLang="en-US" sz="4800" dirty="0">
+              <a:latin typeface="Times New Roman" charset="0"/>
+              <a:ea typeface="Times New Roman" charset="0"/>
+              <a:cs typeface="Times New Roman" charset="0"/>
+            </a:endParaRPr>
+          </a:p>
+          <a:p>
+            <a:pPr eaLnBrk="1" hangingPunct="1">
+              <a:spcBef>
+                <a:spcPct val="50000"/>
+              </a:spcBef>
+              <a:buFontTx/>
+              <a:buNone/>
+            </a:pPr>
+            <a:endParaRPr lang="en-US" altLang="en-US" sz="4800" dirty="0">
+              <a:latin typeface="Times New Roman" charset="0"/>
+              <a:ea typeface="Times New Roman" charset="0"/>
+              <a:cs typeface="Times New Roman" charset="0"/>
+            </a:endParaRPr>
+          </a:p>
+          <a:p>
+            <a:pPr eaLnBrk="1" hangingPunct="1">
+              <a:spcBef>
+                <a:spcPct val="50000"/>
+              </a:spcBef>
+              <a:buFontTx/>
+              <a:buNone/>
+            </a:pPr>
+            <a:endParaRPr lang="en-US" altLang="en-US" sz="4800" dirty="0">
+              <a:latin typeface="Times New Roman" charset="0"/>
+              <a:ea typeface="Times New Roman" charset="0"/>
+              <a:cs typeface="Times New Roman" charset="0"/>
+            </a:endParaRPr>
+          </a:p>
+          <a:p>
+            <a:pPr eaLnBrk="1" hangingPunct="1">
+              <a:spcBef>
+                <a:spcPct val="50000"/>
+              </a:spcBef>
+              <a:buFontTx/>
+              <a:buNone/>
+            </a:pPr>
+            <a:endParaRPr lang="en-US" altLang="en-US" sz="4800" dirty="0">
+              <a:latin typeface="Times New Roman" charset="0"/>
+              <a:ea typeface="Times New Roman" charset="0"/>
+              <a:cs typeface="Times New Roman" charset="0"/>
+            </a:endParaRPr>
+          </a:p>
+        </p:txBody>
+      </p:sp>
+      <p:sp>
+        <p:nvSpPr>
+          <p:cNvPr id="35" name="Text Box 41"/>
+          <p:cNvSpPr txBox="1">
+            <a:spLocks noChangeArrowheads="1"/>
+          </p:cNvSpPr>
+          <p:nvPr/>
+        </p:nvSpPr>
+        <p:spPr bwMode="auto">
+          <a:xfrm>
+            <a:off x="33604200" y="16794480"/>
+            <a:ext cx="10531855" cy="7223760"/>
+          </a:xfrm>
+          <a:prstGeom prst="rect">
+            <a:avLst/>
+          </a:prstGeom>
+          <a:solidFill>
+            <a:schemeClr val="accent3"/>
+          </a:solidFill>
+          <a:ln>
+            <a:noFill/>
+          </a:ln>
+        </p:spPr>
+        <p:txBody>
+          <a:bodyPr wrap="square" lIns="98973" tIns="49486" rIns="98973" bIns="49486">
+            <a:spAutoFit/>
+          </a:bodyPr>
+          <a:lstStyle>
+            <a:lvl1pPr defTabSz="3760788">
+              <a:spcBef>
+                <a:spcPct val="20000"/>
+              </a:spcBef>
+              <a:buChar char="•"/>
+              <a:defRPr sz="13100">
+                <a:solidFill>
+                  <a:schemeClr val="tx1"/>
+                </a:solidFill>
+                <a:latin typeface="Arial" charset="0"/>
+                <a:ea typeface="ＭＳ Ｐゴシック" charset="-128"/>
+              </a:defRPr>
+            </a:lvl1pPr>
+            <a:lvl2pPr marL="742950" indent="-285750" defTabSz="3760788">
+              <a:spcBef>
+                <a:spcPct val="20000"/>
+              </a:spcBef>
+              <a:buChar char="–"/>
+              <a:defRPr sz="11500">
+                <a:solidFill>
+                  <a:schemeClr val="tx1"/>
+                </a:solidFill>
+                <a:latin typeface="Arial" charset="0"/>
+                <a:ea typeface="ＭＳ Ｐゴシック" charset="-128"/>
+              </a:defRPr>
+            </a:lvl2pPr>
+            <a:lvl3pPr marL="1143000" indent="-228600" defTabSz="3760788">
+              <a:spcBef>
+                <a:spcPct val="20000"/>
+              </a:spcBef>
+              <a:buChar char="•"/>
+              <a:defRPr sz="9800">
+                <a:solidFill>
+                  <a:schemeClr val="tx1"/>
+                </a:solidFill>
+                <a:latin typeface="Arial" charset="0"/>
+                <a:ea typeface="ＭＳ Ｐゴシック" charset="-128"/>
+              </a:defRPr>
+            </a:lvl3pPr>
+            <a:lvl4pPr marL="1600200" indent="-228600" defTabSz="3760788">
+              <a:spcBef>
+                <a:spcPct val="20000"/>
+              </a:spcBef>
+              <a:buChar char="–"/>
+              <a:defRPr sz="8100">
+                <a:solidFill>
+                  <a:schemeClr val="tx1"/>
+                </a:solidFill>
+                <a:latin typeface="Arial" charset="0"/>
+                <a:ea typeface="ＭＳ Ｐゴシック" charset="-128"/>
+              </a:defRPr>
+            </a:lvl4pPr>
+            <a:lvl5pPr marL="2057400" indent="-228600" defTabSz="3760788">
+              <a:spcBef>
+                <a:spcPct val="20000"/>
+              </a:spcBef>
+              <a:buChar char="»"/>
+              <a:defRPr sz="8100">
+                <a:solidFill>
+                  <a:schemeClr val="tx1"/>
+                </a:solidFill>
+                <a:latin typeface="Arial" charset="0"/>
+                <a:ea typeface="ＭＳ Ｐゴシック" charset="-128"/>
+              </a:defRPr>
+            </a:lvl5pPr>
+            <a:lvl6pPr marL="2514600" indent="-228600" defTabSz="3760788" eaLnBrk="0" fontAlgn="base" hangingPunct="0">
+              <a:spcBef>
+                <a:spcPct val="20000"/>
+              </a:spcBef>
+              <a:spcAft>
+                <a:spcPct val="0"/>
+              </a:spcAft>
+              <a:buChar char="»"/>
+              <a:defRPr sz="8100">
+                <a:solidFill>
+                  <a:schemeClr val="tx1"/>
+                </a:solidFill>
+                <a:latin typeface="Arial" charset="0"/>
+                <a:ea typeface="ＭＳ Ｐゴシック" charset="-128"/>
+              </a:defRPr>
+            </a:lvl6pPr>
+            <a:lvl7pPr marL="2971800" indent="-228600" defTabSz="3760788" eaLnBrk="0" fontAlgn="base" hangingPunct="0">
+              <a:spcBef>
+                <a:spcPct val="20000"/>
+              </a:spcBef>
+              <a:spcAft>
+                <a:spcPct val="0"/>
+              </a:spcAft>
+              <a:buChar char="»"/>
+              <a:defRPr sz="8100">
+                <a:solidFill>
+                  <a:schemeClr val="tx1"/>
+                </a:solidFill>
+                <a:latin typeface="Arial" charset="0"/>
+                <a:ea typeface="ＭＳ Ｐゴシック" charset="-128"/>
+              </a:defRPr>
+            </a:lvl7pPr>
+            <a:lvl8pPr marL="3429000" indent="-228600" defTabSz="3760788" eaLnBrk="0" fontAlgn="base" hangingPunct="0">
+              <a:spcBef>
+                <a:spcPct val="20000"/>
+              </a:spcBef>
+              <a:spcAft>
+                <a:spcPct val="0"/>
+              </a:spcAft>
+              <a:buChar char="»"/>
+              <a:defRPr sz="8100">
+                <a:solidFill>
+                  <a:schemeClr val="tx1"/>
+                </a:solidFill>
+                <a:latin typeface="Arial" charset="0"/>
+                <a:ea typeface="ＭＳ Ｐゴシック" charset="-128"/>
+              </a:defRPr>
+            </a:lvl8pPr>
+            <a:lvl9pPr marL="3886200" indent="-228600" defTabSz="3760788" eaLnBrk="0" fontAlgn="base" hangingPunct="0">
+              <a:spcBef>
+                <a:spcPct val="20000"/>
+              </a:spcBef>
+              <a:spcAft>
+                <a:spcPct val="0"/>
+              </a:spcAft>
+              <a:buChar char="»"/>
+              <a:defRPr sz="8100">
+                <a:solidFill>
+                  <a:schemeClr val="tx1"/>
+                </a:solidFill>
+                <a:latin typeface="Arial" charset="0"/>
+                <a:ea typeface="ＭＳ Ｐゴシック" charset="-128"/>
+              </a:defRPr>
+            </a:lvl9pPr>
+          </a:lstStyle>
+          <a:p>
+            <a:pPr>
+              <a:buNone/>
+            </a:pPr>
+            <a:endParaRPr lang="en-US" altLang="en-US" sz="4400" dirty="0">
+              <a:latin typeface="Times New Roman" charset="0"/>
+              <a:ea typeface="Times New Roman" charset="0"/>
+              <a:cs typeface="Times New Roman" charset="0"/>
+            </a:endParaRPr>
+          </a:p>
+          <a:p>
+            <a:pPr eaLnBrk="1" hangingPunct="1">
+              <a:spcBef>
+                <a:spcPct val="50000"/>
+              </a:spcBef>
+              <a:buFontTx/>
+              <a:buNone/>
+            </a:pPr>
+            <a:endParaRPr lang="en-US" altLang="en-US" sz="4800" dirty="0">
+              <a:latin typeface="Times New Roman" charset="0"/>
+              <a:ea typeface="Times New Roman" charset="0"/>
+              <a:cs typeface="Times New Roman" charset="0"/>
+            </a:endParaRPr>
+          </a:p>
+          <a:p>
+            <a:pPr eaLnBrk="1" hangingPunct="1">
+              <a:spcBef>
+                <a:spcPct val="50000"/>
+              </a:spcBef>
+              <a:buFontTx/>
+              <a:buNone/>
+            </a:pPr>
+            <a:endParaRPr lang="en-US" altLang="en-US" sz="4800" dirty="0">
+              <a:latin typeface="Times New Roman" charset="0"/>
+              <a:ea typeface="Times New Roman" charset="0"/>
+              <a:cs typeface="Times New Roman" charset="0"/>
+            </a:endParaRPr>
+          </a:p>
+          <a:p>
+            <a:pPr eaLnBrk="1" hangingPunct="1">
+              <a:spcBef>
+                <a:spcPct val="50000"/>
+              </a:spcBef>
+              <a:buFontTx/>
+              <a:buNone/>
+            </a:pPr>
+            <a:endParaRPr lang="en-US" altLang="en-US" sz="4800" dirty="0">
+              <a:latin typeface="Times New Roman" charset="0"/>
+              <a:ea typeface="Times New Roman" charset="0"/>
+              <a:cs typeface="Times New Roman" charset="0"/>
+            </a:endParaRPr>
+          </a:p>
+          <a:p>
+            <a:pPr eaLnBrk="1" hangingPunct="1">
+              <a:spcBef>
+                <a:spcPct val="50000"/>
+              </a:spcBef>
+              <a:buFontTx/>
+              <a:buNone/>
+            </a:pPr>
+            <a:endParaRPr lang="en-US" altLang="en-US" sz="4800" dirty="0">
+              <a:latin typeface="Times New Roman" charset="0"/>
+              <a:ea typeface="Times New Roman" charset="0"/>
+              <a:cs typeface="Times New Roman" charset="0"/>
+            </a:endParaRPr>
+          </a:p>
+          <a:p>
+            <a:pPr eaLnBrk="1" hangingPunct="1">
+              <a:spcBef>
+                <a:spcPct val="50000"/>
+              </a:spcBef>
+              <a:buFontTx/>
+              <a:buNone/>
+            </a:pPr>
+            <a:endParaRPr lang="en-US" altLang="en-US" sz="4800" dirty="0">
+              <a:latin typeface="Times New Roman" charset="0"/>
+              <a:ea typeface="Times New Roman" charset="0"/>
+              <a:cs typeface="Times New Roman" charset="0"/>
+            </a:endParaRPr>
+          </a:p>
+          <a:p>
+            <a:pPr eaLnBrk="1" hangingPunct="1">
+              <a:spcBef>
+                <a:spcPct val="50000"/>
+              </a:spcBef>
+              <a:buFontTx/>
+              <a:buNone/>
+            </a:pPr>
+            <a:endParaRPr lang="en-US" altLang="en-US" sz="4800" dirty="0">
+              <a:latin typeface="Times New Roman" charset="0"/>
+              <a:ea typeface="Times New Roman" charset="0"/>
+              <a:cs typeface="Times New Roman" charset="0"/>
+            </a:endParaRPr>
+          </a:p>
+          <a:p>
+            <a:pPr eaLnBrk="1" hangingPunct="1">
+              <a:spcBef>
+                <a:spcPct val="50000"/>
+              </a:spcBef>
+              <a:buFontTx/>
+              <a:buNone/>
+            </a:pPr>
+            <a:endParaRPr lang="en-US" altLang="en-US" sz="4800" dirty="0">
+              <a:latin typeface="Times New Roman" charset="0"/>
+              <a:ea typeface="Times New Roman" charset="0"/>
+              <a:cs typeface="Times New Roman" charset="0"/>
+            </a:endParaRPr>
+          </a:p>
+          <a:p>
+            <a:pPr eaLnBrk="1" hangingPunct="1">
+              <a:spcBef>
+                <a:spcPct val="50000"/>
+              </a:spcBef>
+              <a:buFontTx/>
+              <a:buNone/>
+            </a:pPr>
+            <a:endParaRPr lang="en-US" altLang="en-US" sz="4800" dirty="0">
+              <a:latin typeface="Times New Roman" charset="0"/>
+              <a:ea typeface="Times New Roman" charset="0"/>
+              <a:cs typeface="Times New Roman" charset="0"/>
+            </a:endParaRPr>
+          </a:p>
+          <a:p>
+            <a:pPr eaLnBrk="1" hangingPunct="1">
+              <a:spcBef>
+                <a:spcPct val="50000"/>
+              </a:spcBef>
+              <a:buFontTx/>
+              <a:buNone/>
+            </a:pPr>
+            <a:endParaRPr lang="en-US" altLang="en-US" sz="4800" dirty="0">
+              <a:latin typeface="Times New Roman" charset="0"/>
+              <a:ea typeface="Times New Roman" charset="0"/>
+              <a:cs typeface="Times New Roman" charset="0"/>
+            </a:endParaRPr>
+          </a:p>
+          <a:p>
+            <a:pPr eaLnBrk="1" hangingPunct="1">
+              <a:spcBef>
+                <a:spcPct val="50000"/>
+              </a:spcBef>
+              <a:buFontTx/>
+              <a:buNone/>
+            </a:pPr>
+            <a:endParaRPr lang="en-US" altLang="en-US" sz="4800" dirty="0">
+              <a:latin typeface="Times New Roman" charset="0"/>
+              <a:ea typeface="Times New Roman" charset="0"/>
+              <a:cs typeface="Times New Roman" charset="0"/>
+            </a:endParaRPr>
+          </a:p>
+        </p:txBody>
+      </p:sp>
+      <p:sp>
+        <p:nvSpPr>
           <p:cNvPr id="47" name="Text Box 41"/>
           <p:cNvSpPr txBox="1">
             <a:spLocks noChangeArrowheads="1"/>
@@ -4245,8 +4865,8 @@
         </p:nvSpPr>
         <p:spPr bwMode="auto">
           <a:xfrm>
-            <a:off x="33145352" y="6734589"/>
-            <a:ext cx="10974448" cy="18288000"/>
+            <a:off x="33587944" y="6734589"/>
+            <a:ext cx="10531855" cy="8046720"/>
           </a:xfrm>
           <a:prstGeom prst="rect">
             <a:avLst/>
@@ -4778,7 +5398,6 @@
               <a:rPr lang="en-US" altLang="en-US" sz="5143" b="1" dirty="0" smtClean="0"/>
               <a:t>Computational Social Sciences</a:t>
             </a:r>
-            <a:endParaRPr lang="en-US" altLang="en-US" sz="5143" b="1" dirty="0" smtClean="0"/>
           </a:p>
           <a:p>
             <a:pPr algn="ctr">
@@ -4827,7 +5446,7 @@
         </p:nvSpPr>
         <p:spPr bwMode="auto">
           <a:xfrm>
-            <a:off x="381000" y="5193847"/>
+            <a:off x="367863" y="5158872"/>
             <a:ext cx="10360152" cy="1172936"/>
           </a:xfrm>
           <a:prstGeom prst="rect">
@@ -5020,7 +5639,7 @@
         </p:nvSpPr>
         <p:spPr bwMode="auto">
           <a:xfrm>
-            <a:off x="11606830" y="5158872"/>
+            <a:off x="11405939" y="5158872"/>
             <a:ext cx="10360152" cy="1172936"/>
           </a:xfrm>
           <a:prstGeom prst="rect">
@@ -5221,7 +5840,7 @@
         </p:nvSpPr>
         <p:spPr bwMode="auto">
           <a:xfrm>
-            <a:off x="11606830" y="13556841"/>
+            <a:off x="11405939" y="19872599"/>
             <a:ext cx="10360152" cy="1172936"/>
           </a:xfrm>
           <a:prstGeom prst="rect">
@@ -5406,199 +6025,6 @@
       </p:sp>
       <p:sp>
         <p:nvSpPr>
-          <p:cNvPr id="14343" name="Rectangle 24"/>
-          <p:cNvSpPr>
-            <a:spLocks noChangeArrowheads="1"/>
-          </p:cNvSpPr>
-          <p:nvPr/>
-        </p:nvSpPr>
-        <p:spPr bwMode="auto">
-          <a:xfrm>
-            <a:off x="22249762" y="5202566"/>
-            <a:ext cx="10360152" cy="1172936"/>
-          </a:xfrm>
-          <a:prstGeom prst="rect">
-            <a:avLst/>
-          </a:prstGeom>
-          <a:solidFill>
-            <a:srgbClr val="002060"/>
-          </a:solidFill>
-          <a:ln>
-            <a:noFill/>
-          </a:ln>
-          <a:effectLst>
-            <a:outerShdw blurRad="190500" dist="228600" dir="2700000" algn="ctr">
-              <a:srgbClr val="000000">
-                <a:alpha val="30000"/>
-              </a:srgbClr>
-            </a:outerShdw>
-          </a:effectLst>
-          <a:scene3d>
-            <a:camera prst="orthographicFront">
-              <a:rot lat="0" lon="0" rev="0"/>
-            </a:camera>
-            <a:lightRig rig="glow" dir="t">
-              <a:rot lat="0" lon="0" rev="4800000"/>
-            </a:lightRig>
-          </a:scene3d>
-          <a:sp3d prstMaterial="matte">
-            <a:bevelT w="127000" h="63500"/>
-          </a:sp3d>
-        </p:spPr>
-        <p:txBody>
-          <a:bodyPr lIns="98973" tIns="49486" rIns="98973" bIns="49486" anchor="ctr"/>
-          <a:lstStyle>
-            <a:lvl1pPr defTabSz="3760788">
-              <a:spcBef>
-                <a:spcPct val="20000"/>
-              </a:spcBef>
-              <a:buChar char="•"/>
-              <a:defRPr sz="13100">
-                <a:solidFill>
-                  <a:schemeClr val="tx1"/>
-                </a:solidFill>
-                <a:latin typeface="Arial" charset="0"/>
-                <a:ea typeface="ＭＳ Ｐゴシック" charset="-128"/>
-              </a:defRPr>
-            </a:lvl1pPr>
-            <a:lvl2pPr marL="742950" indent="-285750" defTabSz="3760788">
-              <a:spcBef>
-                <a:spcPct val="20000"/>
-              </a:spcBef>
-              <a:buChar char="–"/>
-              <a:defRPr sz="11500">
-                <a:solidFill>
-                  <a:schemeClr val="tx1"/>
-                </a:solidFill>
-                <a:latin typeface="Arial" charset="0"/>
-                <a:ea typeface="ＭＳ Ｐゴシック" charset="-128"/>
-              </a:defRPr>
-            </a:lvl2pPr>
-            <a:lvl3pPr marL="1143000" indent="-228600" defTabSz="3760788">
-              <a:spcBef>
-                <a:spcPct val="20000"/>
-              </a:spcBef>
-              <a:buChar char="•"/>
-              <a:defRPr sz="9800">
-                <a:solidFill>
-                  <a:schemeClr val="tx1"/>
-                </a:solidFill>
-                <a:latin typeface="Arial" charset="0"/>
-                <a:ea typeface="ＭＳ Ｐゴシック" charset="-128"/>
-              </a:defRPr>
-            </a:lvl3pPr>
-            <a:lvl4pPr marL="1600200" indent="-228600" defTabSz="3760788">
-              <a:spcBef>
-                <a:spcPct val="20000"/>
-              </a:spcBef>
-              <a:buChar char="–"/>
-              <a:defRPr sz="8100">
-                <a:solidFill>
-                  <a:schemeClr val="tx1"/>
-                </a:solidFill>
-                <a:latin typeface="Arial" charset="0"/>
-                <a:ea typeface="ＭＳ Ｐゴシック" charset="-128"/>
-              </a:defRPr>
-            </a:lvl4pPr>
-            <a:lvl5pPr marL="2057400" indent="-228600" defTabSz="3760788">
-              <a:spcBef>
-                <a:spcPct val="20000"/>
-              </a:spcBef>
-              <a:buChar char="»"/>
-              <a:defRPr sz="8100">
-                <a:solidFill>
-                  <a:schemeClr val="tx1"/>
-                </a:solidFill>
-                <a:latin typeface="Arial" charset="0"/>
-                <a:ea typeface="ＭＳ Ｐゴシック" charset="-128"/>
-              </a:defRPr>
-            </a:lvl5pPr>
-            <a:lvl6pPr marL="2514600" indent="-228600" defTabSz="3760788" eaLnBrk="0" fontAlgn="base" hangingPunct="0">
-              <a:spcBef>
-                <a:spcPct val="20000"/>
-              </a:spcBef>
-              <a:spcAft>
-                <a:spcPct val="0"/>
-              </a:spcAft>
-              <a:buChar char="»"/>
-              <a:defRPr sz="8100">
-                <a:solidFill>
-                  <a:schemeClr val="tx1"/>
-                </a:solidFill>
-                <a:latin typeface="Arial" charset="0"/>
-                <a:ea typeface="ＭＳ Ｐゴシック" charset="-128"/>
-              </a:defRPr>
-            </a:lvl6pPr>
-            <a:lvl7pPr marL="2971800" indent="-228600" defTabSz="3760788" eaLnBrk="0" fontAlgn="base" hangingPunct="0">
-              <a:spcBef>
-                <a:spcPct val="20000"/>
-              </a:spcBef>
-              <a:spcAft>
-                <a:spcPct val="0"/>
-              </a:spcAft>
-              <a:buChar char="»"/>
-              <a:defRPr sz="8100">
-                <a:solidFill>
-                  <a:schemeClr val="tx1"/>
-                </a:solidFill>
-                <a:latin typeface="Arial" charset="0"/>
-                <a:ea typeface="ＭＳ Ｐゴシック" charset="-128"/>
-              </a:defRPr>
-            </a:lvl7pPr>
-            <a:lvl8pPr marL="3429000" indent="-228600" defTabSz="3760788" eaLnBrk="0" fontAlgn="base" hangingPunct="0">
-              <a:spcBef>
-                <a:spcPct val="20000"/>
-              </a:spcBef>
-              <a:spcAft>
-                <a:spcPct val="0"/>
-              </a:spcAft>
-              <a:buChar char="»"/>
-              <a:defRPr sz="8100">
-                <a:solidFill>
-                  <a:schemeClr val="tx1"/>
-                </a:solidFill>
-                <a:latin typeface="Arial" charset="0"/>
-                <a:ea typeface="ＭＳ Ｐゴシック" charset="-128"/>
-              </a:defRPr>
-            </a:lvl8pPr>
-            <a:lvl9pPr marL="3886200" indent="-228600" defTabSz="3760788" eaLnBrk="0" fontAlgn="base" hangingPunct="0">
-              <a:spcBef>
-                <a:spcPct val="20000"/>
-              </a:spcBef>
-              <a:spcAft>
-                <a:spcPct val="0"/>
-              </a:spcAft>
-              <a:buChar char="»"/>
-              <a:defRPr sz="8100">
-                <a:solidFill>
-                  <a:schemeClr val="tx1"/>
-                </a:solidFill>
-                <a:latin typeface="Arial" charset="0"/>
-                <a:ea typeface="ＭＳ Ｐゴシック" charset="-128"/>
-              </a:defRPr>
-            </a:lvl9pPr>
-          </a:lstStyle>
-          <a:p>
-            <a:pPr algn="ctr" eaLnBrk="1" hangingPunct="1">
-              <a:spcBef>
-                <a:spcPct val="0"/>
-              </a:spcBef>
-              <a:buFontTx/>
-              <a:buNone/>
-            </a:pPr>
-            <a:r>
-              <a:rPr lang="en-US" altLang="en-US" sz="4628" dirty="0">
-                <a:solidFill>
-                  <a:schemeClr val="bg1"/>
-                </a:solidFill>
-              </a:rPr>
-              <a:t>Graphs</a:t>
-            </a:r>
-          </a:p>
-        </p:txBody>
-      </p:sp>
-      <p:sp>
-        <p:nvSpPr>
           <p:cNvPr id="14346" name="Rectangle 33"/>
           <p:cNvSpPr>
             <a:spLocks noChangeArrowheads="1"/>
@@ -5607,7 +6033,7 @@
         </p:nvSpPr>
         <p:spPr bwMode="auto">
           <a:xfrm>
-            <a:off x="381000" y="19871481"/>
+            <a:off x="389176" y="19871481"/>
             <a:ext cx="10360152" cy="1177018"/>
           </a:xfrm>
           <a:prstGeom prst="rect">
@@ -5800,8 +6226,8 @@
         </p:nvSpPr>
         <p:spPr bwMode="auto">
           <a:xfrm>
-            <a:off x="11433048" y="14987121"/>
-            <a:ext cx="10360152" cy="17372359"/>
+            <a:off x="11460757" y="21302879"/>
+            <a:ext cx="10360152" cy="12077576"/>
           </a:xfrm>
           <a:prstGeom prst="rect">
             <a:avLst/>
@@ -5949,7 +6375,14 @@
             </a:lvl9pPr>
           </a:lstStyle>
           <a:p>
-            <a:pPr marL="685800" indent="-685800"/>
+            <a:pPr marL="685800" indent="-685800">
+              <a:lnSpc>
+                <a:spcPts val="4960"/>
+              </a:lnSpc>
+              <a:spcBef>
+                <a:spcPts val="1152"/>
+              </a:spcBef>
+            </a:pPr>
             <a:r>
               <a:rPr lang="en-US" altLang="en-US" sz="4800" dirty="0" smtClean="0">
                 <a:latin typeface="Times New Roman" charset="0"/>
@@ -5960,9 +6393,16 @@
             </a:r>
           </a:p>
           <a:p>
-            <a:pPr marL="1428750" lvl="1" indent="-685800"/>
-            <a:r>
-              <a:rPr lang="en-US" altLang="en-US" sz="4400" dirty="0" smtClean="0">
+            <a:pPr marL="1428750" lvl="1" indent="-685800">
+              <a:lnSpc>
+                <a:spcPts val="4960"/>
+              </a:lnSpc>
+              <a:spcBef>
+                <a:spcPts val="1152"/>
+              </a:spcBef>
+            </a:pPr>
+            <a:r>
+              <a:rPr lang="en-US" altLang="en-US" sz="4400" spc="-150" dirty="0" smtClean="0">
                 <a:latin typeface="Times New Roman" charset="0"/>
                 <a:ea typeface="Times New Roman" charset="0"/>
                 <a:cs typeface="Times New Roman" charset="0"/>
@@ -5971,38 +6411,21 @@
             </a:r>
           </a:p>
           <a:p>
-            <a:pPr marL="1428750" lvl="1" indent="-685800"/>
-            <a:r>
-              <a:rPr lang="en-US" altLang="en-US" sz="4400" dirty="0" smtClean="0">
-                <a:latin typeface="Times New Roman" charset="0"/>
-                <a:ea typeface="Times New Roman" charset="0"/>
-                <a:cs typeface="Times New Roman" charset="0"/>
-              </a:rPr>
-              <a:t>Select the most trade-related topic from the results</a:t>
-            </a:r>
-            <a:endParaRPr lang="en-US" altLang="en-US" sz="4400" dirty="0">
-              <a:latin typeface="Times New Roman" charset="0"/>
-              <a:ea typeface="Times New Roman" charset="0"/>
-              <a:cs typeface="Times New Roman" charset="0"/>
-            </a:endParaRPr>
-          </a:p>
-          <a:p>
-            <a:pPr marL="685800" indent="-685800"/>
+            <a:pPr marL="685800" indent="-685800">
+              <a:lnSpc>
+                <a:spcPts val="4960"/>
+              </a:lnSpc>
+              <a:spcBef>
+                <a:spcPts val="1152"/>
+              </a:spcBef>
+            </a:pPr>
             <a:r>
               <a:rPr lang="en-US" altLang="en-US" sz="4800" dirty="0" smtClean="0">
                 <a:latin typeface="Times New Roman" charset="0"/>
                 <a:ea typeface="Times New Roman" charset="0"/>
                 <a:cs typeface="Times New Roman" charset="0"/>
               </a:rPr>
-              <a:t>DTM</a:t>
-            </a:r>
-            <a:r>
-              <a:rPr lang="en-US" altLang="en-US" sz="4800" dirty="0">
-                <a:latin typeface="Times New Roman" charset="0"/>
-                <a:ea typeface="Times New Roman" charset="0"/>
-                <a:cs typeface="Times New Roman" charset="0"/>
-              </a:rPr>
-              <a:t> </a:t>
+              <a:t>DTM </a:t>
             </a:r>
             <a:r>
               <a:rPr lang="en-US" altLang="en-US" sz="4800" dirty="0" smtClean="0">
@@ -6014,9 +6437,16 @@
             </a:r>
           </a:p>
           <a:p>
-            <a:pPr marL="1428750" lvl="1" indent="-685800"/>
-            <a:r>
-              <a:rPr lang="en-US" altLang="en-US" sz="4400" dirty="0" smtClean="0">
+            <a:pPr marL="1428750" lvl="1" indent="-685800">
+              <a:lnSpc>
+                <a:spcPts val="4960"/>
+              </a:lnSpc>
+              <a:spcBef>
+                <a:spcPts val="1152"/>
+              </a:spcBef>
+            </a:pPr>
+            <a:r>
+              <a:rPr lang="en-US" altLang="en-US" sz="4400" spc="-150" dirty="0" smtClean="0">
                 <a:latin typeface="Times New Roman" charset="0"/>
                 <a:ea typeface="Times New Roman" charset="0"/>
                 <a:cs typeface="Times New Roman" charset="0"/>
@@ -6025,7 +6455,14 @@
             </a:r>
           </a:p>
           <a:p>
-            <a:pPr marL="685800" indent="-685800"/>
+            <a:pPr marL="685800" indent="-685800">
+              <a:lnSpc>
+                <a:spcPts val="4960"/>
+              </a:lnSpc>
+              <a:spcBef>
+                <a:spcPts val="1152"/>
+              </a:spcBef>
+            </a:pPr>
             <a:r>
               <a:rPr lang="en-US" altLang="en-US" sz="4800" dirty="0" smtClean="0">
                 <a:latin typeface="Times New Roman" charset="0"/>
@@ -6041,7 +6478,14 @@
             </a:endParaRPr>
           </a:p>
           <a:p>
-            <a:pPr marL="1428750" lvl="1" indent="-685800"/>
+            <a:pPr marL="1428750" lvl="1" indent="-685800">
+              <a:lnSpc>
+                <a:spcPts val="4960"/>
+              </a:lnSpc>
+              <a:spcBef>
+                <a:spcPts val="1152"/>
+              </a:spcBef>
+            </a:pPr>
             <a:r>
               <a:rPr lang="en-US" sz="4400" dirty="0" smtClean="0">
                 <a:latin typeface="Times New Roman" charset="0"/>
@@ -6050,108 +6494,118 @@
               </a:rPr>
               <a:t>Dependent Variable: </a:t>
             </a:r>
-          </a:p>
-          <a:p>
-            <a:pPr marL="1828800" lvl="2" indent="-685800"/>
+            <a:r>
+              <a:rPr lang="en-US" sz="4000" spc="-150" dirty="0" smtClean="0">
+                <a:latin typeface="Times New Roman" charset="0"/>
+                <a:ea typeface="Times New Roman" charset="0"/>
+                <a:cs typeface="Times New Roman" charset="0"/>
+              </a:rPr>
+              <a:t>Trade</a:t>
+            </a:r>
+            <a:r>
+              <a:rPr lang="ko-KR" altLang="en-US" sz="4000" spc="-150" dirty="0" smtClean="0">
+                <a:latin typeface="Times New Roman" charset="0"/>
+                <a:ea typeface="Times New Roman" charset="0"/>
+                <a:cs typeface="Times New Roman" charset="0"/>
+              </a:rPr>
+              <a:t> </a:t>
+            </a:r>
+            <a:r>
+              <a:rPr lang="en-US" altLang="ko-KR" sz="4000" spc="-150" dirty="0" smtClean="0">
+                <a:latin typeface="Times New Roman" charset="0"/>
+                <a:ea typeface="Times New Roman" charset="0"/>
+                <a:cs typeface="Times New Roman" charset="0"/>
+              </a:rPr>
+              <a:t>topic</a:t>
+            </a:r>
+            <a:r>
+              <a:rPr lang="en-US" sz="4000" spc="-150" dirty="0" smtClean="0">
+                <a:latin typeface="Times New Roman" charset="0"/>
+                <a:ea typeface="Times New Roman" charset="0"/>
+                <a:cs typeface="Times New Roman" charset="0"/>
+              </a:rPr>
+              <a:t> related 15 FREX words</a:t>
+            </a:r>
+            <a:r>
+              <a:rPr lang="en-US" sz="4000" spc="-150" dirty="0" smtClean="0">
+                <a:latin typeface="Times New Roman" charset="0"/>
+                <a:ea typeface="Times New Roman" charset="0"/>
+                <a:cs typeface="Times New Roman" charset="0"/>
+              </a:rPr>
+              <a:t> frequencies by Rust belt/ Non-Rust belt regions</a:t>
+            </a:r>
+            <a:endParaRPr lang="ko-KR" altLang="en-US" sz="4000" spc="-150" dirty="0">
+              <a:latin typeface="Times New Roman" charset="0"/>
+              <a:ea typeface="Times New Roman" charset="0"/>
+              <a:cs typeface="Times New Roman" charset="0"/>
+            </a:endParaRPr>
+          </a:p>
+          <a:p>
+            <a:pPr marL="1428750" lvl="1" indent="-685800">
+              <a:lnSpc>
+                <a:spcPts val="4960"/>
+              </a:lnSpc>
+              <a:spcBef>
+                <a:spcPts val="1152"/>
+              </a:spcBef>
+            </a:pPr>
             <a:r>
               <a:rPr lang="en-US" sz="4400" dirty="0" smtClean="0">
                 <a:latin typeface="Times New Roman" charset="0"/>
                 <a:ea typeface="Times New Roman" charset="0"/>
                 <a:cs typeface="Times New Roman" charset="0"/>
               </a:rPr>
-              <a:t>Unigram </a:t>
-            </a:r>
-            <a:r>
-              <a:rPr lang="en-US" sz="4400" dirty="0">
+              <a:t>Independent Variable: </a:t>
+            </a:r>
+            <a:r>
+              <a:rPr lang="en-US" sz="4000" dirty="0" smtClean="0">
                 <a:latin typeface="Times New Roman" charset="0"/>
                 <a:ea typeface="Times New Roman" charset="0"/>
                 <a:cs typeface="Times New Roman" charset="0"/>
               </a:rPr>
-              <a:t>frequency (of trade-related documents extracted from the </a:t>
-            </a:r>
-            <a:r>
-              <a:rPr lang="en-US" sz="4400" dirty="0" err="1">
+              <a:t>Partisanship </a:t>
+            </a:r>
+            <a:r>
+              <a:rPr lang="en-US" sz="4000" dirty="0">
                 <a:latin typeface="Times New Roman" charset="0"/>
                 <a:ea typeface="Times New Roman" charset="0"/>
                 <a:cs typeface="Times New Roman" charset="0"/>
               </a:rPr>
-              <a:t>stm</a:t>
-            </a:r>
-            <a:r>
-              <a:rPr lang="en-US" sz="4400" dirty="0">
+              <a:t>of the </a:t>
+            </a:r>
+            <a:r>
+              <a:rPr lang="en-US" sz="4000" dirty="0" smtClean="0">
                 <a:latin typeface="Times New Roman" charset="0"/>
                 <a:ea typeface="Times New Roman" charset="0"/>
                 <a:cs typeface="Times New Roman" charset="0"/>
               </a:rPr>
-              <a:t>, subset to rustbelt &amp; swing </a:t>
-            </a:r>
+              <a:t>speaker</a:t>
+            </a:r>
+            <a:endParaRPr lang="en-US" sz="4000" dirty="0" smtClean="0">
+              <a:latin typeface="Times New Roman" charset="0"/>
+              <a:ea typeface="Times New Roman" charset="0"/>
+              <a:cs typeface="Times New Roman" charset="0"/>
+            </a:endParaRPr>
+          </a:p>
+          <a:p>
+            <a:pPr marL="1428750" lvl="1" indent="-685800">
+              <a:lnSpc>
+                <a:spcPts val="4960"/>
+              </a:lnSpc>
+              <a:spcBef>
+                <a:spcPts val="1152"/>
+              </a:spcBef>
+            </a:pPr>
             <a:r>
               <a:rPr lang="en-US" sz="4400" dirty="0" smtClean="0">
                 <a:latin typeface="Times New Roman" charset="0"/>
                 <a:ea typeface="Times New Roman" charset="0"/>
                 <a:cs typeface="Times New Roman" charset="0"/>
               </a:rPr>
-              <a:t>state)</a:t>
-            </a:r>
-          </a:p>
-          <a:p>
-            <a:pPr marL="1428750" lvl="1" indent="-685800"/>
-            <a:r>
-              <a:rPr lang="en-US" sz="4400" dirty="0" smtClean="0">
-                <a:latin typeface="Times New Roman" charset="0"/>
-                <a:ea typeface="Times New Roman" charset="0"/>
-                <a:cs typeface="Times New Roman" charset="0"/>
-              </a:rPr>
-              <a:t>Independent Variable:</a:t>
-            </a:r>
-          </a:p>
-          <a:p>
-            <a:pPr marL="1828800" lvl="2" indent="-685800"/>
-            <a:r>
-              <a:rPr lang="en-US" sz="4400" dirty="0" smtClean="0">
-                <a:latin typeface="Times New Roman" charset="0"/>
-                <a:ea typeface="Times New Roman" charset="0"/>
-                <a:cs typeface="Times New Roman" charset="0"/>
-              </a:rPr>
-              <a:t>Partisanship </a:t>
-            </a:r>
-            <a:r>
-              <a:rPr lang="en-US" sz="4400" dirty="0">
-                <a:latin typeface="Times New Roman" charset="0"/>
-                <a:ea typeface="Times New Roman" charset="0"/>
-                <a:cs typeface="Times New Roman" charset="0"/>
-              </a:rPr>
-              <a:t>of the </a:t>
-            </a:r>
-            <a:r>
-              <a:rPr lang="en-US" sz="4400" dirty="0" smtClean="0">
-                <a:latin typeface="Times New Roman" charset="0"/>
-                <a:ea typeface="Times New Roman" charset="0"/>
-                <a:cs typeface="Times New Roman" charset="0"/>
-              </a:rPr>
-              <a:t>speaker</a:t>
-            </a:r>
-            <a:endParaRPr lang="en-US" sz="4400" dirty="0" smtClean="0">
-              <a:latin typeface="Times New Roman" charset="0"/>
-              <a:ea typeface="Times New Roman" charset="0"/>
-              <a:cs typeface="Times New Roman" charset="0"/>
-            </a:endParaRPr>
-          </a:p>
-          <a:p>
-            <a:pPr marL="1428750" lvl="1" indent="-685800"/>
-            <a:r>
-              <a:rPr lang="en-US" sz="4400" dirty="0" smtClean="0">
-                <a:latin typeface="Times New Roman" charset="0"/>
-                <a:ea typeface="Times New Roman" charset="0"/>
-                <a:cs typeface="Times New Roman" charset="0"/>
-              </a:rPr>
-              <a:t>Controls:</a:t>
-            </a:r>
-          </a:p>
-          <a:p>
-            <a:pPr marL="1828800" lvl="2" indent="-685800"/>
-            <a:r>
-              <a:rPr lang="en-US" sz="4400" dirty="0" smtClean="0">
+              <a:t>Controls: </a:t>
+            </a:r>
+            <a:r>
+              <a:rPr lang="en-US" sz="4000" spc="-150" dirty="0" smtClean="0">
                 <a:latin typeface="Times New Roman" charset="0"/>
                 <a:ea typeface="Times New Roman" charset="0"/>
                 <a:cs typeface="Times New Roman" charset="0"/>
@@ -6159,22 +6613,30 @@
               <a:t>Year-fixed</a:t>
             </a:r>
             <a:r>
-              <a:rPr lang="en-US" sz="4400" dirty="0">
+              <a:rPr lang="en-US" sz="4000" spc="-150" dirty="0">
                 <a:latin typeface="Times New Roman" charset="0"/>
                 <a:ea typeface="Times New Roman" charset="0"/>
                 <a:cs typeface="Times New Roman" charset="0"/>
               </a:rPr>
-              <a:t>, state-level unemployment, candidate-fixed, candidate from incumbent party vs. opposing party, the partisan similarity of the author and the local governor (1= same, 0 = different</a:t>
-            </a:r>
-            <a:r>
-              <a:rPr lang="en-US" sz="4400" dirty="0" smtClean="0">
+              <a:t>, state-level unemployment, candidate-fixed, candidate from incumbent party vs. opposing party, the partisan similarity of the author and the local </a:t>
+            </a:r>
+            <a:r>
+              <a:rPr lang="en-US" sz="4000" spc="-150" dirty="0" smtClean="0">
                 <a:latin typeface="Times New Roman" charset="0"/>
                 <a:ea typeface="Times New Roman" charset="0"/>
                 <a:cs typeface="Times New Roman" charset="0"/>
               </a:rPr>
-              <a:t>)</a:t>
-            </a:r>
-            <a:endParaRPr lang="en-US" sz="4400" dirty="0">
+              <a:t>governor</a:t>
+            </a:r>
+            <a:r>
+              <a:rPr lang="en-US" altLang="ko-KR" sz="4000" spc="-150" dirty="0" smtClean="0">
+                <a:latin typeface="Times New Roman" charset="0"/>
+                <a:ea typeface="Times New Roman" charset="0"/>
+                <a:cs typeface="Times New Roman" charset="0"/>
+              </a:rPr>
+              <a:t>.</a:t>
+            </a:r>
+            <a:endParaRPr lang="en-US" sz="4000" spc="-150" dirty="0">
               <a:latin typeface="Times New Roman" charset="0"/>
               <a:ea typeface="Times New Roman" charset="0"/>
               <a:cs typeface="Times New Roman" charset="0"/>
@@ -6192,7 +6654,7 @@
         </p:nvSpPr>
         <p:spPr bwMode="auto">
           <a:xfrm>
-            <a:off x="381000" y="21603933"/>
+            <a:off x="407803" y="21603933"/>
             <a:ext cx="10360152" cy="10884429"/>
           </a:xfrm>
           <a:prstGeom prst="rect">
@@ -6415,15 +6877,7 @@
                 <a:ea typeface="Times New Roman" charset="0"/>
                 <a:cs typeface="Times New Roman" charset="0"/>
               </a:rPr>
-              <a:t>national security </a:t>
-            </a:r>
-            <a:r>
-              <a:rPr lang="en-US" sz="4800" dirty="0" smtClean="0">
-                <a:latin typeface="Times New Roman" charset="0"/>
-                <a:ea typeface="Times New Roman" charset="0"/>
-                <a:cs typeface="Times New Roman" charset="0"/>
-              </a:rPr>
-              <a:t>in </a:t>
+              <a:t>national security in </a:t>
             </a:r>
             <a:r>
               <a:rPr lang="en-US" sz="4800" dirty="0">
@@ -6442,15 +6896,7 @@
                 <a:ea typeface="Times New Roman" charset="0"/>
                 <a:cs typeface="Times New Roman" charset="0"/>
               </a:rPr>
-              <a:t> </a:t>
-            </a:r>
-            <a:r>
-              <a:rPr lang="en-US" sz="4800" dirty="0" smtClean="0">
-                <a:latin typeface="Times New Roman" charset="0"/>
-                <a:ea typeface="Times New Roman" charset="0"/>
-                <a:cs typeface="Times New Roman" charset="0"/>
-              </a:rPr>
-              <a:t>H3: </a:t>
+              <a:t> H3: </a:t>
             </a:r>
             <a:r>
               <a:rPr lang="en-US" sz="4800" dirty="0">
@@ -6466,7 +6912,7 @@
                 <a:ea typeface="Times New Roman" charset="0"/>
                 <a:cs typeface="Times New Roman" charset="0"/>
               </a:rPr>
-              <a:t>frame trade as </a:t>
+              <a:t>frame trade as special interest by linking trade with job </a:t>
             </a:r>
             <a:r>
               <a:rPr lang="en-US" sz="4800" dirty="0" smtClean="0">
@@ -6474,15 +6920,7 @@
                 <a:ea typeface="Times New Roman" charset="0"/>
                 <a:cs typeface="Times New Roman" charset="0"/>
               </a:rPr>
-              <a:t>special interest</a:t>
-            </a:r>
-            <a:r>
-              <a:rPr lang="en-US" sz="4800" dirty="0" smtClean="0">
-                <a:latin typeface="Times New Roman" charset="0"/>
-                <a:ea typeface="Times New Roman" charset="0"/>
-                <a:cs typeface="Times New Roman" charset="0"/>
-              </a:rPr>
-              <a:t> by linking trade with job security .</a:t>
+              <a:t>security.</a:t>
             </a:r>
             <a:endParaRPr lang="en-US" sz="4800" dirty="0">
               <a:latin typeface="Times New Roman" charset="0"/>
@@ -6712,7 +7150,7 @@
         </p:nvSpPr>
         <p:spPr bwMode="auto">
           <a:xfrm>
-            <a:off x="355600" y="14734950"/>
+            <a:off x="346550" y="14734950"/>
             <a:ext cx="10360152" cy="1177018"/>
           </a:xfrm>
           <a:prstGeom prst="rect">
@@ -6905,7 +7343,7 @@
         </p:nvSpPr>
         <p:spPr bwMode="auto">
           <a:xfrm>
-            <a:off x="431800" y="16261453"/>
+            <a:off x="346550" y="16261453"/>
             <a:ext cx="10360152" cy="3054594"/>
           </a:xfrm>
           <a:prstGeom prst="rect">
@@ -7054,8 +7492,9 @@
             </a:lvl9pPr>
           </a:lstStyle>
           <a:p>
-            <a:pPr lvl="0">
-              <a:buNone/>
+            <a:pPr marL="685800" lvl="0" indent="-685800">
+              <a:buFont typeface="Arial" charset="0"/>
+              <a:buChar char="•"/>
             </a:pPr>
             <a:r>
               <a:rPr lang="en-US" sz="4800" dirty="0" smtClean="0">
@@ -7115,8 +7554,8 @@
         </p:nvSpPr>
         <p:spPr bwMode="auto">
           <a:xfrm>
-            <a:off x="11326459" y="6589152"/>
-            <a:ext cx="10640523" cy="6895645"/>
+            <a:off x="11405939" y="6589152"/>
+            <a:ext cx="10360152" cy="7634309"/>
           </a:xfrm>
           <a:prstGeom prst="rect">
             <a:avLst/>
@@ -7325,15 +7764,7 @@
                 <a:ea typeface="Times New Roman" charset="0"/>
                 <a:cs typeface="Times New Roman" charset="0"/>
               </a:rPr>
-              <a:t>Descriptive </a:t>
-            </a:r>
-            <a:r>
-              <a:rPr lang="en-US" altLang="en-US" sz="4800" dirty="0" smtClean="0">
-                <a:latin typeface="Times New Roman" charset="0"/>
-                <a:ea typeface="Times New Roman" charset="0"/>
-                <a:cs typeface="Times New Roman" charset="0"/>
-              </a:rPr>
-              <a:t>Statistics</a:t>
+              <a:t>Descriptive Statistics</a:t>
             </a:r>
             <a:br>
               <a:rPr lang="en-US" altLang="en-US" sz="4800" dirty="0" smtClean="0">
@@ -7348,7 +7779,23 @@
                 <a:ea typeface="Times New Roman" charset="0"/>
                 <a:cs typeface="Times New Roman" charset="0"/>
               </a:rPr>
-              <a:t>(1) Total 1247 speeches, </a:t>
+              <a:t>(1) Total 1247 </a:t>
+            </a:r>
+            <a:r>
+              <a:rPr lang="en-US" altLang="en-US" sz="4800" dirty="0" smtClean="0">
+                <a:latin typeface="Times New Roman" charset="0"/>
+                <a:ea typeface="Times New Roman" charset="0"/>
+                <a:cs typeface="Times New Roman" charset="0"/>
+              </a:rPr>
+              <a:t>speeches </a:t>
+            </a:r>
+            <a:r>
+              <a:rPr lang="en-US" altLang="en-US" sz="4800" dirty="0" smtClean="0">
+                <a:latin typeface="Times New Roman" charset="0"/>
+                <a:ea typeface="Times New Roman" charset="0"/>
+                <a:cs typeface="Times New Roman" charset="0"/>
+              </a:rPr>
+              <a:t/>
             </a:r>
             <a:br>
               <a:rPr lang="en-US" altLang="en-US" sz="4800" dirty="0" smtClean="0">
@@ -7388,11 +7835,6 @@
               </a:rPr>
               <a:t>(3) 685, 282, 280 speeches in each year</a:t>
             </a:r>
-            <a:endParaRPr lang="en-US" altLang="en-US" sz="4800" dirty="0" smtClean="0">
-              <a:latin typeface="Times New Roman" charset="0"/>
-              <a:ea typeface="Times New Roman" charset="0"/>
-              <a:cs typeface="Times New Roman" charset="0"/>
-            </a:endParaRPr>
           </a:p>
         </p:txBody>
       </p:sp>
@@ -7406,7 +7848,7 @@
         </p:nvSpPr>
         <p:spPr bwMode="auto">
           <a:xfrm>
-            <a:off x="22510496" y="19129435"/>
+            <a:off x="22588073" y="18440400"/>
             <a:ext cx="10360152" cy="1172936"/>
           </a:xfrm>
           <a:prstGeom prst="rect">
@@ -7797,8 +8239,8 @@
         </p:nvSpPr>
         <p:spPr bwMode="auto">
           <a:xfrm>
-            <a:off x="33287480" y="26828645"/>
-            <a:ext cx="10360152" cy="838602"/>
+            <a:off x="33683719" y="26073654"/>
+            <a:ext cx="10360152" cy="5212080"/>
           </a:xfrm>
           <a:prstGeom prst="rect">
             <a:avLst/>
@@ -7946,14 +8388,44 @@
             </a:lvl9pPr>
           </a:lstStyle>
           <a:p>
-            <a:pPr>
-              <a:buNone/>
-            </a:pPr>
-            <a:endParaRPr lang="en-US" sz="4800" dirty="0">
-              <a:latin typeface="Times New Roman" charset="0"/>
-              <a:ea typeface="Times New Roman" charset="0"/>
-              <a:cs typeface="Times New Roman" charset="0"/>
-            </a:endParaRPr>
+            <a:pPr marL="685800" indent="-685800">
+              <a:buFont typeface="Arial" panose="020B0604020202020204" pitchFamily="34" charset="0"/>
+              <a:buChar char="•"/>
+            </a:pPr>
+            <a:r>
+              <a:rPr lang="en-US" altLang="ko-KR" sz="4800" dirty="0">
+                <a:latin typeface="Times New Roman" panose="02020603050405020304" pitchFamily="18" charset="0"/>
+                <a:cs typeface="Times New Roman" panose="02020603050405020304" pitchFamily="18" charset="0"/>
+              </a:rPr>
+              <a:t>Presidential Candidates </a:t>
+            </a:r>
+            <a:r>
+              <a:rPr lang="en-US" altLang="ko-KR" sz="4800" i="1" dirty="0">
+                <a:latin typeface="Times New Roman" panose="02020603050405020304" pitchFamily="18" charset="0"/>
+                <a:cs typeface="Times New Roman" panose="02020603050405020304" pitchFamily="18" charset="0"/>
+              </a:rPr>
+              <a:t>ex-ante </a:t>
+            </a:r>
+            <a:r>
+              <a:rPr lang="en-US" altLang="ko-KR" sz="4800" dirty="0">
+                <a:latin typeface="Times New Roman" panose="02020603050405020304" pitchFamily="18" charset="0"/>
+                <a:cs typeface="Times New Roman" panose="02020603050405020304" pitchFamily="18" charset="0"/>
+              </a:rPr>
+              <a:t>respond to voter punishment on trade through the means of adopting different rhetoric by region.</a:t>
+            </a:r>
+          </a:p>
+          <a:p>
+            <a:pPr marL="685800" indent="-685800">
+              <a:buFont typeface="Arial" panose="020B0604020202020204" pitchFamily="34" charset="0"/>
+              <a:buChar char="•"/>
+            </a:pPr>
+            <a:r>
+              <a:rPr lang="en-US" altLang="ko-KR" sz="4800" dirty="0">
+                <a:latin typeface="Times New Roman" panose="02020603050405020304" pitchFamily="18" charset="0"/>
+                <a:cs typeface="Times New Roman" panose="02020603050405020304" pitchFamily="18" charset="0"/>
+              </a:rPr>
+              <a:t>The different rhetoric varies by political partisanship.</a:t>
+            </a:r>
           </a:p>
         </p:txBody>
       </p:sp>
@@ -7962,7 +8434,7 @@
           <p:cNvPr id="2" name="TextBox 1">
             <a:extLst>
               <a:ext uri="{FF2B5EF4-FFF2-40B4-BE49-F238E27FC236}">
-                <a16:creationId xmlns:a16="http://schemas.microsoft.com/office/drawing/2014/main" id="{7B97C7E3-A8DF-4DC3-A1E2-1B0C28BA069E}"/>
+                <a16:creationId xmlns:a16="http://schemas.microsoft.com/office/drawing/2014/main" xmlns="" id="{7B97C7E3-A8DF-4DC3-A1E2-1B0C28BA069E}"/>
               </a:ext>
             </a:extLst>
           </p:cNvPr>
@@ -8227,7 +8699,7 @@
         </p:nvSpPr>
         <p:spPr bwMode="auto">
           <a:xfrm>
-            <a:off x="33553321" y="5193847"/>
+            <a:off x="33553321" y="5158872"/>
             <a:ext cx="10360152" cy="1172936"/>
           </a:xfrm>
           <a:prstGeom prst="rect">
@@ -8445,6 +8917,509 @@
           </a:prstGeom>
         </p:spPr>
       </p:pic>
+      <p:sp>
+        <p:nvSpPr>
+          <p:cNvPr id="36" name="Text Box 41"/>
+          <p:cNvSpPr txBox="1">
+            <a:spLocks noChangeArrowheads="1"/>
+          </p:cNvSpPr>
+          <p:nvPr/>
+        </p:nvSpPr>
+        <p:spPr bwMode="auto">
+          <a:xfrm>
+            <a:off x="22614837" y="6583397"/>
+            <a:ext cx="10303563" cy="11338560"/>
+          </a:xfrm>
+          <a:prstGeom prst="rect">
+            <a:avLst/>
+          </a:prstGeom>
+          <a:solidFill>
+            <a:schemeClr val="accent3"/>
+          </a:solidFill>
+          <a:ln>
+            <a:noFill/>
+          </a:ln>
+        </p:spPr>
+        <p:txBody>
+          <a:bodyPr wrap="square" lIns="98973" tIns="49486" rIns="98973" bIns="49486">
+            <a:spAutoFit/>
+          </a:bodyPr>
+          <a:lstStyle>
+            <a:lvl1pPr defTabSz="3760788">
+              <a:spcBef>
+                <a:spcPct val="20000"/>
+              </a:spcBef>
+              <a:buChar char="•"/>
+              <a:defRPr sz="13100">
+                <a:solidFill>
+                  <a:schemeClr val="tx1"/>
+                </a:solidFill>
+                <a:latin typeface="Arial" charset="0"/>
+                <a:ea typeface="ＭＳ Ｐゴシック" charset="-128"/>
+              </a:defRPr>
+            </a:lvl1pPr>
+            <a:lvl2pPr marL="742950" indent="-285750" defTabSz="3760788">
+              <a:spcBef>
+                <a:spcPct val="20000"/>
+              </a:spcBef>
+              <a:buChar char="–"/>
+              <a:defRPr sz="11500">
+                <a:solidFill>
+                  <a:schemeClr val="tx1"/>
+                </a:solidFill>
+                <a:latin typeface="Arial" charset="0"/>
+                <a:ea typeface="ＭＳ Ｐゴシック" charset="-128"/>
+              </a:defRPr>
+            </a:lvl2pPr>
+            <a:lvl3pPr marL="1143000" indent="-228600" defTabSz="3760788">
+              <a:spcBef>
+                <a:spcPct val="20000"/>
+              </a:spcBef>
+              <a:buChar char="•"/>
+              <a:defRPr sz="9800">
+                <a:solidFill>
+                  <a:schemeClr val="tx1"/>
+                </a:solidFill>
+                <a:latin typeface="Arial" charset="0"/>
+                <a:ea typeface="ＭＳ Ｐゴシック" charset="-128"/>
+              </a:defRPr>
+            </a:lvl3pPr>
+            <a:lvl4pPr marL="1600200" indent="-228600" defTabSz="3760788">
+              <a:spcBef>
+                <a:spcPct val="20000"/>
+              </a:spcBef>
+              <a:buChar char="–"/>
+              <a:defRPr sz="8100">
+                <a:solidFill>
+                  <a:schemeClr val="tx1"/>
+                </a:solidFill>
+                <a:latin typeface="Arial" charset="0"/>
+                <a:ea typeface="ＭＳ Ｐゴシック" charset="-128"/>
+              </a:defRPr>
+            </a:lvl4pPr>
+            <a:lvl5pPr marL="2057400" indent="-228600" defTabSz="3760788">
+              <a:spcBef>
+                <a:spcPct val="20000"/>
+              </a:spcBef>
+              <a:buChar char="»"/>
+              <a:defRPr sz="8100">
+                <a:solidFill>
+                  <a:schemeClr val="tx1"/>
+                </a:solidFill>
+                <a:latin typeface="Arial" charset="0"/>
+                <a:ea typeface="ＭＳ Ｐゴシック" charset="-128"/>
+              </a:defRPr>
+            </a:lvl5pPr>
+            <a:lvl6pPr marL="2514600" indent="-228600" defTabSz="3760788" eaLnBrk="0" fontAlgn="base" hangingPunct="0">
+              <a:spcBef>
+                <a:spcPct val="20000"/>
+              </a:spcBef>
+              <a:spcAft>
+                <a:spcPct val="0"/>
+              </a:spcAft>
+              <a:buChar char="»"/>
+              <a:defRPr sz="8100">
+                <a:solidFill>
+                  <a:schemeClr val="tx1"/>
+                </a:solidFill>
+                <a:latin typeface="Arial" charset="0"/>
+                <a:ea typeface="ＭＳ Ｐゴシック" charset="-128"/>
+              </a:defRPr>
+            </a:lvl6pPr>
+            <a:lvl7pPr marL="2971800" indent="-228600" defTabSz="3760788" eaLnBrk="0" fontAlgn="base" hangingPunct="0">
+              <a:spcBef>
+                <a:spcPct val="20000"/>
+              </a:spcBef>
+              <a:spcAft>
+                <a:spcPct val="0"/>
+              </a:spcAft>
+              <a:buChar char="»"/>
+              <a:defRPr sz="8100">
+                <a:solidFill>
+                  <a:schemeClr val="tx1"/>
+                </a:solidFill>
+                <a:latin typeface="Arial" charset="0"/>
+                <a:ea typeface="ＭＳ Ｐゴシック" charset="-128"/>
+              </a:defRPr>
+            </a:lvl7pPr>
+            <a:lvl8pPr marL="3429000" indent="-228600" defTabSz="3760788" eaLnBrk="0" fontAlgn="base" hangingPunct="0">
+              <a:spcBef>
+                <a:spcPct val="20000"/>
+              </a:spcBef>
+              <a:spcAft>
+                <a:spcPct val="0"/>
+              </a:spcAft>
+              <a:buChar char="»"/>
+              <a:defRPr sz="8100">
+                <a:solidFill>
+                  <a:schemeClr val="tx1"/>
+                </a:solidFill>
+                <a:latin typeface="Arial" charset="0"/>
+                <a:ea typeface="ＭＳ Ｐゴシック" charset="-128"/>
+              </a:defRPr>
+            </a:lvl8pPr>
+            <a:lvl9pPr marL="3886200" indent="-228600" defTabSz="3760788" eaLnBrk="0" fontAlgn="base" hangingPunct="0">
+              <a:spcBef>
+                <a:spcPct val="20000"/>
+              </a:spcBef>
+              <a:spcAft>
+                <a:spcPct val="0"/>
+              </a:spcAft>
+              <a:buChar char="»"/>
+              <a:defRPr sz="8100">
+                <a:solidFill>
+                  <a:schemeClr val="tx1"/>
+                </a:solidFill>
+                <a:latin typeface="Arial" charset="0"/>
+                <a:ea typeface="ＭＳ Ｐゴシック" charset="-128"/>
+              </a:defRPr>
+            </a:lvl9pPr>
+          </a:lstStyle>
+          <a:p>
+            <a:pPr>
+              <a:buNone/>
+            </a:pPr>
+            <a:endParaRPr lang="en-US" altLang="en-US" sz="4400" dirty="0">
+              <a:latin typeface="Times New Roman" charset="0"/>
+              <a:ea typeface="Times New Roman" charset="0"/>
+              <a:cs typeface="Times New Roman" charset="0"/>
+            </a:endParaRPr>
+          </a:p>
+          <a:p>
+            <a:pPr eaLnBrk="1" hangingPunct="1">
+              <a:spcBef>
+                <a:spcPct val="50000"/>
+              </a:spcBef>
+              <a:buFontTx/>
+              <a:buNone/>
+            </a:pPr>
+            <a:endParaRPr lang="en-US" altLang="en-US" sz="4800" dirty="0">
+              <a:latin typeface="Times New Roman" charset="0"/>
+              <a:ea typeface="Times New Roman" charset="0"/>
+              <a:cs typeface="Times New Roman" charset="0"/>
+            </a:endParaRPr>
+          </a:p>
+          <a:p>
+            <a:pPr eaLnBrk="1" hangingPunct="1">
+              <a:spcBef>
+                <a:spcPct val="50000"/>
+              </a:spcBef>
+              <a:buFontTx/>
+              <a:buNone/>
+            </a:pPr>
+            <a:endParaRPr lang="en-US" altLang="en-US" sz="4800" dirty="0">
+              <a:latin typeface="Times New Roman" charset="0"/>
+              <a:ea typeface="Times New Roman" charset="0"/>
+              <a:cs typeface="Times New Roman" charset="0"/>
+            </a:endParaRPr>
+          </a:p>
+          <a:p>
+            <a:pPr eaLnBrk="1" hangingPunct="1">
+              <a:spcBef>
+                <a:spcPct val="50000"/>
+              </a:spcBef>
+              <a:buFontTx/>
+              <a:buNone/>
+            </a:pPr>
+            <a:endParaRPr lang="en-US" altLang="en-US" sz="4800" dirty="0">
+              <a:latin typeface="Times New Roman" charset="0"/>
+              <a:ea typeface="Times New Roman" charset="0"/>
+              <a:cs typeface="Times New Roman" charset="0"/>
+            </a:endParaRPr>
+          </a:p>
+          <a:p>
+            <a:pPr eaLnBrk="1" hangingPunct="1">
+              <a:spcBef>
+                <a:spcPct val="50000"/>
+              </a:spcBef>
+              <a:buFontTx/>
+              <a:buNone/>
+            </a:pPr>
+            <a:endParaRPr lang="en-US" altLang="en-US" sz="4800" dirty="0">
+              <a:latin typeface="Times New Roman" charset="0"/>
+              <a:ea typeface="Times New Roman" charset="0"/>
+              <a:cs typeface="Times New Roman" charset="0"/>
+            </a:endParaRPr>
+          </a:p>
+          <a:p>
+            <a:pPr eaLnBrk="1" hangingPunct="1">
+              <a:spcBef>
+                <a:spcPct val="50000"/>
+              </a:spcBef>
+              <a:buFontTx/>
+              <a:buNone/>
+            </a:pPr>
+            <a:endParaRPr lang="en-US" altLang="en-US" sz="4800" dirty="0">
+              <a:latin typeface="Times New Roman" charset="0"/>
+              <a:ea typeface="Times New Roman" charset="0"/>
+              <a:cs typeface="Times New Roman" charset="0"/>
+            </a:endParaRPr>
+          </a:p>
+          <a:p>
+            <a:pPr eaLnBrk="1" hangingPunct="1">
+              <a:spcBef>
+                <a:spcPct val="50000"/>
+              </a:spcBef>
+              <a:buFontTx/>
+              <a:buNone/>
+            </a:pPr>
+            <a:endParaRPr lang="en-US" altLang="en-US" sz="4800" dirty="0">
+              <a:latin typeface="Times New Roman" charset="0"/>
+              <a:ea typeface="Times New Roman" charset="0"/>
+              <a:cs typeface="Times New Roman" charset="0"/>
+            </a:endParaRPr>
+          </a:p>
+          <a:p>
+            <a:pPr eaLnBrk="1" hangingPunct="1">
+              <a:spcBef>
+                <a:spcPct val="50000"/>
+              </a:spcBef>
+              <a:buFontTx/>
+              <a:buNone/>
+            </a:pPr>
+            <a:endParaRPr lang="en-US" altLang="en-US" sz="4800" dirty="0">
+              <a:latin typeface="Times New Roman" charset="0"/>
+              <a:ea typeface="Times New Roman" charset="0"/>
+              <a:cs typeface="Times New Roman" charset="0"/>
+            </a:endParaRPr>
+          </a:p>
+          <a:p>
+            <a:pPr eaLnBrk="1" hangingPunct="1">
+              <a:spcBef>
+                <a:spcPct val="50000"/>
+              </a:spcBef>
+              <a:buFontTx/>
+              <a:buNone/>
+            </a:pPr>
+            <a:endParaRPr lang="en-US" altLang="en-US" sz="4800" dirty="0">
+              <a:latin typeface="Times New Roman" charset="0"/>
+              <a:ea typeface="Times New Roman" charset="0"/>
+              <a:cs typeface="Times New Roman" charset="0"/>
+            </a:endParaRPr>
+          </a:p>
+          <a:p>
+            <a:pPr eaLnBrk="1" hangingPunct="1">
+              <a:spcBef>
+                <a:spcPct val="50000"/>
+              </a:spcBef>
+              <a:buFontTx/>
+              <a:buNone/>
+            </a:pPr>
+            <a:endParaRPr lang="en-US" altLang="en-US" sz="4800" dirty="0">
+              <a:latin typeface="Times New Roman" charset="0"/>
+              <a:ea typeface="Times New Roman" charset="0"/>
+              <a:cs typeface="Times New Roman" charset="0"/>
+            </a:endParaRPr>
+          </a:p>
+          <a:p>
+            <a:pPr eaLnBrk="1" hangingPunct="1">
+              <a:spcBef>
+                <a:spcPct val="50000"/>
+              </a:spcBef>
+              <a:buFontTx/>
+              <a:buNone/>
+            </a:pPr>
+            <a:endParaRPr lang="en-US" altLang="en-US" sz="4800" dirty="0">
+              <a:latin typeface="Times New Roman" charset="0"/>
+              <a:ea typeface="Times New Roman" charset="0"/>
+              <a:cs typeface="Times New Roman" charset="0"/>
+            </a:endParaRPr>
+          </a:p>
+        </p:txBody>
+      </p:sp>
+      <p:sp>
+        <p:nvSpPr>
+          <p:cNvPr id="14343" name="Rectangle 24"/>
+          <p:cNvSpPr>
+            <a:spLocks noChangeArrowheads="1"/>
+          </p:cNvSpPr>
+          <p:nvPr/>
+        </p:nvSpPr>
+        <p:spPr bwMode="auto">
+          <a:xfrm>
+            <a:off x="22558248" y="5158872"/>
+            <a:ext cx="10360152" cy="1172936"/>
+          </a:xfrm>
+          <a:prstGeom prst="rect">
+            <a:avLst/>
+          </a:prstGeom>
+          <a:solidFill>
+            <a:srgbClr val="002060"/>
+          </a:solidFill>
+          <a:ln>
+            <a:noFill/>
+          </a:ln>
+          <a:effectLst>
+            <a:outerShdw blurRad="190500" dist="228600" dir="2700000" algn="ctr">
+              <a:srgbClr val="000000">
+                <a:alpha val="30000"/>
+              </a:srgbClr>
+            </a:outerShdw>
+          </a:effectLst>
+          <a:scene3d>
+            <a:camera prst="orthographicFront">
+              <a:rot lat="0" lon="0" rev="0"/>
+            </a:camera>
+            <a:lightRig rig="glow" dir="t">
+              <a:rot lat="0" lon="0" rev="4800000"/>
+            </a:lightRig>
+          </a:scene3d>
+          <a:sp3d prstMaterial="matte">
+            <a:bevelT w="127000" h="63500"/>
+          </a:sp3d>
+        </p:spPr>
+        <p:txBody>
+          <a:bodyPr lIns="98973" tIns="49486" rIns="98973" bIns="49486" anchor="ctr"/>
+          <a:lstStyle>
+            <a:lvl1pPr defTabSz="3760788">
+              <a:spcBef>
+                <a:spcPct val="20000"/>
+              </a:spcBef>
+              <a:buChar char="•"/>
+              <a:defRPr sz="13100">
+                <a:solidFill>
+                  <a:schemeClr val="tx1"/>
+                </a:solidFill>
+                <a:latin typeface="Arial" charset="0"/>
+                <a:ea typeface="ＭＳ Ｐゴシック" charset="-128"/>
+              </a:defRPr>
+            </a:lvl1pPr>
+            <a:lvl2pPr marL="742950" indent="-285750" defTabSz="3760788">
+              <a:spcBef>
+                <a:spcPct val="20000"/>
+              </a:spcBef>
+              <a:buChar char="–"/>
+              <a:defRPr sz="11500">
+                <a:solidFill>
+                  <a:schemeClr val="tx1"/>
+                </a:solidFill>
+                <a:latin typeface="Arial" charset="0"/>
+                <a:ea typeface="ＭＳ Ｐゴシック" charset="-128"/>
+              </a:defRPr>
+            </a:lvl2pPr>
+            <a:lvl3pPr marL="1143000" indent="-228600" defTabSz="3760788">
+              <a:spcBef>
+                <a:spcPct val="20000"/>
+              </a:spcBef>
+              <a:buChar char="•"/>
+              <a:defRPr sz="9800">
+                <a:solidFill>
+                  <a:schemeClr val="tx1"/>
+                </a:solidFill>
+                <a:latin typeface="Arial" charset="0"/>
+                <a:ea typeface="ＭＳ Ｐゴシック" charset="-128"/>
+              </a:defRPr>
+            </a:lvl3pPr>
+            <a:lvl4pPr marL="1600200" indent="-228600" defTabSz="3760788">
+              <a:spcBef>
+                <a:spcPct val="20000"/>
+              </a:spcBef>
+              <a:buChar char="–"/>
+              <a:defRPr sz="8100">
+                <a:solidFill>
+                  <a:schemeClr val="tx1"/>
+                </a:solidFill>
+                <a:latin typeface="Arial" charset="0"/>
+                <a:ea typeface="ＭＳ Ｐゴシック" charset="-128"/>
+              </a:defRPr>
+            </a:lvl4pPr>
+            <a:lvl5pPr marL="2057400" indent="-228600" defTabSz="3760788">
+              <a:spcBef>
+                <a:spcPct val="20000"/>
+              </a:spcBef>
+              <a:buChar char="»"/>
+              <a:defRPr sz="8100">
+                <a:solidFill>
+                  <a:schemeClr val="tx1"/>
+                </a:solidFill>
+                <a:latin typeface="Arial" charset="0"/>
+                <a:ea typeface="ＭＳ Ｐゴシック" charset="-128"/>
+              </a:defRPr>
+            </a:lvl5pPr>
+            <a:lvl6pPr marL="2514600" indent="-228600" defTabSz="3760788" eaLnBrk="0" fontAlgn="base" hangingPunct="0">
+              <a:spcBef>
+                <a:spcPct val="20000"/>
+              </a:spcBef>
+              <a:spcAft>
+                <a:spcPct val="0"/>
+              </a:spcAft>
+              <a:buChar char="»"/>
+              <a:defRPr sz="8100">
+                <a:solidFill>
+                  <a:schemeClr val="tx1"/>
+                </a:solidFill>
+                <a:latin typeface="Arial" charset="0"/>
+                <a:ea typeface="ＭＳ Ｐゴシック" charset="-128"/>
+              </a:defRPr>
+            </a:lvl6pPr>
+            <a:lvl7pPr marL="2971800" indent="-228600" defTabSz="3760788" eaLnBrk="0" fontAlgn="base" hangingPunct="0">
+              <a:spcBef>
+                <a:spcPct val="20000"/>
+              </a:spcBef>
+              <a:spcAft>
+                <a:spcPct val="0"/>
+              </a:spcAft>
+              <a:buChar char="»"/>
+              <a:defRPr sz="8100">
+                <a:solidFill>
+                  <a:schemeClr val="tx1"/>
+                </a:solidFill>
+                <a:latin typeface="Arial" charset="0"/>
+                <a:ea typeface="ＭＳ Ｐゴシック" charset="-128"/>
+              </a:defRPr>
+            </a:lvl7pPr>
+            <a:lvl8pPr marL="3429000" indent="-228600" defTabSz="3760788" eaLnBrk="0" fontAlgn="base" hangingPunct="0">
+              <a:spcBef>
+                <a:spcPct val="20000"/>
+              </a:spcBef>
+              <a:spcAft>
+                <a:spcPct val="0"/>
+              </a:spcAft>
+              <a:buChar char="»"/>
+              <a:defRPr sz="8100">
+                <a:solidFill>
+                  <a:schemeClr val="tx1"/>
+                </a:solidFill>
+                <a:latin typeface="Arial" charset="0"/>
+                <a:ea typeface="ＭＳ Ｐゴシック" charset="-128"/>
+              </a:defRPr>
+            </a:lvl8pPr>
+            <a:lvl9pPr marL="3886200" indent="-228600" defTabSz="3760788" eaLnBrk="0" fontAlgn="base" hangingPunct="0">
+              <a:spcBef>
+                <a:spcPct val="20000"/>
+              </a:spcBef>
+              <a:spcAft>
+                <a:spcPct val="0"/>
+              </a:spcAft>
+              <a:buChar char="»"/>
+              <a:defRPr sz="8100">
+                <a:solidFill>
+                  <a:schemeClr val="tx1"/>
+                </a:solidFill>
+                <a:latin typeface="Arial" charset="0"/>
+                <a:ea typeface="ＭＳ Ｐゴシック" charset="-128"/>
+              </a:defRPr>
+            </a:lvl9pPr>
+          </a:lstStyle>
+          <a:p>
+            <a:pPr algn="ctr" eaLnBrk="1" hangingPunct="1">
+              <a:spcBef>
+                <a:spcPct val="0"/>
+              </a:spcBef>
+              <a:buFontTx/>
+              <a:buNone/>
+            </a:pPr>
+            <a:r>
+              <a:rPr lang="en-US" altLang="en-US" sz="4628" dirty="0">
+                <a:solidFill>
+                  <a:schemeClr val="bg1"/>
+                </a:solidFill>
+              </a:rPr>
+              <a:t>Graphs</a:t>
+            </a:r>
+          </a:p>
+        </p:txBody>
+      </p:sp>
       <p:pic>
         <p:nvPicPr>
           <p:cNvPr id="14" name="그림 13"/>
@@ -8467,8 +9442,8 @@
         </p:blipFill>
         <p:spPr>
           <a:xfrm>
-            <a:off x="22624174" y="7402318"/>
-            <a:ext cx="9526329" cy="4763165"/>
+            <a:off x="22707600" y="7004645"/>
+            <a:ext cx="10058399" cy="5029200"/>
           </a:xfrm>
           <a:prstGeom prst="rect">
             <a:avLst/>
@@ -8497,8 +9472,8 @@
         </p:blipFill>
         <p:spPr>
           <a:xfrm>
-            <a:off x="22788049" y="13110182"/>
-            <a:ext cx="9526329" cy="4763165"/>
+            <a:off x="22733000" y="12567244"/>
+            <a:ext cx="10058399" cy="5029200"/>
           </a:xfrm>
           <a:prstGeom prst="rect">
             <a:avLst/>
@@ -8513,7 +9488,7 @@
         </p:nvSpPr>
         <p:spPr>
           <a:xfrm>
-            <a:off x="325237" y="6412939"/>
+            <a:off x="407803" y="6424562"/>
             <a:ext cx="10360152" cy="8217634"/>
           </a:xfrm>
           <a:prstGeom prst="rect">
@@ -8527,6 +9502,10 @@
           </a:bodyPr>
           <a:lstStyle/>
           <a:p>
+            <a:pPr marL="685800" indent="-685800">
+              <a:buFont typeface="Arial" charset="0"/>
+              <a:buChar char="•"/>
+            </a:pPr>
             <a:r>
               <a:rPr lang="en-US" altLang="ko-KR" sz="4800" dirty="0" smtClean="0">
                 <a:latin typeface="Times New Roman" panose="02020603050405020304" pitchFamily="18" charset="0"/>
@@ -8550,12 +9529,20 @@
             </a:r>
           </a:p>
           <a:p>
+            <a:pPr marL="685800" indent="-685800">
+              <a:buFont typeface="Arial" charset="0"/>
+              <a:buChar char="•"/>
+            </a:pPr>
             <a:endParaRPr lang="en-US" altLang="ko-KR" sz="4800" dirty="0" smtClean="0">
               <a:latin typeface="Times New Roman" panose="02020603050405020304" pitchFamily="18" charset="0"/>
               <a:cs typeface="Times New Roman" panose="02020603050405020304" pitchFamily="18" charset="0"/>
             </a:endParaRPr>
           </a:p>
           <a:p>
+            <a:pPr marL="685800" indent="-685800">
+              <a:buFont typeface="Arial" charset="0"/>
+              <a:buChar char="•"/>
+            </a:pPr>
             <a:r>
               <a:rPr lang="en-US" altLang="ko-KR" sz="4800" dirty="0" smtClean="0">
                 <a:latin typeface="Times New Roman" panose="02020603050405020304" pitchFamily="18" charset="0"/>
@@ -8593,13 +9580,13 @@
           <p:nvPr>
             <p:extLst>
               <p:ext uri="{D42A27DB-BD31-4B8C-83A1-F6EECF244321}">
-                <p14:modId xmlns:p14="http://schemas.microsoft.com/office/powerpoint/2010/main" val="839632280"/>
+                <p14:modId xmlns:p14="http://schemas.microsoft.com/office/powerpoint/2010/main" val="688234731"/>
               </p:ext>
             </p:extLst>
           </p:nvPr>
         </p:nvGraphicFramePr>
         <p:xfrm>
-          <a:off x="22510497" y="20869436"/>
+          <a:off x="22588074" y="20180401"/>
           <a:ext cx="10558926" cy="11490044"/>
         </p:xfrm>
         <a:graphic>
@@ -8612,21 +9599,21 @@
                 <a:gridCol w="1359309">
                   <a:extLst>
                     <a:ext uri="{9D8B030D-6E8A-4147-A177-3AD203B41FA5}">
-                      <a16:colId xmlns:a16="http://schemas.microsoft.com/office/drawing/2014/main" val="4219704855"/>
+                      <a16:colId xmlns:a16="http://schemas.microsoft.com/office/drawing/2014/main" xmlns="" val="4219704855"/>
                     </a:ext>
                   </a:extLst>
                 </a:gridCol>
                 <a:gridCol w="4666226">
                   <a:extLst>
                     <a:ext uri="{9D8B030D-6E8A-4147-A177-3AD203B41FA5}">
-                      <a16:colId xmlns:a16="http://schemas.microsoft.com/office/drawing/2014/main" val="663304543"/>
+                      <a16:colId xmlns:a16="http://schemas.microsoft.com/office/drawing/2014/main" xmlns="" val="663304543"/>
                     </a:ext>
                   </a:extLst>
                 </a:gridCol>
                 <a:gridCol w="4533391">
                   <a:extLst>
                     <a:ext uri="{9D8B030D-6E8A-4147-A177-3AD203B41FA5}">
-                      <a16:colId xmlns:a16="http://schemas.microsoft.com/office/drawing/2014/main" val="1331362254"/>
+                      <a16:colId xmlns:a16="http://schemas.microsoft.com/office/drawing/2014/main" xmlns="" val="1331362254"/>
                     </a:ext>
                   </a:extLst>
                 </a:gridCol>
@@ -8715,7 +9702,7 @@
                 </a:tc>
                 <a:extLst>
                   <a:ext uri="{0D108BD9-81ED-4DB2-BD59-A6C34878D82A}">
-                    <a16:rowId xmlns:a16="http://schemas.microsoft.com/office/drawing/2014/main" val="2978029908"/>
+                    <a16:rowId xmlns:a16="http://schemas.microsoft.com/office/drawing/2014/main" xmlns="" val="2978029908"/>
                   </a:ext>
                 </a:extLst>
               </a:tr>
@@ -8814,7 +9801,7 @@
                 </a:tc>
                 <a:extLst>
                   <a:ext uri="{0D108BD9-81ED-4DB2-BD59-A6C34878D82A}">
-                    <a16:rowId xmlns:a16="http://schemas.microsoft.com/office/drawing/2014/main" val="3918322365"/>
+                    <a16:rowId xmlns:a16="http://schemas.microsoft.com/office/drawing/2014/main" xmlns="" val="3918322365"/>
                   </a:ext>
                 </a:extLst>
               </a:tr>
@@ -8936,7 +9923,7 @@
                 </a:tc>
                 <a:extLst>
                   <a:ext uri="{0D108BD9-81ED-4DB2-BD59-A6C34878D82A}">
-                    <a16:rowId xmlns:a16="http://schemas.microsoft.com/office/drawing/2014/main" val="1831740532"/>
+                    <a16:rowId xmlns:a16="http://schemas.microsoft.com/office/drawing/2014/main" xmlns="" val="1831740532"/>
                   </a:ext>
                 </a:extLst>
               </a:tr>
@@ -8966,7 +9953,7 @@
         </p:blipFill>
         <p:spPr>
           <a:xfrm>
-            <a:off x="23971333" y="22430749"/>
+            <a:off x="24048910" y="21741714"/>
             <a:ext cx="4288119" cy="4288119"/>
           </a:xfrm>
           <a:prstGeom prst="rect">
@@ -8996,7 +9983,7 @@
         </p:blipFill>
         <p:spPr>
           <a:xfrm>
-            <a:off x="28622266" y="22430750"/>
+            <a:off x="28699843" y="21741715"/>
             <a:ext cx="4228668" cy="4228668"/>
           </a:xfrm>
           <a:prstGeom prst="rect">
@@ -9026,7 +10013,7 @@
         </p:blipFill>
         <p:spPr>
           <a:xfrm>
-            <a:off x="23971333" y="27663567"/>
+            <a:off x="24048910" y="26974532"/>
             <a:ext cx="4197361" cy="4197361"/>
           </a:xfrm>
           <a:prstGeom prst="rect">
@@ -9056,7 +10043,7 @@
         </p:blipFill>
         <p:spPr>
           <a:xfrm>
-            <a:off x="28616285" y="27626279"/>
+            <a:off x="28693862" y="26937244"/>
             <a:ext cx="4234649" cy="4234649"/>
           </a:xfrm>
           <a:prstGeom prst="rect">
@@ -9064,69 +10051,36 @@
           </a:prstGeom>
         </p:spPr>
       </p:pic>
-      <p:sp>
-        <p:nvSpPr>
-          <p:cNvPr id="28" name="TextBox 27"/>
-          <p:cNvSpPr txBox="1"/>
+      <p:pic>
+        <p:nvPicPr>
+          <p:cNvPr id="4" name="Picture 3"/>
+          <p:cNvPicPr>
+            <a:picLocks noChangeAspect="1"/>
+          </p:cNvPicPr>
           <p:nvPr/>
-        </p:nvSpPr>
+        </p:nvPicPr>
+        <p:blipFill>
+          <a:blip r:embed="rId11" cstate="print">
+            <a:extLst>
+              <a:ext uri="{28A0092B-C50C-407E-A947-70E740481C1C}">
+                <a14:useLocalDpi xmlns:a14="http://schemas.microsoft.com/office/drawing/2010/main" val="0"/>
+              </a:ext>
+            </a:extLst>
+          </a:blip>
+          <a:stretch>
+            <a:fillRect/>
+          </a:stretch>
+        </p:blipFill>
         <p:spPr>
           <a:xfrm>
-            <a:off x="33705055" y="25997648"/>
-            <a:ext cx="10338816" cy="4524315"/>
+            <a:off x="11658600" y="13607143"/>
+            <a:ext cx="10058400" cy="5747657"/>
           </a:xfrm>
           <a:prstGeom prst="rect">
             <a:avLst/>
           </a:prstGeom>
-          <a:noFill/>
         </p:spPr>
-        <p:txBody>
-          <a:bodyPr wrap="square" rtlCol="0">
-            <a:spAutoFit/>
-          </a:bodyPr>
-          <a:lstStyle/>
-          <a:p>
-            <a:pPr marL="685800" indent="-685800">
-              <a:buFont typeface="Arial" panose="020B0604020202020204" pitchFamily="34" charset="0"/>
-              <a:buChar char="•"/>
-            </a:pPr>
-            <a:r>
-              <a:rPr lang="en-US" altLang="ko-KR" sz="4800" dirty="0" smtClean="0">
-                <a:latin typeface="Times New Roman" panose="02020603050405020304" pitchFamily="18" charset="0"/>
-                <a:cs typeface="Times New Roman" panose="02020603050405020304" pitchFamily="18" charset="0"/>
-              </a:rPr>
-              <a:t>Presidential Candidates </a:t>
-            </a:r>
-            <a:r>
-              <a:rPr lang="en-US" altLang="ko-KR" sz="4800" i="1" dirty="0" smtClean="0">
-                <a:latin typeface="Times New Roman" panose="02020603050405020304" pitchFamily="18" charset="0"/>
-                <a:cs typeface="Times New Roman" panose="02020603050405020304" pitchFamily="18" charset="0"/>
-              </a:rPr>
-              <a:t>ex-ante </a:t>
-            </a:r>
-            <a:r>
-              <a:rPr lang="en-US" altLang="ko-KR" sz="4800" dirty="0" smtClean="0">
-                <a:latin typeface="Times New Roman" panose="02020603050405020304" pitchFamily="18" charset="0"/>
-                <a:cs typeface="Times New Roman" panose="02020603050405020304" pitchFamily="18" charset="0"/>
-              </a:rPr>
-              <a:t>respond to voter punishment on trade through the means of adopting different rhetoric by region.</a:t>
-            </a:r>
-          </a:p>
-          <a:p>
-            <a:pPr marL="685800" indent="-685800">
-              <a:buFont typeface="Arial" panose="020B0604020202020204" pitchFamily="34" charset="0"/>
-              <a:buChar char="•"/>
-            </a:pPr>
-            <a:r>
-              <a:rPr lang="en-US" altLang="ko-KR" sz="4800" dirty="0" smtClean="0">
-                <a:latin typeface="Times New Roman" panose="02020603050405020304" pitchFamily="18" charset="0"/>
-                <a:cs typeface="Times New Roman" panose="02020603050405020304" pitchFamily="18" charset="0"/>
-              </a:rPr>
-              <a:t>The different rhetoric varies by political partisanship.</a:t>
-            </a:r>
-          </a:p>
-        </p:txBody>
-      </p:sp>
+      </p:pic>
     </p:spTree>
   </p:cSld>
   <p:clrMapOvr>

--- a/Poster/ML_poster.pptx
+++ b/Poster/ML_poster.pptx
@@ -257,7 +257,7 @@
               <a:pPr>
                 <a:defRPr/>
               </a:pPr>
-              <a:t>3/3/18</a:t>
+              <a:t>3/3/2018</a:t>
             </a:fld>
             <a:endParaRPr lang="en-US" altLang="en-US"/>
           </a:p>
@@ -626,7 +626,7 @@
               </a14:hiddenFill>
             </a:ext>
             <a:ext uri="{FAA26D3D-D897-4be2-8F04-BA451C77F1D7}">
-              <ma14:placeholderFlag xmlns:ma14="http://schemas.microsoft.com/office/mac/drawingml/2011/main" val="1"/>
+              <ma14:placeholderFlag xmlns:ma14="http://schemas.microsoft.com/office/mac/drawingml/2011/main" xmlns="" val="1"/>
             </a:ext>
           </a:extLst>
         </p:spPr>
@@ -662,7 +662,7 @@
               </a14:hiddenLine>
             </a:ext>
             <a:ext uri="{FAA26D3D-D897-4be2-8F04-BA451C77F1D7}">
-              <ma14:placeholderFlag xmlns:ma14="http://schemas.microsoft.com/office/mac/drawingml/2011/main" val="1"/>
+              <ma14:placeholderFlag xmlns:ma14="http://schemas.microsoft.com/office/mac/drawingml/2011/main" xmlns="" val="1"/>
             </a:ext>
           </a:extLst>
         </p:spPr>
@@ -3549,7 +3549,7 @@
               </a14:hiddenLine>
             </a:ext>
             <a:ext uri="{FAA26D3D-D897-4be2-8F04-BA451C77F1D7}">
-              <ma14:placeholderFlag xmlns:ma14="http://schemas.microsoft.com/office/mac/drawingml/2011/main" val="1"/>
+              <ma14:placeholderFlag xmlns:ma14="http://schemas.microsoft.com/office/mac/drawingml/2011/main" xmlns="" val="1"/>
             </a:ext>
           </a:extLst>
         </p:spPr>
@@ -3610,7 +3610,7 @@
               </a14:hiddenLine>
             </a:ext>
             <a:ext uri="{FAA26D3D-D897-4be2-8F04-BA451C77F1D7}">
-              <ma14:placeholderFlag xmlns:ma14="http://schemas.microsoft.com/office/mac/drawingml/2011/main" val="1"/>
+              <ma14:placeholderFlag xmlns:ma14="http://schemas.microsoft.com/office/mac/drawingml/2011/main" xmlns="" val="1"/>
             </a:ext>
           </a:extLst>
         </p:spPr>
@@ -5176,23 +5176,29 @@
         <p:spPr bwMode="auto">
           <a:xfrm>
             <a:off x="241300" y="194129"/>
-            <a:ext cx="43891200" cy="4441371"/>
+            <a:ext cx="43891200" cy="4666673"/>
           </a:xfrm>
           <a:prstGeom prst="rect">
             <a:avLst/>
           </a:prstGeom>
-          <a:gradFill rotWithShape="1">
+          <a:gradFill flip="none" rotWithShape="1">
             <a:gsLst>
               <a:gs pos="0">
                 <a:srgbClr val="0070C0"/>
               </a:gs>
-              <a:gs pos="100000">
+              <a:gs pos="80000">
                 <a:schemeClr val="accent5">
                   <a:lumMod val="75000"/>
                 </a:schemeClr>
               </a:gs>
+              <a:gs pos="100000">
+                <a:schemeClr val="accent5">
+                  <a:lumMod val="90000"/>
+                </a:schemeClr>
+              </a:gs>
             </a:gsLst>
             <a:lin ang="5400000" scaled="1"/>
+            <a:tileRect/>
           </a:gradFill>
           <a:ln>
             <a:noFill/>
@@ -5340,17 +5346,43 @@
               <a:buFontTx/>
               <a:buNone/>
             </a:pPr>
-            <a:r>
-              <a:rPr lang="en-US" altLang="en-US" sz="8800" b="1" dirty="0" smtClean="0">
+            <a:endParaRPr lang="en-US" altLang="en-US" sz="8800" b="1" dirty="0" smtClean="0">
+              <a:solidFill>
+                <a:schemeClr val="accent3">
+                  <a:lumMod val="95000"/>
+                </a:schemeClr>
+              </a:solidFill>
+            </a:endParaRPr>
+          </a:p>
+          <a:p>
+            <a:pPr algn="ctr">
+              <a:spcBef>
+                <a:spcPct val="0"/>
+              </a:spcBef>
+              <a:buFontTx/>
+              <a:buNone/>
+            </a:pPr>
+            <a:r>
+              <a:rPr lang="en-US" altLang="en-US" sz="9600" b="1" dirty="0" smtClean="0">
                 <a:solidFill>
                   <a:schemeClr val="accent3">
                     <a:lumMod val="95000"/>
                   </a:schemeClr>
                 </a:solidFill>
               </a:rPr>
-              <a:t>Trade Rhetoric Geography in the US Presidential Election Speeches</a:t>
-            </a:r>
-            <a:endParaRPr lang="en-US" altLang="en-US" sz="8800" b="1" dirty="0">
+              <a:t>Trade </a:t>
+            </a:r>
+            <a:r>
+              <a:rPr lang="en-US" altLang="en-US" sz="9600" b="1" dirty="0" smtClean="0">
+                <a:solidFill>
+                  <a:schemeClr val="accent3">
+                    <a:lumMod val="95000"/>
+                  </a:schemeClr>
+                </a:solidFill>
+              </a:rPr>
+              <a:t>Rhetoric Geography in the US Presidential Election Speeches</a:t>
+            </a:r>
+            <a:endParaRPr lang="en-US" altLang="en-US" sz="9600" b="1" dirty="0">
               <a:solidFill>
                 <a:schemeClr val="accent3">
                   <a:lumMod val="95000"/>
@@ -5639,7 +5671,7 @@
         </p:nvSpPr>
         <p:spPr bwMode="auto">
           <a:xfrm>
-            <a:off x="11405939" y="5158872"/>
+            <a:off x="310756" y="29941409"/>
             <a:ext cx="10360152" cy="1172936"/>
           </a:xfrm>
           <a:prstGeom prst="rect">
@@ -6227,7 +6259,7 @@
         <p:spPr bwMode="auto">
           <a:xfrm>
             <a:off x="11460757" y="21302879"/>
-            <a:ext cx="10360152" cy="12077576"/>
+            <a:ext cx="10360152" cy="10795174"/>
           </a:xfrm>
           <a:prstGeom prst="rect">
             <a:avLst/>
@@ -6425,51 +6457,80 @@
                 <a:ea typeface="Times New Roman" charset="0"/>
                 <a:cs typeface="Times New Roman" charset="0"/>
               </a:rPr>
-              <a:t>DTM </a:t>
-            </a:r>
+              <a:t>DTM (Document Term Matrix)</a:t>
+            </a:r>
+          </a:p>
+          <a:p>
+            <a:pPr marL="1428750" lvl="1" indent="-685800">
+              <a:lnSpc>
+                <a:spcPts val="4960"/>
+              </a:lnSpc>
+              <a:spcBef>
+                <a:spcPts val="1152"/>
+              </a:spcBef>
+            </a:pPr>
+            <a:r>
+              <a:rPr lang="en-US" altLang="en-US" sz="4400" spc="-150" dirty="0" smtClean="0">
+                <a:latin typeface="Times New Roman" charset="0"/>
+                <a:ea typeface="Times New Roman" charset="0"/>
+                <a:cs typeface="Times New Roman" charset="0"/>
+              </a:rPr>
+              <a:t>With </a:t>
+            </a:r>
+            <a:r>
+              <a:rPr lang="en-US" altLang="en-US" sz="4400" spc="-150" dirty="0" smtClean="0">
+                <a:latin typeface="Times New Roman" charset="0"/>
+                <a:ea typeface="Times New Roman" charset="0"/>
+                <a:cs typeface="Times New Roman" charset="0"/>
+              </a:rPr>
+              <a:t>15 FREX words for each dimension, </a:t>
+            </a:r>
+            <a:r>
+              <a:rPr lang="en-US" altLang="en-US" sz="4400" spc="-150" dirty="0" smtClean="0">
+                <a:latin typeface="Times New Roman" charset="0"/>
+                <a:ea typeface="Times New Roman" charset="0"/>
+                <a:cs typeface="Times New Roman" charset="0"/>
+              </a:rPr>
+              <a:t>counted </a:t>
+            </a:r>
+            <a:r>
+              <a:rPr lang="en-US" altLang="en-US" sz="4400" spc="-150" dirty="0" smtClean="0">
+                <a:latin typeface="Times New Roman" charset="0"/>
+                <a:ea typeface="Times New Roman" charset="0"/>
+                <a:cs typeface="Times New Roman" charset="0"/>
+              </a:rPr>
+              <a:t>the frequencies and scaled by each document </a:t>
+            </a:r>
+            <a:r>
+              <a:rPr lang="en-US" altLang="en-US" sz="4400" spc="-150" dirty="0" smtClean="0">
+                <a:latin typeface="Times New Roman" charset="0"/>
+                <a:ea typeface="Times New Roman" charset="0"/>
+                <a:cs typeface="Times New Roman" charset="0"/>
+              </a:rPr>
+              <a:t>length</a:t>
+            </a:r>
+            <a:endParaRPr lang="en-US" altLang="en-US" sz="4400" spc="-150" dirty="0" smtClean="0">
+              <a:latin typeface="Times New Roman" charset="0"/>
+              <a:ea typeface="Times New Roman" charset="0"/>
+              <a:cs typeface="Times New Roman" charset="0"/>
+            </a:endParaRPr>
+          </a:p>
+          <a:p>
+            <a:pPr marL="685800" indent="-685800">
+              <a:lnSpc>
+                <a:spcPts val="4960"/>
+              </a:lnSpc>
+              <a:spcBef>
+                <a:spcPts val="1152"/>
+              </a:spcBef>
+            </a:pPr>
             <a:r>
               <a:rPr lang="en-US" altLang="en-US" sz="4800" dirty="0" smtClean="0">
                 <a:latin typeface="Times New Roman" charset="0"/>
                 <a:ea typeface="Times New Roman" charset="0"/>
                 <a:cs typeface="Times New Roman" charset="0"/>
               </a:rPr>
-              <a:t>(Document Term Matrix)</a:t>
-            </a:r>
-          </a:p>
-          <a:p>
-            <a:pPr marL="1428750" lvl="1" indent="-685800">
-              <a:lnSpc>
-                <a:spcPts val="4960"/>
-              </a:lnSpc>
-              <a:spcBef>
-                <a:spcPts val="1152"/>
-              </a:spcBef>
-            </a:pPr>
-            <a:r>
-              <a:rPr lang="en-US" altLang="en-US" sz="4400" spc="-150" dirty="0" smtClean="0">
-                <a:latin typeface="Times New Roman" charset="0"/>
-                <a:ea typeface="Times New Roman" charset="0"/>
-                <a:cs typeface="Times New Roman" charset="0"/>
-              </a:rPr>
-              <a:t>Using 15 FREX words for each dimension, count the frequencies and scaled by each document length.</a:t>
-            </a:r>
-          </a:p>
-          <a:p>
-            <a:pPr marL="685800" indent="-685800">
-              <a:lnSpc>
-                <a:spcPts val="4960"/>
-              </a:lnSpc>
-              <a:spcBef>
-                <a:spcPts val="1152"/>
-              </a:spcBef>
-            </a:pPr>
-            <a:r>
-              <a:rPr lang="en-US" altLang="en-US" sz="4800" dirty="0" smtClean="0">
-                <a:latin typeface="Times New Roman" charset="0"/>
-                <a:ea typeface="Times New Roman" charset="0"/>
-                <a:cs typeface="Times New Roman" charset="0"/>
-              </a:rPr>
-              <a:t>Regression Model</a:t>
+              <a:t>OLS Regression</a:t>
             </a:r>
             <a:endParaRPr lang="en-US" altLang="en-US" sz="4800" dirty="0">
               <a:latin typeface="Times New Roman" charset="0"/>
@@ -6492,7 +6553,7 @@
                 <a:ea typeface="Times New Roman" charset="0"/>
                 <a:cs typeface="Times New Roman" charset="0"/>
               </a:rPr>
-              <a:t>Dependent Variable: </a:t>
+              <a:t>DV: </a:t>
             </a:r>
             <a:r>
               <a:rPr lang="en-US" sz="4000" spc="-150" dirty="0" smtClean="0">
@@ -6524,7 +6585,15 @@
                 <a:ea typeface="Times New Roman" charset="0"/>
                 <a:cs typeface="Times New Roman" charset="0"/>
               </a:rPr>
-              <a:t> related 15 FREX words</a:t>
+              <a:t> related 15 FREX words frequencies </a:t>
+            </a:r>
+            <a:r>
+              <a:rPr lang="en-US" sz="4000" spc="-150" dirty="0">
+                <a:latin typeface="Times New Roman" charset="0"/>
+                <a:ea typeface="Times New Roman" charset="0"/>
+                <a:cs typeface="Times New Roman" charset="0"/>
+              </a:rPr>
+              <a:t>(</a:t>
             </a:r>
             <a:r>
               <a:rPr lang="en-US" sz="4000" spc="-150" dirty="0" smtClean="0">
@@ -6532,7 +6601,55 @@
                 <a:ea typeface="Times New Roman" charset="0"/>
                 <a:cs typeface="Times New Roman" charset="0"/>
               </a:rPr>
-              <a:t> frequencies by Rust belt/ Non-Rust belt regions</a:t>
+              <a:t>Subset on </a:t>
+            </a:r>
+            <a:r>
+              <a:rPr lang="en-US" sz="4000" spc="-150" dirty="0">
+                <a:latin typeface="Times New Roman" charset="0"/>
+                <a:ea typeface="Times New Roman" charset="0"/>
+                <a:cs typeface="Times New Roman" charset="0"/>
+              </a:rPr>
+              <a:t>r</a:t>
+            </a:r>
+            <a:r>
+              <a:rPr lang="en-US" sz="4000" spc="-150" dirty="0" smtClean="0">
+                <a:latin typeface="Times New Roman" charset="0"/>
+                <a:ea typeface="Times New Roman" charset="0"/>
+                <a:cs typeface="Times New Roman" charset="0"/>
+              </a:rPr>
+              <a:t>ust belt and </a:t>
+            </a:r>
+            <a:r>
+              <a:rPr lang="en-US" sz="4000" spc="-150" dirty="0" smtClean="0">
+                <a:latin typeface="Times New Roman" charset="0"/>
+                <a:ea typeface="Times New Roman" charset="0"/>
+                <a:cs typeface="Times New Roman" charset="0"/>
+              </a:rPr>
+              <a:t>n</a:t>
+            </a:r>
+            <a:r>
+              <a:rPr lang="en-US" sz="4000" spc="-150" dirty="0" smtClean="0">
+                <a:latin typeface="Times New Roman" charset="0"/>
+                <a:ea typeface="Times New Roman" charset="0"/>
+                <a:cs typeface="Times New Roman" charset="0"/>
+              </a:rPr>
+              <a:t>on-rust </a:t>
+            </a:r>
+            <a:r>
+              <a:rPr lang="en-US" sz="4000" spc="-150" dirty="0" smtClean="0">
+                <a:latin typeface="Times New Roman" charset="0"/>
+                <a:ea typeface="Times New Roman" charset="0"/>
+                <a:cs typeface="Times New Roman" charset="0"/>
+              </a:rPr>
+              <a:t>belt </a:t>
+            </a:r>
+            <a:r>
+              <a:rPr lang="en-US" sz="4000" spc="-150" dirty="0" smtClean="0">
+                <a:latin typeface="Times New Roman" charset="0"/>
+                <a:ea typeface="Times New Roman" charset="0"/>
+                <a:cs typeface="Times New Roman" charset="0"/>
+              </a:rPr>
+              <a:t>region)</a:t>
             </a:r>
             <a:endParaRPr lang="ko-KR" altLang="en-US" sz="4000" spc="-150" dirty="0">
               <a:latin typeface="Times New Roman" charset="0"/>
@@ -6555,7 +6672,7 @@
                 <a:ea typeface="Times New Roman" charset="0"/>
                 <a:cs typeface="Times New Roman" charset="0"/>
               </a:rPr>
-              <a:t>Independent Variable: </a:t>
+              <a:t>IV: </a:t>
             </a:r>
             <a:r>
               <a:rPr lang="en-US" sz="4000" dirty="0" smtClean="0">
@@ -6563,7 +6680,7 @@
                 <a:ea typeface="Times New Roman" charset="0"/>
                 <a:cs typeface="Times New Roman" charset="0"/>
               </a:rPr>
-              <a:t>Partisanship </a:t>
+              <a:t>Political Party </a:t>
             </a:r>
             <a:r>
               <a:rPr lang="en-US" sz="4000" dirty="0">
@@ -6581,11 +6698,6 @@
               </a:rPr>
               <a:t>speaker</a:t>
             </a:r>
-            <a:endParaRPr lang="en-US" sz="4000" dirty="0" smtClean="0">
-              <a:latin typeface="Times New Roman" charset="0"/>
-              <a:ea typeface="Times New Roman" charset="0"/>
-              <a:cs typeface="Times New Roman" charset="0"/>
-            </a:endParaRPr>
           </a:p>
           <a:p>
             <a:pPr marL="1428750" lvl="1" indent="-685800">
@@ -6618,7 +6730,47 @@
                 <a:ea typeface="Times New Roman" charset="0"/>
                 <a:cs typeface="Times New Roman" charset="0"/>
               </a:rPr>
-              <a:t>, state-level unemployment, candidate-fixed, candidate from incumbent party vs. opposing party, the partisan similarity of the author and the local </a:t>
+              <a:t>, state-level </a:t>
+            </a:r>
+            <a:r>
+              <a:rPr lang="en-US" sz="4000" spc="-150" dirty="0" smtClean="0">
+                <a:latin typeface="Times New Roman" charset="0"/>
+                <a:ea typeface="Times New Roman" charset="0"/>
+                <a:cs typeface="Times New Roman" charset="0"/>
+              </a:rPr>
+              <a:t>annual unemployment, speaker’s party status as a challenger, </a:t>
+            </a:r>
+            <a:r>
+              <a:rPr lang="en-US" sz="4000" spc="-150" dirty="0">
+                <a:latin typeface="Times New Roman" charset="0"/>
+                <a:ea typeface="Times New Roman" charset="0"/>
+                <a:cs typeface="Times New Roman" charset="0"/>
+              </a:rPr>
+              <a:t>partisan similarity </a:t>
+            </a:r>
+            <a:r>
+              <a:rPr lang="en-US" sz="4000" spc="-150" dirty="0" smtClean="0">
+                <a:latin typeface="Times New Roman" charset="0"/>
+                <a:ea typeface="Times New Roman" charset="0"/>
+                <a:cs typeface="Times New Roman" charset="0"/>
+              </a:rPr>
+              <a:t>between</a:t>
+            </a:r>
+            <a:r>
+              <a:rPr lang="en-US" sz="4000" spc="-150" dirty="0" smtClean="0">
+                <a:latin typeface="Times New Roman" charset="0"/>
+                <a:ea typeface="Times New Roman" charset="0"/>
+                <a:cs typeface="Times New Roman" charset="0"/>
+              </a:rPr>
+              <a:t> the speaker and </a:t>
+            </a:r>
+            <a:r>
+              <a:rPr lang="en-US" sz="4000" spc="-150" dirty="0">
+                <a:latin typeface="Times New Roman" charset="0"/>
+                <a:ea typeface="Times New Roman" charset="0"/>
+                <a:cs typeface="Times New Roman" charset="0"/>
+              </a:rPr>
+              <a:t>the local </a:t>
             </a:r>
             <a:r>
               <a:rPr lang="en-US" sz="4000" spc="-150" dirty="0" smtClean="0">
@@ -6655,7 +6807,7 @@
         <p:spPr bwMode="auto">
           <a:xfrm>
             <a:off x="407803" y="21603933"/>
-            <a:ext cx="10360152" cy="10884429"/>
+            <a:ext cx="10360152" cy="7782042"/>
           </a:xfrm>
           <a:prstGeom prst="rect">
             <a:avLst/>
@@ -6912,7 +7064,7 @@
                 <a:ea typeface="Times New Roman" charset="0"/>
                 <a:cs typeface="Times New Roman" charset="0"/>
               </a:rPr>
-              <a:t>frame trade as special interest by linking trade with job </a:t>
+              <a:t>frame trade as special interest by linking trade with job security</a:t>
             </a:r>
             <a:r>
               <a:rPr lang="en-US" sz="4800" dirty="0" smtClean="0">
@@ -6920,47 +7072,7 @@
                 <a:ea typeface="Times New Roman" charset="0"/>
                 <a:cs typeface="Times New Roman" charset="0"/>
               </a:rPr>
-              <a:t>security.</a:t>
-            </a:r>
-            <a:endParaRPr lang="en-US" sz="4800" dirty="0">
-              <a:latin typeface="Times New Roman" charset="0"/>
-              <a:ea typeface="Times New Roman" charset="0"/>
-              <a:cs typeface="Times New Roman" charset="0"/>
-            </a:endParaRPr>
-          </a:p>
-          <a:p>
-            <a:pPr lvl="0" algn="just" latinLnBrk="1"/>
-            <a:r>
-              <a:rPr lang="en-US" sz="4800" dirty="0">
-                <a:latin typeface="Times New Roman" charset="0"/>
-                <a:ea typeface="Times New Roman" charset="0"/>
-                <a:cs typeface="Times New Roman" charset="0"/>
-              </a:rPr>
-              <a:t> </a:t>
-            </a:r>
-            <a:r>
-              <a:rPr lang="en-US" sz="4800" dirty="0" smtClean="0">
-                <a:latin typeface="Times New Roman" charset="0"/>
-                <a:ea typeface="Times New Roman" charset="0"/>
-                <a:cs typeface="Times New Roman" charset="0"/>
-              </a:rPr>
-              <a:t>H4</a:t>
-            </a:r>
-            <a:r>
-              <a:rPr lang="en-US" sz="4800" dirty="0">
-                <a:latin typeface="Times New Roman" charset="0"/>
-                <a:ea typeface="Times New Roman" charset="0"/>
-                <a:cs typeface="Times New Roman" charset="0"/>
-              </a:rPr>
-              <a:t>: Within non-rust belt regions, if the regions are swing states, presidential </a:t>
-            </a:r>
-            <a:r>
-              <a:rPr lang="en-US" sz="4800" dirty="0" smtClean="0">
-                <a:latin typeface="Times New Roman" charset="0"/>
-                <a:ea typeface="Times New Roman" charset="0"/>
-                <a:cs typeface="Times New Roman" charset="0"/>
-              </a:rPr>
-              <a:t>candidates frame trade as a source of personal-level security threat. </a:t>
+              <a:t>.</a:t>
             </a:r>
             <a:endParaRPr lang="en-US" sz="4800" dirty="0">
               <a:latin typeface="Times New Roman" charset="0"/>
@@ -7554,7 +7666,7 @@
         </p:nvSpPr>
         <p:spPr bwMode="auto">
           <a:xfrm>
-            <a:off x="11405939" y="6589152"/>
+            <a:off x="11636094" y="5492243"/>
             <a:ext cx="10360152" cy="7634309"/>
           </a:xfrm>
           <a:prstGeom prst="rect">
@@ -7779,23 +7891,7 @@
                 <a:ea typeface="Times New Roman" charset="0"/>
                 <a:cs typeface="Times New Roman" charset="0"/>
               </a:rPr>
-              <a:t>(1) Total 1247 </a:t>
-            </a:r>
-            <a:r>
-              <a:rPr lang="en-US" altLang="en-US" sz="4800" dirty="0" smtClean="0">
-                <a:latin typeface="Times New Roman" charset="0"/>
-                <a:ea typeface="Times New Roman" charset="0"/>
-                <a:cs typeface="Times New Roman" charset="0"/>
-              </a:rPr>
-              <a:t>speeches </a:t>
-            </a:r>
-            <a:r>
-              <a:rPr lang="en-US" altLang="en-US" sz="4800" dirty="0" smtClean="0">
-                <a:latin typeface="Times New Roman" charset="0"/>
-                <a:ea typeface="Times New Roman" charset="0"/>
-                <a:cs typeface="Times New Roman" charset="0"/>
-              </a:rPr>
-              <a:t/>
+              <a:t>(1) Total 1247 speeches </a:t>
             </a:r>
             <a:br>
               <a:rPr lang="en-US" altLang="en-US" sz="4800" dirty="0" smtClean="0">
@@ -8240,7 +8336,7 @@
         <p:spPr bwMode="auto">
           <a:xfrm>
             <a:off x="33683719" y="26073654"/>
-            <a:ext cx="10360152" cy="5212080"/>
+            <a:ext cx="10360152" cy="4679654"/>
           </a:xfrm>
           <a:prstGeom prst="rect">
             <a:avLst/>
@@ -8397,7 +8493,14 @@
                 <a:latin typeface="Times New Roman" panose="02020603050405020304" pitchFamily="18" charset="0"/>
                 <a:cs typeface="Times New Roman" panose="02020603050405020304" pitchFamily="18" charset="0"/>
               </a:rPr>
-              <a:t>Presidential Candidates </a:t>
+              <a:t>Presidential </a:t>
+            </a:r>
+            <a:r>
+              <a:rPr lang="en-US" altLang="ko-KR" sz="4800" dirty="0" smtClean="0">
+                <a:latin typeface="Times New Roman" panose="02020603050405020304" pitchFamily="18" charset="0"/>
+                <a:cs typeface="Times New Roman" panose="02020603050405020304" pitchFamily="18" charset="0"/>
+              </a:rPr>
+              <a:t>candidates </a:t>
             </a:r>
             <a:r>
               <a:rPr lang="en-US" altLang="ko-KR" sz="4800" i="1" dirty="0">
@@ -8411,20 +8514,62 @@
                 <a:latin typeface="Times New Roman" panose="02020603050405020304" pitchFamily="18" charset="0"/>
                 <a:cs typeface="Times New Roman" panose="02020603050405020304" pitchFamily="18" charset="0"/>
               </a:rPr>
-              <a:t>respond to voter punishment on trade through the means of adopting different rhetoric by region.</a:t>
-            </a:r>
-          </a:p>
-          <a:p>
-            <a:pPr marL="685800" indent="-685800">
-              <a:buFont typeface="Arial" panose="020B0604020202020204" pitchFamily="34" charset="0"/>
-              <a:buChar char="•"/>
-            </a:pPr>
+              <a:t>respond </a:t>
+            </a:r>
+            <a:r>
+              <a:rPr lang="en-US" altLang="ko-KR" sz="4800" dirty="0" smtClean="0">
+                <a:latin typeface="Times New Roman" panose="02020603050405020304" pitchFamily="18" charset="0"/>
+                <a:cs typeface="Times New Roman" panose="02020603050405020304" pitchFamily="18" charset="0"/>
+              </a:rPr>
+              <a:t>to expected </a:t>
+            </a:r>
             <a:r>
               <a:rPr lang="en-US" altLang="ko-KR" sz="4800" dirty="0">
                 <a:latin typeface="Times New Roman" panose="02020603050405020304" pitchFamily="18" charset="0"/>
                 <a:cs typeface="Times New Roman" panose="02020603050405020304" pitchFamily="18" charset="0"/>
               </a:rPr>
-              <a:t>The different rhetoric varies by political partisanship.</a:t>
+              <a:t>voter punishment on trade through </a:t>
+            </a:r>
+            <a:r>
+              <a:rPr lang="en-US" altLang="ko-KR" sz="4800" dirty="0" smtClean="0">
+                <a:latin typeface="Times New Roman" panose="02020603050405020304" pitchFamily="18" charset="0"/>
+                <a:cs typeface="Times New Roman" panose="02020603050405020304" pitchFamily="18" charset="0"/>
+              </a:rPr>
+              <a:t>customizing</a:t>
+            </a:r>
+            <a:r>
+              <a:rPr lang="en-US" altLang="ko-KR" sz="4800" dirty="0" smtClean="0">
+                <a:latin typeface="Times New Roman" panose="02020603050405020304" pitchFamily="18" charset="0"/>
+                <a:cs typeface="Times New Roman" panose="02020603050405020304" pitchFamily="18" charset="0"/>
+              </a:rPr>
+              <a:t> </a:t>
+            </a:r>
+            <a:r>
+              <a:rPr lang="en-US" altLang="ko-KR" sz="4800" dirty="0">
+                <a:latin typeface="Times New Roman" panose="02020603050405020304" pitchFamily="18" charset="0"/>
+                <a:cs typeface="Times New Roman" panose="02020603050405020304" pitchFamily="18" charset="0"/>
+              </a:rPr>
+              <a:t>different rhetoric by region.</a:t>
+            </a:r>
+          </a:p>
+          <a:p>
+            <a:pPr marL="685800" indent="-685800">
+              <a:buFont typeface="Arial" panose="020B0604020202020204" pitchFamily="34" charset="0"/>
+              <a:buChar char="•"/>
+            </a:pPr>
+            <a:r>
+              <a:rPr lang="en-US" altLang="ko-KR" sz="4800" dirty="0" smtClean="0">
+                <a:latin typeface="Times New Roman" panose="02020603050405020304" pitchFamily="18" charset="0"/>
+                <a:cs typeface="Times New Roman" panose="02020603050405020304" pitchFamily="18" charset="0"/>
+              </a:rPr>
+              <a:t>The </a:t>
+            </a:r>
+            <a:r>
+              <a:rPr lang="en-US" altLang="ko-KR" sz="4800" dirty="0">
+                <a:latin typeface="Times New Roman" panose="02020603050405020304" pitchFamily="18" charset="0"/>
+                <a:cs typeface="Times New Roman" panose="02020603050405020304" pitchFamily="18" charset="0"/>
+              </a:rPr>
+              <a:t>rhetoric varies by political partisanship.</a:t>
             </a:r>
           </a:p>
         </p:txBody>
@@ -8434,7 +8579,7 @@
           <p:cNvPr id="2" name="TextBox 1">
             <a:extLst>
               <a:ext uri="{FF2B5EF4-FFF2-40B4-BE49-F238E27FC236}">
-                <a16:creationId xmlns:a16="http://schemas.microsoft.com/office/drawing/2014/main" xmlns="" id="{7B97C7E3-A8DF-4DC3-A1E2-1B0C28BA069E}"/>
+                <a16:creationId xmlns:a16="http://schemas.microsoft.com/office/drawing/2014/main" id="{7B97C7E3-A8DF-4DC3-A1E2-1B0C28BA069E}"/>
               </a:ext>
             </a:extLst>
           </p:cNvPr>
@@ -9472,7 +9617,7 @@
         </p:blipFill>
         <p:spPr>
           <a:xfrm>
-            <a:off x="22733000" y="12567244"/>
+            <a:off x="22639133" y="12541886"/>
             <a:ext cx="10058399" cy="5029200"/>
           </a:xfrm>
           <a:prstGeom prst="rect">
@@ -9562,7 +9707,28 @@
                 <a:latin typeface="Times New Roman" panose="02020603050405020304" pitchFamily="18" charset="0"/>
                 <a:cs typeface="Times New Roman" panose="02020603050405020304" pitchFamily="18" charset="0"/>
               </a:rPr>
-              <a:t> respond to this voter punishment in their presidential campaign speeches?</a:t>
+              <a:t> respond to </a:t>
+            </a:r>
+            <a:r>
+              <a:rPr lang="en-US" altLang="ko-KR" sz="4800" dirty="0" smtClean="0">
+                <a:latin typeface="Times New Roman" panose="02020603050405020304" pitchFamily="18" charset="0"/>
+                <a:cs typeface="Times New Roman" panose="02020603050405020304" pitchFamily="18" charset="0"/>
+              </a:rPr>
+              <a:t>expected</a:t>
+            </a:r>
+            <a:r>
+              <a:rPr lang="en-US" altLang="ko-KR" sz="4800" dirty="0" smtClean="0">
+                <a:latin typeface="Times New Roman" panose="02020603050405020304" pitchFamily="18" charset="0"/>
+                <a:cs typeface="Times New Roman" panose="02020603050405020304" pitchFamily="18" charset="0"/>
+              </a:rPr>
+              <a:t> </a:t>
+            </a:r>
+            <a:r>
+              <a:rPr lang="en-US" altLang="ko-KR" sz="4800" dirty="0" smtClean="0">
+                <a:latin typeface="Times New Roman" panose="02020603050405020304" pitchFamily="18" charset="0"/>
+                <a:cs typeface="Times New Roman" panose="02020603050405020304" pitchFamily="18" charset="0"/>
+              </a:rPr>
+              <a:t>voter punishment in their presidential campaign speeches?</a:t>
             </a:r>
             <a:endParaRPr lang="ko-KR" altLang="en-US" sz="4800" dirty="0">
               <a:latin typeface="Times New Roman" panose="02020603050405020304" pitchFamily="18" charset="0"/>
@@ -9599,21 +9765,21 @@
                 <a:gridCol w="1359309">
                   <a:extLst>
                     <a:ext uri="{9D8B030D-6E8A-4147-A177-3AD203B41FA5}">
-                      <a16:colId xmlns:a16="http://schemas.microsoft.com/office/drawing/2014/main" xmlns="" val="4219704855"/>
+                      <a16:colId xmlns:a16="http://schemas.microsoft.com/office/drawing/2014/main" val="4219704855"/>
                     </a:ext>
                   </a:extLst>
                 </a:gridCol>
                 <a:gridCol w="4666226">
                   <a:extLst>
                     <a:ext uri="{9D8B030D-6E8A-4147-A177-3AD203B41FA5}">
-                      <a16:colId xmlns:a16="http://schemas.microsoft.com/office/drawing/2014/main" xmlns="" val="663304543"/>
+                      <a16:colId xmlns:a16="http://schemas.microsoft.com/office/drawing/2014/main" val="663304543"/>
                     </a:ext>
                   </a:extLst>
                 </a:gridCol>
                 <a:gridCol w="4533391">
                   <a:extLst>
                     <a:ext uri="{9D8B030D-6E8A-4147-A177-3AD203B41FA5}">
-                      <a16:colId xmlns:a16="http://schemas.microsoft.com/office/drawing/2014/main" xmlns="" val="1331362254"/>
+                      <a16:colId xmlns:a16="http://schemas.microsoft.com/office/drawing/2014/main" val="1331362254"/>
                     </a:ext>
                   </a:extLst>
                 </a:gridCol>
@@ -9702,7 +9868,7 @@
                 </a:tc>
                 <a:extLst>
                   <a:ext uri="{0D108BD9-81ED-4DB2-BD59-A6C34878D82A}">
-                    <a16:rowId xmlns:a16="http://schemas.microsoft.com/office/drawing/2014/main" xmlns="" val="2978029908"/>
+                    <a16:rowId xmlns:a16="http://schemas.microsoft.com/office/drawing/2014/main" val="2978029908"/>
                   </a:ext>
                 </a:extLst>
               </a:tr>
@@ -9801,7 +9967,7 @@
                 </a:tc>
                 <a:extLst>
                   <a:ext uri="{0D108BD9-81ED-4DB2-BD59-A6C34878D82A}">
-                    <a16:rowId xmlns:a16="http://schemas.microsoft.com/office/drawing/2014/main" xmlns="" val="3918322365"/>
+                    <a16:rowId xmlns:a16="http://schemas.microsoft.com/office/drawing/2014/main" val="3918322365"/>
                   </a:ext>
                 </a:extLst>
               </a:tr>
@@ -9923,7 +10089,7 @@
                 </a:tc>
                 <a:extLst>
                   <a:ext uri="{0D108BD9-81ED-4DB2-BD59-A6C34878D82A}">
-                    <a16:rowId xmlns:a16="http://schemas.microsoft.com/office/drawing/2014/main" xmlns="" val="1831740532"/>
+                    <a16:rowId xmlns:a16="http://schemas.microsoft.com/office/drawing/2014/main" val="1831740532"/>
                   </a:ext>
                 </a:extLst>
               </a:tr>
@@ -10073,7 +10239,7 @@
         </p:blipFill>
         <p:spPr>
           <a:xfrm>
-            <a:off x="11658600" y="13607143"/>
+            <a:off x="11937846" y="13476712"/>
             <a:ext cx="10058400" cy="5747657"/>
           </a:xfrm>
           <a:prstGeom prst="rect">

--- a/Poster/ML_poster.pptx
+++ b/Poster/ML_poster.pptx
@@ -257,7 +257,7 @@
               <a:pPr>
                 <a:defRPr/>
               </a:pPr>
-              <a:t>3/3/2018</a:t>
+              <a:t>3/3/18</a:t>
             </a:fld>
             <a:endParaRPr lang="en-US" altLang="en-US"/>
           </a:p>
@@ -626,7 +626,7 @@
               </a14:hiddenFill>
             </a:ext>
             <a:ext uri="{FAA26D3D-D897-4be2-8F04-BA451C77F1D7}">
-              <ma14:placeholderFlag xmlns:ma14="http://schemas.microsoft.com/office/mac/drawingml/2011/main" xmlns="" val="1"/>
+              <ma14:placeholderFlag xmlns:ma14="http://schemas.microsoft.com/office/mac/drawingml/2011/main" val="1"/>
             </a:ext>
           </a:extLst>
         </p:spPr>
@@ -662,7 +662,7 @@
               </a14:hiddenLine>
             </a:ext>
             <a:ext uri="{FAA26D3D-D897-4be2-8F04-BA451C77F1D7}">
-              <ma14:placeholderFlag xmlns:ma14="http://schemas.microsoft.com/office/mac/drawingml/2011/main" xmlns="" val="1"/>
+              <ma14:placeholderFlag xmlns:ma14="http://schemas.microsoft.com/office/mac/drawingml/2011/main" val="1"/>
             </a:ext>
           </a:extLst>
         </p:spPr>
@@ -3549,7 +3549,7 @@
               </a14:hiddenLine>
             </a:ext>
             <a:ext uri="{FAA26D3D-D897-4be2-8F04-BA451C77F1D7}">
-              <ma14:placeholderFlag xmlns:ma14="http://schemas.microsoft.com/office/mac/drawingml/2011/main" xmlns="" val="1"/>
+              <ma14:placeholderFlag xmlns:ma14="http://schemas.microsoft.com/office/mac/drawingml/2011/main" val="1"/>
             </a:ext>
           </a:extLst>
         </p:spPr>
@@ -3610,7 +3610,7 @@
               </a14:hiddenLine>
             </a:ext>
             <a:ext uri="{FAA26D3D-D897-4be2-8F04-BA451C77F1D7}">
-              <ma14:placeholderFlag xmlns:ma14="http://schemas.microsoft.com/office/mac/drawingml/2011/main" xmlns="" val="1"/>
+              <ma14:placeholderFlag xmlns:ma14="http://schemas.microsoft.com/office/mac/drawingml/2011/main" val="1"/>
             </a:ext>
           </a:extLst>
         </p:spPr>
@@ -4237,316 +4237,6 @@
       </p:grpSpPr>
       <p:sp>
         <p:nvSpPr>
-          <p:cNvPr id="37" name="Text Box 41"/>
-          <p:cNvSpPr txBox="1">
-            <a:spLocks noChangeArrowheads="1"/>
-          </p:cNvSpPr>
-          <p:nvPr/>
-        </p:nvSpPr>
-        <p:spPr bwMode="auto">
-          <a:xfrm>
-            <a:off x="11371865" y="6629399"/>
-            <a:ext cx="10372538" cy="12893040"/>
-          </a:xfrm>
-          <a:prstGeom prst="rect">
-            <a:avLst/>
-          </a:prstGeom>
-          <a:solidFill>
-            <a:schemeClr val="accent3"/>
-          </a:solidFill>
-          <a:ln>
-            <a:noFill/>
-          </a:ln>
-        </p:spPr>
-        <p:txBody>
-          <a:bodyPr wrap="square" lIns="98973" tIns="49486" rIns="98973" bIns="49486">
-            <a:spAutoFit/>
-          </a:bodyPr>
-          <a:lstStyle>
-            <a:lvl1pPr defTabSz="3760788">
-              <a:spcBef>
-                <a:spcPct val="20000"/>
-              </a:spcBef>
-              <a:buChar char="•"/>
-              <a:defRPr sz="13100">
-                <a:solidFill>
-                  <a:schemeClr val="tx1"/>
-                </a:solidFill>
-                <a:latin typeface="Arial" charset="0"/>
-                <a:ea typeface="ＭＳ Ｐゴシック" charset="-128"/>
-              </a:defRPr>
-            </a:lvl1pPr>
-            <a:lvl2pPr marL="742950" indent="-285750" defTabSz="3760788">
-              <a:spcBef>
-                <a:spcPct val="20000"/>
-              </a:spcBef>
-              <a:buChar char="–"/>
-              <a:defRPr sz="11500">
-                <a:solidFill>
-                  <a:schemeClr val="tx1"/>
-                </a:solidFill>
-                <a:latin typeface="Arial" charset="0"/>
-                <a:ea typeface="ＭＳ Ｐゴシック" charset="-128"/>
-              </a:defRPr>
-            </a:lvl2pPr>
-            <a:lvl3pPr marL="1143000" indent="-228600" defTabSz="3760788">
-              <a:spcBef>
-                <a:spcPct val="20000"/>
-              </a:spcBef>
-              <a:buChar char="•"/>
-              <a:defRPr sz="9800">
-                <a:solidFill>
-                  <a:schemeClr val="tx1"/>
-                </a:solidFill>
-                <a:latin typeface="Arial" charset="0"/>
-                <a:ea typeface="ＭＳ Ｐゴシック" charset="-128"/>
-              </a:defRPr>
-            </a:lvl3pPr>
-            <a:lvl4pPr marL="1600200" indent="-228600" defTabSz="3760788">
-              <a:spcBef>
-                <a:spcPct val="20000"/>
-              </a:spcBef>
-              <a:buChar char="–"/>
-              <a:defRPr sz="8100">
-                <a:solidFill>
-                  <a:schemeClr val="tx1"/>
-                </a:solidFill>
-                <a:latin typeface="Arial" charset="0"/>
-                <a:ea typeface="ＭＳ Ｐゴシック" charset="-128"/>
-              </a:defRPr>
-            </a:lvl4pPr>
-            <a:lvl5pPr marL="2057400" indent="-228600" defTabSz="3760788">
-              <a:spcBef>
-                <a:spcPct val="20000"/>
-              </a:spcBef>
-              <a:buChar char="»"/>
-              <a:defRPr sz="8100">
-                <a:solidFill>
-                  <a:schemeClr val="tx1"/>
-                </a:solidFill>
-                <a:latin typeface="Arial" charset="0"/>
-                <a:ea typeface="ＭＳ Ｐゴシック" charset="-128"/>
-              </a:defRPr>
-            </a:lvl5pPr>
-            <a:lvl6pPr marL="2514600" indent="-228600" defTabSz="3760788" eaLnBrk="0" fontAlgn="base" hangingPunct="0">
-              <a:spcBef>
-                <a:spcPct val="20000"/>
-              </a:spcBef>
-              <a:spcAft>
-                <a:spcPct val="0"/>
-              </a:spcAft>
-              <a:buChar char="»"/>
-              <a:defRPr sz="8100">
-                <a:solidFill>
-                  <a:schemeClr val="tx1"/>
-                </a:solidFill>
-                <a:latin typeface="Arial" charset="0"/>
-                <a:ea typeface="ＭＳ Ｐゴシック" charset="-128"/>
-              </a:defRPr>
-            </a:lvl6pPr>
-            <a:lvl7pPr marL="2971800" indent="-228600" defTabSz="3760788" eaLnBrk="0" fontAlgn="base" hangingPunct="0">
-              <a:spcBef>
-                <a:spcPct val="20000"/>
-              </a:spcBef>
-              <a:spcAft>
-                <a:spcPct val="0"/>
-              </a:spcAft>
-              <a:buChar char="»"/>
-              <a:defRPr sz="8100">
-                <a:solidFill>
-                  <a:schemeClr val="tx1"/>
-                </a:solidFill>
-                <a:latin typeface="Arial" charset="0"/>
-                <a:ea typeface="ＭＳ Ｐゴシック" charset="-128"/>
-              </a:defRPr>
-            </a:lvl7pPr>
-            <a:lvl8pPr marL="3429000" indent="-228600" defTabSz="3760788" eaLnBrk="0" fontAlgn="base" hangingPunct="0">
-              <a:spcBef>
-                <a:spcPct val="20000"/>
-              </a:spcBef>
-              <a:spcAft>
-                <a:spcPct val="0"/>
-              </a:spcAft>
-              <a:buChar char="»"/>
-              <a:defRPr sz="8100">
-                <a:solidFill>
-                  <a:schemeClr val="tx1"/>
-                </a:solidFill>
-                <a:latin typeface="Arial" charset="0"/>
-                <a:ea typeface="ＭＳ Ｐゴシック" charset="-128"/>
-              </a:defRPr>
-            </a:lvl8pPr>
-            <a:lvl9pPr marL="3886200" indent="-228600" defTabSz="3760788" eaLnBrk="0" fontAlgn="base" hangingPunct="0">
-              <a:spcBef>
-                <a:spcPct val="20000"/>
-              </a:spcBef>
-              <a:spcAft>
-                <a:spcPct val="0"/>
-              </a:spcAft>
-              <a:buChar char="»"/>
-              <a:defRPr sz="8100">
-                <a:solidFill>
-                  <a:schemeClr val="tx1"/>
-                </a:solidFill>
-                <a:latin typeface="Arial" charset="0"/>
-                <a:ea typeface="ＭＳ Ｐゴシック" charset="-128"/>
-              </a:defRPr>
-            </a:lvl9pPr>
-          </a:lstStyle>
-          <a:p>
-            <a:pPr>
-              <a:buNone/>
-            </a:pPr>
-            <a:endParaRPr lang="en-US" altLang="en-US" sz="4400" dirty="0">
-              <a:latin typeface="Times New Roman" charset="0"/>
-              <a:ea typeface="Times New Roman" charset="0"/>
-              <a:cs typeface="Times New Roman" charset="0"/>
-            </a:endParaRPr>
-          </a:p>
-          <a:p>
-            <a:pPr eaLnBrk="1" hangingPunct="1">
-              <a:spcBef>
-                <a:spcPct val="50000"/>
-              </a:spcBef>
-              <a:buFontTx/>
-              <a:buNone/>
-            </a:pPr>
-            <a:endParaRPr lang="en-US" altLang="en-US" sz="4800" dirty="0">
-              <a:latin typeface="Times New Roman" charset="0"/>
-              <a:ea typeface="Times New Roman" charset="0"/>
-              <a:cs typeface="Times New Roman" charset="0"/>
-            </a:endParaRPr>
-          </a:p>
-          <a:p>
-            <a:pPr eaLnBrk="1" hangingPunct="1">
-              <a:spcBef>
-                <a:spcPct val="50000"/>
-              </a:spcBef>
-              <a:buFontTx/>
-              <a:buNone/>
-            </a:pPr>
-            <a:endParaRPr lang="en-US" altLang="en-US" sz="4800" dirty="0">
-              <a:latin typeface="Times New Roman" charset="0"/>
-              <a:ea typeface="Times New Roman" charset="0"/>
-              <a:cs typeface="Times New Roman" charset="0"/>
-            </a:endParaRPr>
-          </a:p>
-          <a:p>
-            <a:pPr eaLnBrk="1" hangingPunct="1">
-              <a:spcBef>
-                <a:spcPct val="50000"/>
-              </a:spcBef>
-              <a:buFontTx/>
-              <a:buNone/>
-            </a:pPr>
-            <a:endParaRPr lang="en-US" altLang="en-US" sz="4800" dirty="0">
-              <a:latin typeface="Times New Roman" charset="0"/>
-              <a:ea typeface="Times New Roman" charset="0"/>
-              <a:cs typeface="Times New Roman" charset="0"/>
-            </a:endParaRPr>
-          </a:p>
-          <a:p>
-            <a:pPr eaLnBrk="1" hangingPunct="1">
-              <a:spcBef>
-                <a:spcPct val="50000"/>
-              </a:spcBef>
-              <a:buFontTx/>
-              <a:buNone/>
-            </a:pPr>
-            <a:endParaRPr lang="en-US" altLang="en-US" sz="4800" dirty="0">
-              <a:latin typeface="Times New Roman" charset="0"/>
-              <a:ea typeface="Times New Roman" charset="0"/>
-              <a:cs typeface="Times New Roman" charset="0"/>
-            </a:endParaRPr>
-          </a:p>
-          <a:p>
-            <a:pPr eaLnBrk="1" hangingPunct="1">
-              <a:spcBef>
-                <a:spcPct val="50000"/>
-              </a:spcBef>
-              <a:buFontTx/>
-              <a:buNone/>
-            </a:pPr>
-            <a:endParaRPr lang="en-US" altLang="en-US" sz="4800" dirty="0">
-              <a:latin typeface="Times New Roman" charset="0"/>
-              <a:ea typeface="Times New Roman" charset="0"/>
-              <a:cs typeface="Times New Roman" charset="0"/>
-            </a:endParaRPr>
-          </a:p>
-          <a:p>
-            <a:pPr eaLnBrk="1" hangingPunct="1">
-              <a:spcBef>
-                <a:spcPct val="50000"/>
-              </a:spcBef>
-              <a:buFontTx/>
-              <a:buNone/>
-            </a:pPr>
-            <a:endParaRPr lang="en-US" altLang="en-US" sz="4800" dirty="0">
-              <a:latin typeface="Times New Roman" charset="0"/>
-              <a:ea typeface="Times New Roman" charset="0"/>
-              <a:cs typeface="Times New Roman" charset="0"/>
-            </a:endParaRPr>
-          </a:p>
-          <a:p>
-            <a:pPr eaLnBrk="1" hangingPunct="1">
-              <a:spcBef>
-                <a:spcPct val="50000"/>
-              </a:spcBef>
-              <a:buFontTx/>
-              <a:buNone/>
-            </a:pPr>
-            <a:endParaRPr lang="en-US" altLang="en-US" sz="4800" dirty="0">
-              <a:latin typeface="Times New Roman" charset="0"/>
-              <a:ea typeface="Times New Roman" charset="0"/>
-              <a:cs typeface="Times New Roman" charset="0"/>
-            </a:endParaRPr>
-          </a:p>
-          <a:p>
-            <a:pPr eaLnBrk="1" hangingPunct="1">
-              <a:spcBef>
-                <a:spcPct val="50000"/>
-              </a:spcBef>
-              <a:buFontTx/>
-              <a:buNone/>
-            </a:pPr>
-            <a:endParaRPr lang="en-US" altLang="en-US" sz="4800" dirty="0">
-              <a:latin typeface="Times New Roman" charset="0"/>
-              <a:ea typeface="Times New Roman" charset="0"/>
-              <a:cs typeface="Times New Roman" charset="0"/>
-            </a:endParaRPr>
-          </a:p>
-          <a:p>
-            <a:pPr eaLnBrk="1" hangingPunct="1">
-              <a:spcBef>
-                <a:spcPct val="50000"/>
-              </a:spcBef>
-              <a:buFontTx/>
-              <a:buNone/>
-            </a:pPr>
-            <a:endParaRPr lang="en-US" altLang="en-US" sz="4800" dirty="0">
-              <a:latin typeface="Times New Roman" charset="0"/>
-              <a:ea typeface="Times New Roman" charset="0"/>
-              <a:cs typeface="Times New Roman" charset="0"/>
-            </a:endParaRPr>
-          </a:p>
-          <a:p>
-            <a:pPr eaLnBrk="1" hangingPunct="1">
-              <a:spcBef>
-                <a:spcPct val="50000"/>
-              </a:spcBef>
-              <a:buFontTx/>
-              <a:buNone/>
-            </a:pPr>
-            <a:endParaRPr lang="en-US" altLang="en-US" sz="4800" dirty="0">
-              <a:latin typeface="Times New Roman" charset="0"/>
-              <a:ea typeface="Times New Roman" charset="0"/>
-              <a:cs typeface="Times New Roman" charset="0"/>
-            </a:endParaRPr>
-          </a:p>
-        </p:txBody>
-      </p:sp>
-      <p:sp>
-        <p:nvSpPr>
           <p:cNvPr id="35" name="Text Box 41"/>
           <p:cNvSpPr txBox="1">
             <a:spLocks noChangeArrowheads="1"/>
@@ -5370,7 +5060,7 @@
                   </a:schemeClr>
                 </a:solidFill>
               </a:rPr>
-              <a:t>Trade </a:t>
+              <a:t>Trade Rhetoric Geography in the US Presidential Election </a:t>
             </a:r>
             <a:r>
               <a:rPr lang="en-US" altLang="en-US" sz="9600" b="1" dirty="0" smtClean="0">
@@ -5380,15 +5070,8 @@
                   </a:schemeClr>
                 </a:solidFill>
               </a:rPr>
-              <a:t>Rhetoric Geography in the US Presidential Election Speeches</a:t>
-            </a:r>
-            <a:endParaRPr lang="en-US" altLang="en-US" sz="9600" b="1" dirty="0">
-              <a:solidFill>
-                <a:schemeClr val="accent3">
-                  <a:lumMod val="95000"/>
-                </a:schemeClr>
-              </a:solidFill>
-            </a:endParaRPr>
+              <a:t>Speeches</a:t>
+            </a:r>
           </a:p>
           <a:p>
             <a:pPr algn="ctr">
@@ -5397,7 +5080,7 @@
               </a:spcBef>
               <a:buNone/>
             </a:pPr>
-            <a:endParaRPr lang="en-US" altLang="en-US" sz="5143" dirty="0"/>
+            <a:endParaRPr lang="en-US" altLang="en-US" sz="5143" dirty="0" smtClean="0"/>
           </a:p>
           <a:p>
             <a:pPr algn="ctr">
@@ -5424,7 +5107,19 @@
             </a:r>
             <a:r>
               <a:rPr lang="en-US" altLang="en-US" sz="5143" b="1" dirty="0"/>
-              <a:t> Chung(alicechung@uchicao.edu), </a:t>
+              <a:t> </a:t>
+            </a:r>
+            <a:r>
+              <a:rPr lang="en-US" altLang="en-US" sz="5143" b="1" dirty="0" smtClean="0"/>
+              <a:t>Chung(</a:t>
+            </a:r>
+            <a:r>
+              <a:rPr lang="en-US" altLang="en-US" sz="5143" b="1" dirty="0" err="1" smtClean="0"/>
+              <a:t>alicechung@uchicago.edu</a:t>
+            </a:r>
+            <a:r>
+              <a:rPr lang="en-US" altLang="en-US" sz="5143" b="1" dirty="0"/>
+              <a:t>), </a:t>
             </a:r>
             <a:r>
               <a:rPr lang="en-US" altLang="en-US" sz="5143" b="1" dirty="0" smtClean="0"/>
@@ -5478,7 +5173,7 @@
         </p:nvSpPr>
         <p:spPr bwMode="auto">
           <a:xfrm>
-            <a:off x="367863" y="5158872"/>
+            <a:off x="496508" y="5158872"/>
             <a:ext cx="10360152" cy="1172936"/>
           </a:xfrm>
           <a:prstGeom prst="rect">
@@ -5663,7 +5358,7 @@
       </p:sp>
       <p:sp>
         <p:nvSpPr>
-          <p:cNvPr id="14341" name="Rectangle 22"/>
+          <p:cNvPr id="14342" name="Rectangle 23"/>
           <p:cNvSpPr>
             <a:spLocks noChangeArrowheads="1"/>
           </p:cNvSpPr>
@@ -5671,7 +5366,7 @@
         </p:nvSpPr>
         <p:spPr bwMode="auto">
           <a:xfrm>
-            <a:off x="310756" y="29941409"/>
+            <a:off x="11636094" y="20768298"/>
             <a:ext cx="10360152" cy="1172936"/>
           </a:xfrm>
           <a:prstGeom prst="rect">
@@ -5844,207 +5539,6 @@
               <a:buNone/>
             </a:pPr>
             <a:r>
-              <a:rPr lang="en-US" altLang="en-US" sz="4628" dirty="0" smtClean="0">
-                <a:solidFill>
-                  <a:schemeClr val="bg1"/>
-                </a:solidFill>
-              </a:rPr>
-              <a:t>Data / Data </a:t>
-            </a:r>
-            <a:r>
-              <a:rPr lang="en-US" altLang="en-US" sz="4628" dirty="0">
-                <a:solidFill>
-                  <a:schemeClr val="bg1"/>
-                </a:solidFill>
-              </a:rPr>
-              <a:t>Structure</a:t>
-            </a:r>
-          </a:p>
-        </p:txBody>
-      </p:sp>
-      <p:sp>
-        <p:nvSpPr>
-          <p:cNvPr id="14342" name="Rectangle 23"/>
-          <p:cNvSpPr>
-            <a:spLocks noChangeArrowheads="1"/>
-          </p:cNvSpPr>
-          <p:nvPr/>
-        </p:nvSpPr>
-        <p:spPr bwMode="auto">
-          <a:xfrm>
-            <a:off x="11405939" y="19872599"/>
-            <a:ext cx="10360152" cy="1172936"/>
-          </a:xfrm>
-          <a:prstGeom prst="rect">
-            <a:avLst/>
-          </a:prstGeom>
-          <a:solidFill>
-            <a:srgbClr val="002060"/>
-          </a:solidFill>
-          <a:ln>
-            <a:noFill/>
-          </a:ln>
-          <a:effectLst>
-            <a:outerShdw blurRad="190500" dist="228600" dir="2700000" algn="ctr">
-              <a:srgbClr val="000000">
-                <a:alpha val="30000"/>
-              </a:srgbClr>
-            </a:outerShdw>
-          </a:effectLst>
-          <a:scene3d>
-            <a:camera prst="orthographicFront">
-              <a:rot lat="0" lon="0" rev="0"/>
-            </a:camera>
-            <a:lightRig rig="glow" dir="t">
-              <a:rot lat="0" lon="0" rev="4800000"/>
-            </a:lightRig>
-          </a:scene3d>
-          <a:sp3d prstMaterial="matte">
-            <a:bevelT w="127000" h="63500"/>
-          </a:sp3d>
-        </p:spPr>
-        <p:txBody>
-          <a:bodyPr lIns="98973" tIns="49486" rIns="98973" bIns="49486" anchor="ctr"/>
-          <a:lstStyle>
-            <a:lvl1pPr defTabSz="3760788">
-              <a:spcBef>
-                <a:spcPct val="20000"/>
-              </a:spcBef>
-              <a:buChar char="•"/>
-              <a:defRPr sz="13100">
-                <a:solidFill>
-                  <a:schemeClr val="tx1"/>
-                </a:solidFill>
-                <a:latin typeface="Arial" charset="0"/>
-                <a:ea typeface="ＭＳ Ｐゴシック" charset="-128"/>
-              </a:defRPr>
-            </a:lvl1pPr>
-            <a:lvl2pPr marL="742950" indent="-285750" defTabSz="3760788">
-              <a:spcBef>
-                <a:spcPct val="20000"/>
-              </a:spcBef>
-              <a:buChar char="–"/>
-              <a:defRPr sz="11500">
-                <a:solidFill>
-                  <a:schemeClr val="tx1"/>
-                </a:solidFill>
-                <a:latin typeface="Arial" charset="0"/>
-                <a:ea typeface="ＭＳ Ｐゴシック" charset="-128"/>
-              </a:defRPr>
-            </a:lvl2pPr>
-            <a:lvl3pPr marL="1143000" indent="-228600" defTabSz="3760788">
-              <a:spcBef>
-                <a:spcPct val="20000"/>
-              </a:spcBef>
-              <a:buChar char="•"/>
-              <a:defRPr sz="9800">
-                <a:solidFill>
-                  <a:schemeClr val="tx1"/>
-                </a:solidFill>
-                <a:latin typeface="Arial" charset="0"/>
-                <a:ea typeface="ＭＳ Ｐゴシック" charset="-128"/>
-              </a:defRPr>
-            </a:lvl3pPr>
-            <a:lvl4pPr marL="1600200" indent="-228600" defTabSz="3760788">
-              <a:spcBef>
-                <a:spcPct val="20000"/>
-              </a:spcBef>
-              <a:buChar char="–"/>
-              <a:defRPr sz="8100">
-                <a:solidFill>
-                  <a:schemeClr val="tx1"/>
-                </a:solidFill>
-                <a:latin typeface="Arial" charset="0"/>
-                <a:ea typeface="ＭＳ Ｐゴシック" charset="-128"/>
-              </a:defRPr>
-            </a:lvl4pPr>
-            <a:lvl5pPr marL="2057400" indent="-228600" defTabSz="3760788">
-              <a:spcBef>
-                <a:spcPct val="20000"/>
-              </a:spcBef>
-              <a:buChar char="»"/>
-              <a:defRPr sz="8100">
-                <a:solidFill>
-                  <a:schemeClr val="tx1"/>
-                </a:solidFill>
-                <a:latin typeface="Arial" charset="0"/>
-                <a:ea typeface="ＭＳ Ｐゴシック" charset="-128"/>
-              </a:defRPr>
-            </a:lvl5pPr>
-            <a:lvl6pPr marL="2514600" indent="-228600" defTabSz="3760788" eaLnBrk="0" fontAlgn="base" hangingPunct="0">
-              <a:spcBef>
-                <a:spcPct val="20000"/>
-              </a:spcBef>
-              <a:spcAft>
-                <a:spcPct val="0"/>
-              </a:spcAft>
-              <a:buChar char="»"/>
-              <a:defRPr sz="8100">
-                <a:solidFill>
-                  <a:schemeClr val="tx1"/>
-                </a:solidFill>
-                <a:latin typeface="Arial" charset="0"/>
-                <a:ea typeface="ＭＳ Ｐゴシック" charset="-128"/>
-              </a:defRPr>
-            </a:lvl6pPr>
-            <a:lvl7pPr marL="2971800" indent="-228600" defTabSz="3760788" eaLnBrk="0" fontAlgn="base" hangingPunct="0">
-              <a:spcBef>
-                <a:spcPct val="20000"/>
-              </a:spcBef>
-              <a:spcAft>
-                <a:spcPct val="0"/>
-              </a:spcAft>
-              <a:buChar char="»"/>
-              <a:defRPr sz="8100">
-                <a:solidFill>
-                  <a:schemeClr val="tx1"/>
-                </a:solidFill>
-                <a:latin typeface="Arial" charset="0"/>
-                <a:ea typeface="ＭＳ Ｐゴシック" charset="-128"/>
-              </a:defRPr>
-            </a:lvl7pPr>
-            <a:lvl8pPr marL="3429000" indent="-228600" defTabSz="3760788" eaLnBrk="0" fontAlgn="base" hangingPunct="0">
-              <a:spcBef>
-                <a:spcPct val="20000"/>
-              </a:spcBef>
-              <a:spcAft>
-                <a:spcPct val="0"/>
-              </a:spcAft>
-              <a:buChar char="»"/>
-              <a:defRPr sz="8100">
-                <a:solidFill>
-                  <a:schemeClr val="tx1"/>
-                </a:solidFill>
-                <a:latin typeface="Arial" charset="0"/>
-                <a:ea typeface="ＭＳ Ｐゴシック" charset="-128"/>
-              </a:defRPr>
-            </a:lvl8pPr>
-            <a:lvl9pPr marL="3886200" indent="-228600" defTabSz="3760788" eaLnBrk="0" fontAlgn="base" hangingPunct="0">
-              <a:spcBef>
-                <a:spcPct val="20000"/>
-              </a:spcBef>
-              <a:spcAft>
-                <a:spcPct val="0"/>
-              </a:spcAft>
-              <a:buChar char="»"/>
-              <a:defRPr sz="8100">
-                <a:solidFill>
-                  <a:schemeClr val="tx1"/>
-                </a:solidFill>
-                <a:latin typeface="Arial" charset="0"/>
-                <a:ea typeface="ＭＳ Ｐゴシック" charset="-128"/>
-              </a:defRPr>
-            </a:lvl9pPr>
-          </a:lstStyle>
-          <a:p>
-            <a:pPr algn="ctr" eaLnBrk="1" hangingPunct="1">
-              <a:spcBef>
-                <a:spcPct val="0"/>
-              </a:spcBef>
-              <a:buFontTx/>
-              <a:buNone/>
-            </a:pPr>
-            <a:r>
               <a:rPr lang="en-US" altLang="en-US" sz="4628" dirty="0">
                 <a:solidFill>
                   <a:schemeClr val="bg1"/>
@@ -6065,7 +5559,7 @@
         </p:nvSpPr>
         <p:spPr bwMode="auto">
           <a:xfrm>
-            <a:off x="389176" y="19871481"/>
+            <a:off x="517821" y="20594148"/>
             <a:ext cx="10360152" cy="1177018"/>
           </a:xfrm>
           <a:prstGeom prst="rect">
@@ -6258,8 +5752,8 @@
         </p:nvSpPr>
         <p:spPr bwMode="auto">
           <a:xfrm>
-            <a:off x="11460757" y="21302879"/>
-            <a:ext cx="10360152" cy="10795174"/>
+            <a:off x="11644925" y="22387394"/>
+            <a:ext cx="10369296" cy="10795174"/>
           </a:xfrm>
           <a:prstGeom prst="rect">
             <a:avLst/>
@@ -6475,39 +5969,15 @@
                 <a:ea typeface="Times New Roman" charset="0"/>
                 <a:cs typeface="Times New Roman" charset="0"/>
               </a:rPr>
-              <a:t>With </a:t>
-            </a:r>
-            <a:r>
-              <a:rPr lang="en-US" altLang="en-US" sz="4400" spc="-150" dirty="0" smtClean="0">
+              <a:t>With 15 FREX words for each dimension, counted the frequencies and scaled by each document </a:t>
+            </a:r>
+            <a:r>
+              <a:rPr lang="en-US" altLang="en-US" sz="4400" spc="-150" dirty="0" err="1" smtClean="0">
                 <a:latin typeface="Times New Roman" charset="0"/>
                 <a:ea typeface="Times New Roman" charset="0"/>
                 <a:cs typeface="Times New Roman" charset="0"/>
               </a:rPr>
-              <a:t>15 FREX words for each dimension, </a:t>
-            </a:r>
-            <a:r>
-              <a:rPr lang="en-US" altLang="en-US" sz="4400" spc="-150" dirty="0" smtClean="0">
-                <a:latin typeface="Times New Roman" charset="0"/>
-                <a:ea typeface="Times New Roman" charset="0"/>
-                <a:cs typeface="Times New Roman" charset="0"/>
-              </a:rPr>
-              <a:t>counted </a:t>
-            </a:r>
-            <a:r>
-              <a:rPr lang="en-US" altLang="en-US" sz="4400" spc="-150" dirty="0" smtClean="0">
-                <a:latin typeface="Times New Roman" charset="0"/>
-                <a:ea typeface="Times New Roman" charset="0"/>
-                <a:cs typeface="Times New Roman" charset="0"/>
-              </a:rPr>
-              <a:t>the frequencies and scaled by each document </a:t>
-            </a:r>
-            <a:r>
-              <a:rPr lang="en-US" altLang="en-US" sz="4400" spc="-150" dirty="0" smtClean="0">
-                <a:latin typeface="Times New Roman" charset="0"/>
-                <a:ea typeface="Times New Roman" charset="0"/>
-                <a:cs typeface="Times New Roman" charset="0"/>
-              </a:rPr>
-              <a:t>length</a:t>
+              <a:t>lengt</a:t>
             </a:r>
             <a:endParaRPr lang="en-US" altLang="en-US" sz="4400" spc="-150" dirty="0" smtClean="0">
               <a:latin typeface="Times New Roman" charset="0"/>
@@ -6617,39 +6087,7 @@
                 <a:ea typeface="Times New Roman" charset="0"/>
                 <a:cs typeface="Times New Roman" charset="0"/>
               </a:rPr>
-              <a:t>ust belt and </a:t>
-            </a:r>
-            <a:r>
-              <a:rPr lang="en-US" sz="4000" spc="-150" dirty="0" smtClean="0">
-                <a:latin typeface="Times New Roman" charset="0"/>
-                <a:ea typeface="Times New Roman" charset="0"/>
-                <a:cs typeface="Times New Roman" charset="0"/>
-              </a:rPr>
-              <a:t>n</a:t>
-            </a:r>
-            <a:r>
-              <a:rPr lang="en-US" sz="4000" spc="-150" dirty="0" smtClean="0">
-                <a:latin typeface="Times New Roman" charset="0"/>
-                <a:ea typeface="Times New Roman" charset="0"/>
-                <a:cs typeface="Times New Roman" charset="0"/>
-              </a:rPr>
-              <a:t>on-rust </a:t>
-            </a:r>
-            <a:r>
-              <a:rPr lang="en-US" sz="4000" spc="-150" dirty="0" smtClean="0">
-                <a:latin typeface="Times New Roman" charset="0"/>
-                <a:ea typeface="Times New Roman" charset="0"/>
-                <a:cs typeface="Times New Roman" charset="0"/>
-              </a:rPr>
-              <a:t>belt </a:t>
-            </a:r>
-            <a:r>
-              <a:rPr lang="en-US" sz="4000" spc="-150" dirty="0" smtClean="0">
-                <a:latin typeface="Times New Roman" charset="0"/>
-                <a:ea typeface="Times New Roman" charset="0"/>
-                <a:cs typeface="Times New Roman" charset="0"/>
-              </a:rPr>
-              <a:t>region)</a:t>
+              <a:t>ust belt and non-rust belt region)</a:t>
             </a:r>
             <a:endParaRPr lang="ko-KR" altLang="en-US" sz="4000" spc="-150" dirty="0">
               <a:latin typeface="Times New Roman" charset="0"/>
@@ -6754,15 +6192,7 @@
                 <a:ea typeface="Times New Roman" charset="0"/>
                 <a:cs typeface="Times New Roman" charset="0"/>
               </a:rPr>
-              <a:t>between</a:t>
-            </a:r>
-            <a:r>
-              <a:rPr lang="en-US" sz="4000" spc="-150" dirty="0" smtClean="0">
-                <a:latin typeface="Times New Roman" charset="0"/>
-                <a:ea typeface="Times New Roman" charset="0"/>
-                <a:cs typeface="Times New Roman" charset="0"/>
-              </a:rPr>
-              <a:t> the speaker and </a:t>
+              <a:t>between the speaker and </a:t>
             </a:r>
             <a:r>
               <a:rPr lang="en-US" sz="4000" spc="-150" dirty="0">
@@ -6806,8 +6236,8 @@
         </p:nvSpPr>
         <p:spPr bwMode="auto">
           <a:xfrm>
-            <a:off x="407803" y="21603933"/>
-            <a:ext cx="10360152" cy="7782042"/>
+            <a:off x="536448" y="22326600"/>
+            <a:ext cx="10360152" cy="8229600"/>
           </a:xfrm>
           <a:prstGeom prst="rect">
             <a:avLst/>
@@ -7064,15 +6494,7 @@
                 <a:ea typeface="Times New Roman" charset="0"/>
                 <a:cs typeface="Times New Roman" charset="0"/>
               </a:rPr>
-              <a:t>frame trade as special interest by linking trade with job security</a:t>
-            </a:r>
-            <a:r>
-              <a:rPr lang="en-US" sz="4800" dirty="0" smtClean="0">
-                <a:latin typeface="Times New Roman" charset="0"/>
-                <a:ea typeface="Times New Roman" charset="0"/>
-                <a:cs typeface="Times New Roman" charset="0"/>
-              </a:rPr>
-              <a:t>.</a:t>
+              <a:t>frame trade as special interest by linking trade with job security.</a:t>
             </a:r>
             <a:endParaRPr lang="en-US" sz="4800" dirty="0">
               <a:latin typeface="Times New Roman" charset="0"/>
@@ -7262,7 +6684,7 @@
         </p:nvSpPr>
         <p:spPr bwMode="auto">
           <a:xfrm>
-            <a:off x="346550" y="14734950"/>
+            <a:off x="475195" y="15383303"/>
             <a:ext cx="10360152" cy="1177018"/>
           </a:xfrm>
           <a:prstGeom prst="rect">
@@ -7455,7 +6877,7 @@
         </p:nvSpPr>
         <p:spPr bwMode="auto">
           <a:xfrm>
-            <a:off x="346550" y="16261453"/>
+            <a:off x="475195" y="16909806"/>
             <a:ext cx="10360152" cy="3054594"/>
           </a:xfrm>
           <a:prstGeom prst="rect">
@@ -7658,284 +7080,6 @@
       </p:sp>
       <p:sp>
         <p:nvSpPr>
-          <p:cNvPr id="30" name="Text Box 54"/>
-          <p:cNvSpPr txBox="1">
-            <a:spLocks noChangeArrowheads="1"/>
-          </p:cNvSpPr>
-          <p:nvPr/>
-        </p:nvSpPr>
-        <p:spPr bwMode="auto">
-          <a:xfrm>
-            <a:off x="11636094" y="5492243"/>
-            <a:ext cx="10360152" cy="7634309"/>
-          </a:xfrm>
-          <a:prstGeom prst="rect">
-            <a:avLst/>
-          </a:prstGeom>
-          <a:solidFill>
-            <a:schemeClr val="accent3"/>
-          </a:solidFill>
-          <a:ln>
-            <a:noFill/>
-          </a:ln>
-        </p:spPr>
-        <p:txBody>
-          <a:bodyPr wrap="square" lIns="98973" tIns="49486" rIns="98973" bIns="49486">
-            <a:spAutoFit/>
-          </a:bodyPr>
-          <a:lstStyle>
-            <a:lvl1pPr defTabSz="3760788">
-              <a:spcBef>
-                <a:spcPct val="20000"/>
-              </a:spcBef>
-              <a:buChar char="•"/>
-              <a:defRPr sz="13100">
-                <a:solidFill>
-                  <a:schemeClr val="tx1"/>
-                </a:solidFill>
-                <a:latin typeface="Arial" charset="0"/>
-                <a:ea typeface="ＭＳ Ｐゴシック" charset="-128"/>
-              </a:defRPr>
-            </a:lvl1pPr>
-            <a:lvl2pPr marL="742950" indent="-285750" defTabSz="3760788">
-              <a:spcBef>
-                <a:spcPct val="20000"/>
-              </a:spcBef>
-              <a:buChar char="–"/>
-              <a:defRPr sz="11500">
-                <a:solidFill>
-                  <a:schemeClr val="tx1"/>
-                </a:solidFill>
-                <a:latin typeface="Arial" charset="0"/>
-                <a:ea typeface="ＭＳ Ｐゴシック" charset="-128"/>
-              </a:defRPr>
-            </a:lvl2pPr>
-            <a:lvl3pPr marL="1143000" indent="-228600" defTabSz="3760788">
-              <a:spcBef>
-                <a:spcPct val="20000"/>
-              </a:spcBef>
-              <a:buChar char="•"/>
-              <a:defRPr sz="9800">
-                <a:solidFill>
-                  <a:schemeClr val="tx1"/>
-                </a:solidFill>
-                <a:latin typeface="Arial" charset="0"/>
-                <a:ea typeface="ＭＳ Ｐゴシック" charset="-128"/>
-              </a:defRPr>
-            </a:lvl3pPr>
-            <a:lvl4pPr marL="1600200" indent="-228600" defTabSz="3760788">
-              <a:spcBef>
-                <a:spcPct val="20000"/>
-              </a:spcBef>
-              <a:buChar char="–"/>
-              <a:defRPr sz="8100">
-                <a:solidFill>
-                  <a:schemeClr val="tx1"/>
-                </a:solidFill>
-                <a:latin typeface="Arial" charset="0"/>
-                <a:ea typeface="ＭＳ Ｐゴシック" charset="-128"/>
-              </a:defRPr>
-            </a:lvl4pPr>
-            <a:lvl5pPr marL="2057400" indent="-228600" defTabSz="3760788">
-              <a:spcBef>
-                <a:spcPct val="20000"/>
-              </a:spcBef>
-              <a:buChar char="»"/>
-              <a:defRPr sz="8100">
-                <a:solidFill>
-                  <a:schemeClr val="tx1"/>
-                </a:solidFill>
-                <a:latin typeface="Arial" charset="0"/>
-                <a:ea typeface="ＭＳ Ｐゴシック" charset="-128"/>
-              </a:defRPr>
-            </a:lvl5pPr>
-            <a:lvl6pPr marL="2514600" indent="-228600" defTabSz="3760788" eaLnBrk="0" fontAlgn="base" hangingPunct="0">
-              <a:spcBef>
-                <a:spcPct val="20000"/>
-              </a:spcBef>
-              <a:spcAft>
-                <a:spcPct val="0"/>
-              </a:spcAft>
-              <a:buChar char="»"/>
-              <a:defRPr sz="8100">
-                <a:solidFill>
-                  <a:schemeClr val="tx1"/>
-                </a:solidFill>
-                <a:latin typeface="Arial" charset="0"/>
-                <a:ea typeface="ＭＳ Ｐゴシック" charset="-128"/>
-              </a:defRPr>
-            </a:lvl6pPr>
-            <a:lvl7pPr marL="2971800" indent="-228600" defTabSz="3760788" eaLnBrk="0" fontAlgn="base" hangingPunct="0">
-              <a:spcBef>
-                <a:spcPct val="20000"/>
-              </a:spcBef>
-              <a:spcAft>
-                <a:spcPct val="0"/>
-              </a:spcAft>
-              <a:buChar char="»"/>
-              <a:defRPr sz="8100">
-                <a:solidFill>
-                  <a:schemeClr val="tx1"/>
-                </a:solidFill>
-                <a:latin typeface="Arial" charset="0"/>
-                <a:ea typeface="ＭＳ Ｐゴシック" charset="-128"/>
-              </a:defRPr>
-            </a:lvl7pPr>
-            <a:lvl8pPr marL="3429000" indent="-228600" defTabSz="3760788" eaLnBrk="0" fontAlgn="base" hangingPunct="0">
-              <a:spcBef>
-                <a:spcPct val="20000"/>
-              </a:spcBef>
-              <a:spcAft>
-                <a:spcPct val="0"/>
-              </a:spcAft>
-              <a:buChar char="»"/>
-              <a:defRPr sz="8100">
-                <a:solidFill>
-                  <a:schemeClr val="tx1"/>
-                </a:solidFill>
-                <a:latin typeface="Arial" charset="0"/>
-                <a:ea typeface="ＭＳ Ｐゴシック" charset="-128"/>
-              </a:defRPr>
-            </a:lvl8pPr>
-            <a:lvl9pPr marL="3886200" indent="-228600" defTabSz="3760788" eaLnBrk="0" fontAlgn="base" hangingPunct="0">
-              <a:spcBef>
-                <a:spcPct val="20000"/>
-              </a:spcBef>
-              <a:spcAft>
-                <a:spcPct val="0"/>
-              </a:spcAft>
-              <a:buChar char="»"/>
-              <a:defRPr sz="8100">
-                <a:solidFill>
-                  <a:schemeClr val="tx1"/>
-                </a:solidFill>
-                <a:latin typeface="Arial" charset="0"/>
-                <a:ea typeface="ＭＳ Ｐゴシック" charset="-128"/>
-              </a:defRPr>
-            </a:lvl9pPr>
-          </a:lstStyle>
-          <a:p>
-            <a:pPr marL="685800" lvl="0" indent="-685800">
-              <a:buFont typeface="Arial" charset="0"/>
-              <a:buChar char="•"/>
-            </a:pPr>
-            <a:r>
-              <a:rPr lang="en-US" sz="4800" dirty="0" smtClean="0">
-                <a:latin typeface="Times New Roman" charset="0"/>
-                <a:ea typeface="Times New Roman" charset="0"/>
-                <a:cs typeface="Times New Roman" charset="0"/>
-              </a:rPr>
-              <a:t>Web scraping the presidential </a:t>
-            </a:r>
-            <a:r>
-              <a:rPr lang="en-US" sz="4800" dirty="0">
-                <a:latin typeface="Times New Roman" charset="0"/>
-                <a:ea typeface="Times New Roman" charset="0"/>
-                <a:cs typeface="Times New Roman" charset="0"/>
-              </a:rPr>
-              <a:t>election speech of every </a:t>
-            </a:r>
-            <a:r>
-              <a:rPr lang="en-US" sz="4800" dirty="0" smtClean="0">
-                <a:latin typeface="Times New Roman" charset="0"/>
-                <a:ea typeface="Times New Roman" charset="0"/>
-                <a:cs typeface="Times New Roman" charset="0"/>
-              </a:rPr>
-              <a:t>candidates  in </a:t>
-            </a:r>
-            <a:r>
-              <a:rPr lang="en-US" sz="4800" dirty="0">
-                <a:latin typeface="Times New Roman" charset="0"/>
-                <a:ea typeface="Times New Roman" charset="0"/>
-                <a:cs typeface="Times New Roman" charset="0"/>
-              </a:rPr>
-              <a:t>2008, 2012, and </a:t>
-            </a:r>
-            <a:r>
-              <a:rPr lang="en-US" sz="4800" dirty="0" smtClean="0">
-                <a:latin typeface="Times New Roman" charset="0"/>
-                <a:ea typeface="Times New Roman" charset="0"/>
-                <a:cs typeface="Times New Roman" charset="0"/>
-              </a:rPr>
-              <a:t>2016 from The American Presidency Project(APP).</a:t>
-            </a:r>
-            <a:endParaRPr lang="en-US" altLang="en-US" sz="4800" dirty="0" smtClean="0">
-              <a:latin typeface="Times New Roman" charset="0"/>
-              <a:ea typeface="Times New Roman" charset="0"/>
-              <a:cs typeface="Times New Roman" charset="0"/>
-            </a:endParaRPr>
-          </a:p>
-          <a:p>
-            <a:pPr marL="685800" indent="-685800">
-              <a:buFont typeface="Arial" charset="0"/>
-              <a:buChar char="•"/>
-            </a:pPr>
-            <a:r>
-              <a:rPr lang="en-US" altLang="en-US" sz="4800" dirty="0" smtClean="0">
-                <a:latin typeface="Times New Roman" charset="0"/>
-                <a:ea typeface="Times New Roman" charset="0"/>
-                <a:cs typeface="Times New Roman" charset="0"/>
-              </a:rPr>
-              <a:t>Descriptive Statistics</a:t>
-            </a:r>
-            <a:br>
-              <a:rPr lang="en-US" altLang="en-US" sz="4800" dirty="0" smtClean="0">
-                <a:latin typeface="Times New Roman" charset="0"/>
-                <a:ea typeface="Times New Roman" charset="0"/>
-                <a:cs typeface="Times New Roman" charset="0"/>
-              </a:rPr>
-            </a:br>
-            <a:r>
-              <a:rPr lang="en-US" altLang="en-US" sz="4800" dirty="0" smtClean="0">
-                <a:latin typeface="Times New Roman" charset="0"/>
-                <a:ea typeface="Times New Roman" charset="0"/>
-                <a:cs typeface="Times New Roman" charset="0"/>
-              </a:rPr>
-              <a:t>(1) Total 1247 speeches </a:t>
-            </a:r>
-            <a:br>
-              <a:rPr lang="en-US" altLang="en-US" sz="4800" dirty="0" smtClean="0">
-                <a:latin typeface="Times New Roman" charset="0"/>
-                <a:ea typeface="Times New Roman" charset="0"/>
-                <a:cs typeface="Times New Roman" charset="0"/>
-              </a:rPr>
-            </a:br>
-            <a:r>
-              <a:rPr lang="en-US" altLang="en-US" sz="4800" dirty="0" smtClean="0">
-                <a:latin typeface="Times New Roman" charset="0"/>
-                <a:ea typeface="Times New Roman" charset="0"/>
-                <a:cs typeface="Times New Roman" charset="0"/>
-              </a:rPr>
-              <a:t>(2) 676 from Democratic Party, 571 from Republican Party </a:t>
-            </a:r>
-            <a:r>
-              <a:rPr lang="en-US" altLang="en-US" sz="4800" dirty="0">
-                <a:latin typeface="Times New Roman" charset="0"/>
-                <a:ea typeface="Times New Roman" charset="0"/>
-                <a:cs typeface="Times New Roman" charset="0"/>
-              </a:rPr>
-              <a:t/>
-            </a:r>
-            <a:br>
-              <a:rPr lang="en-US" altLang="en-US" sz="4800" dirty="0">
-                <a:latin typeface="Times New Roman" charset="0"/>
-                <a:ea typeface="Times New Roman" charset="0"/>
-                <a:cs typeface="Times New Roman" charset="0"/>
-              </a:rPr>
-            </a:br>
-            <a:r>
-              <a:rPr lang="en-US" altLang="en-US" sz="4800" dirty="0" smtClean="0">
-                <a:latin typeface="Times New Roman" charset="0"/>
-                <a:ea typeface="Times New Roman" charset="0"/>
-                <a:cs typeface="Times New Roman" charset="0"/>
-              </a:rPr>
-              <a:t>(3) 685, 282, 280 speeches in each year</a:t>
-            </a:r>
-          </a:p>
-        </p:txBody>
-      </p:sp>
-      <p:sp>
-        <p:nvSpPr>
           <p:cNvPr id="33" name="Rectangle 24"/>
           <p:cNvSpPr>
             <a:spLocks noChangeArrowheads="1"/>
@@ -7944,7 +7088,7 @@
         </p:nvSpPr>
         <p:spPr bwMode="auto">
           <a:xfrm>
-            <a:off x="22588073" y="18440400"/>
+            <a:off x="22588073" y="19353619"/>
             <a:ext cx="10360152" cy="1172936"/>
           </a:xfrm>
           <a:prstGeom prst="rect">
@@ -8535,14 +7679,7 @@
                 <a:latin typeface="Times New Roman" panose="02020603050405020304" pitchFamily="18" charset="0"/>
                 <a:cs typeface="Times New Roman" panose="02020603050405020304" pitchFamily="18" charset="0"/>
               </a:rPr>
-              <a:t>customizing</a:t>
-            </a:r>
-            <a:r>
-              <a:rPr lang="en-US" altLang="ko-KR" sz="4800" dirty="0" smtClean="0">
-                <a:latin typeface="Times New Roman" panose="02020603050405020304" pitchFamily="18" charset="0"/>
-                <a:cs typeface="Times New Roman" panose="02020603050405020304" pitchFamily="18" charset="0"/>
-              </a:rPr>
-              <a:t> </a:t>
+              <a:t>customizing </a:t>
             </a:r>
             <a:r>
               <a:rPr lang="en-US" altLang="ko-KR" sz="4800" dirty="0">
@@ -8579,7 +7716,7 @@
           <p:cNvPr id="2" name="TextBox 1">
             <a:extLst>
               <a:ext uri="{FF2B5EF4-FFF2-40B4-BE49-F238E27FC236}">
-                <a16:creationId xmlns:a16="http://schemas.microsoft.com/office/drawing/2014/main" id="{7B97C7E3-A8DF-4DC3-A1E2-1B0C28BA069E}"/>
+                <a16:creationId xmlns:a16="http://schemas.microsoft.com/office/drawing/2014/main" xmlns="" id="{7B97C7E3-A8DF-4DC3-A1E2-1B0C28BA069E}"/>
               </a:ext>
             </a:extLst>
           </p:cNvPr>
@@ -9073,7 +8210,7 @@
         <p:spPr bwMode="auto">
           <a:xfrm>
             <a:off x="22614837" y="6583397"/>
-            <a:ext cx="10303563" cy="11338560"/>
+            <a:ext cx="10303563" cy="12252960"/>
           </a:xfrm>
           <a:prstGeom prst="rect">
             <a:avLst/>
@@ -9569,7 +8706,7 @@
         <p:nvPicPr>
           <p:cNvPr id="14" name="그림 13"/>
           <p:cNvPicPr>
-            <a:picLocks noChangeAspect="1"/>
+            <a:picLocks/>
           </p:cNvPicPr>
           <p:nvPr/>
         </p:nvPicPr>
@@ -9587,8 +8724,8 @@
         </p:blipFill>
         <p:spPr>
           <a:xfrm>
-            <a:off x="22707600" y="7004645"/>
-            <a:ext cx="10058399" cy="5029200"/>
+            <a:off x="22677120" y="6934200"/>
+            <a:ext cx="10241280" cy="5486400"/>
           </a:xfrm>
           <a:prstGeom prst="rect">
             <a:avLst/>
@@ -9599,7 +8736,7 @@
         <p:nvPicPr>
           <p:cNvPr id="15" name="그림 14"/>
           <p:cNvPicPr>
-            <a:picLocks noChangeAspect="1"/>
+            <a:picLocks/>
           </p:cNvPicPr>
           <p:nvPr/>
         </p:nvPicPr>
@@ -9617,8 +8754,8 @@
         </p:blipFill>
         <p:spPr>
           <a:xfrm>
-            <a:off x="22639133" y="12541886"/>
-            <a:ext cx="10058399" cy="5029200"/>
+            <a:off x="22677120" y="13197840"/>
+            <a:ext cx="10241280" cy="5394960"/>
           </a:xfrm>
           <a:prstGeom prst="rect">
             <a:avLst/>
@@ -9633,7 +8770,7 @@
         </p:nvSpPr>
         <p:spPr>
           <a:xfrm>
-            <a:off x="407803" y="6424562"/>
+            <a:off x="536448" y="6641366"/>
             <a:ext cx="10360152" cy="8217634"/>
           </a:xfrm>
           <a:prstGeom prst="rect">
@@ -9707,28 +8844,7 @@
                 <a:latin typeface="Times New Roman" panose="02020603050405020304" pitchFamily="18" charset="0"/>
                 <a:cs typeface="Times New Roman" panose="02020603050405020304" pitchFamily="18" charset="0"/>
               </a:rPr>
-              <a:t> respond to </a:t>
-            </a:r>
-            <a:r>
-              <a:rPr lang="en-US" altLang="ko-KR" sz="4800" dirty="0" smtClean="0">
-                <a:latin typeface="Times New Roman" panose="02020603050405020304" pitchFamily="18" charset="0"/>
-                <a:cs typeface="Times New Roman" panose="02020603050405020304" pitchFamily="18" charset="0"/>
-              </a:rPr>
-              <a:t>expected</a:t>
-            </a:r>
-            <a:r>
-              <a:rPr lang="en-US" altLang="ko-KR" sz="4800" dirty="0" smtClean="0">
-                <a:latin typeface="Times New Roman" panose="02020603050405020304" pitchFamily="18" charset="0"/>
-                <a:cs typeface="Times New Roman" panose="02020603050405020304" pitchFamily="18" charset="0"/>
-              </a:rPr>
-              <a:t> </a:t>
-            </a:r>
-            <a:r>
-              <a:rPr lang="en-US" altLang="ko-KR" sz="4800" dirty="0" smtClean="0">
-                <a:latin typeface="Times New Roman" panose="02020603050405020304" pitchFamily="18" charset="0"/>
-                <a:cs typeface="Times New Roman" panose="02020603050405020304" pitchFamily="18" charset="0"/>
-              </a:rPr>
-              <a:t>voter punishment in their presidential campaign speeches?</a:t>
+              <a:t> respond to expected voter punishment in their presidential campaign speeches?</a:t>
             </a:r>
             <a:endParaRPr lang="ko-KR" altLang="en-US" sz="4800" dirty="0">
               <a:latin typeface="Times New Roman" panose="02020603050405020304" pitchFamily="18" charset="0"/>
@@ -9746,13 +8862,13 @@
           <p:nvPr>
             <p:extLst>
               <p:ext uri="{D42A27DB-BD31-4B8C-83A1-F6EECF244321}">
-                <p14:modId xmlns:p14="http://schemas.microsoft.com/office/powerpoint/2010/main" val="688234731"/>
+                <p14:modId xmlns:p14="http://schemas.microsoft.com/office/powerpoint/2010/main" val="1686204151"/>
               </p:ext>
             </p:extLst>
           </p:nvPr>
         </p:nvGraphicFramePr>
         <p:xfrm>
-          <a:off x="22588074" y="20180401"/>
+          <a:off x="22588074" y="20818756"/>
           <a:ext cx="10558926" cy="11490044"/>
         </p:xfrm>
         <a:graphic>
@@ -9765,21 +8881,21 @@
                 <a:gridCol w="1359309">
                   <a:extLst>
                     <a:ext uri="{9D8B030D-6E8A-4147-A177-3AD203B41FA5}">
-                      <a16:colId xmlns:a16="http://schemas.microsoft.com/office/drawing/2014/main" val="4219704855"/>
+                      <a16:colId xmlns:a16="http://schemas.microsoft.com/office/drawing/2014/main" xmlns="" val="4219704855"/>
                     </a:ext>
                   </a:extLst>
                 </a:gridCol>
                 <a:gridCol w="4666226">
                   <a:extLst>
                     <a:ext uri="{9D8B030D-6E8A-4147-A177-3AD203B41FA5}">
-                      <a16:colId xmlns:a16="http://schemas.microsoft.com/office/drawing/2014/main" val="663304543"/>
+                      <a16:colId xmlns:a16="http://schemas.microsoft.com/office/drawing/2014/main" xmlns="" val="663304543"/>
                     </a:ext>
                   </a:extLst>
                 </a:gridCol>
                 <a:gridCol w="4533391">
                   <a:extLst>
                     <a:ext uri="{9D8B030D-6E8A-4147-A177-3AD203B41FA5}">
-                      <a16:colId xmlns:a16="http://schemas.microsoft.com/office/drawing/2014/main" val="1331362254"/>
+                      <a16:colId xmlns:a16="http://schemas.microsoft.com/office/drawing/2014/main" xmlns="" val="1331362254"/>
                     </a:ext>
                   </a:extLst>
                 </a:gridCol>
@@ -9868,7 +8984,7 @@
                 </a:tc>
                 <a:extLst>
                   <a:ext uri="{0D108BD9-81ED-4DB2-BD59-A6C34878D82A}">
-                    <a16:rowId xmlns:a16="http://schemas.microsoft.com/office/drawing/2014/main" val="2978029908"/>
+                    <a16:rowId xmlns:a16="http://schemas.microsoft.com/office/drawing/2014/main" xmlns="" val="2978029908"/>
                   </a:ext>
                 </a:extLst>
               </a:tr>
@@ -9967,7 +9083,7 @@
                 </a:tc>
                 <a:extLst>
                   <a:ext uri="{0D108BD9-81ED-4DB2-BD59-A6C34878D82A}">
-                    <a16:rowId xmlns:a16="http://schemas.microsoft.com/office/drawing/2014/main" val="3918322365"/>
+                    <a16:rowId xmlns:a16="http://schemas.microsoft.com/office/drawing/2014/main" xmlns="" val="3918322365"/>
                   </a:ext>
                 </a:extLst>
               </a:tr>
@@ -10089,7 +9205,7 @@
                 </a:tc>
                 <a:extLst>
                   <a:ext uri="{0D108BD9-81ED-4DB2-BD59-A6C34878D82A}">
-                    <a16:rowId xmlns:a16="http://schemas.microsoft.com/office/drawing/2014/main" val="1831740532"/>
+                    <a16:rowId xmlns:a16="http://schemas.microsoft.com/office/drawing/2014/main" xmlns="" val="1831740532"/>
                   </a:ext>
                 </a:extLst>
               </a:tr>
@@ -10119,7 +9235,7 @@
         </p:blipFill>
         <p:spPr>
           <a:xfrm>
-            <a:off x="24048910" y="21741714"/>
+            <a:off x="24114999" y="22497621"/>
             <a:ext cx="4288119" cy="4288119"/>
           </a:xfrm>
           <a:prstGeom prst="rect">
@@ -10149,7 +9265,7 @@
         </p:blipFill>
         <p:spPr>
           <a:xfrm>
-            <a:off x="28699843" y="21741715"/>
+            <a:off x="28765932" y="22497622"/>
             <a:ext cx="4228668" cy="4228668"/>
           </a:xfrm>
           <a:prstGeom prst="rect">
@@ -10179,7 +9295,7 @@
         </p:blipFill>
         <p:spPr>
           <a:xfrm>
-            <a:off x="24048910" y="26974532"/>
+            <a:off x="24114999" y="27730439"/>
             <a:ext cx="4197361" cy="4197361"/>
           </a:xfrm>
           <a:prstGeom prst="rect">
@@ -10209,7 +9325,7 @@
         </p:blipFill>
         <p:spPr>
           <a:xfrm>
-            <a:off x="28693862" y="26937244"/>
+            <a:off x="28759951" y="27693151"/>
             <a:ext cx="4234649" cy="4234649"/>
           </a:xfrm>
           <a:prstGeom prst="rect">
@@ -10217,6 +9333,654 @@
           </a:prstGeom>
         </p:spPr>
       </p:pic>
+      <p:sp>
+        <p:nvSpPr>
+          <p:cNvPr id="37" name="Text Box 41"/>
+          <p:cNvSpPr txBox="1">
+            <a:spLocks noChangeArrowheads="1"/>
+          </p:cNvSpPr>
+          <p:nvPr/>
+        </p:nvSpPr>
+        <p:spPr bwMode="auto">
+          <a:xfrm>
+            <a:off x="11632539" y="6736080"/>
+            <a:ext cx="10372538" cy="13533120"/>
+          </a:xfrm>
+          <a:prstGeom prst="rect">
+            <a:avLst/>
+          </a:prstGeom>
+          <a:solidFill>
+            <a:schemeClr val="accent3"/>
+          </a:solidFill>
+          <a:ln>
+            <a:noFill/>
+          </a:ln>
+        </p:spPr>
+        <p:txBody>
+          <a:bodyPr wrap="square" lIns="98973" tIns="49486" rIns="98973" bIns="49486">
+            <a:spAutoFit/>
+          </a:bodyPr>
+          <a:lstStyle>
+            <a:lvl1pPr defTabSz="3760788">
+              <a:spcBef>
+                <a:spcPct val="20000"/>
+              </a:spcBef>
+              <a:buChar char="•"/>
+              <a:defRPr sz="13100">
+                <a:solidFill>
+                  <a:schemeClr val="tx1"/>
+                </a:solidFill>
+                <a:latin typeface="Arial" charset="0"/>
+                <a:ea typeface="ＭＳ Ｐゴシック" charset="-128"/>
+              </a:defRPr>
+            </a:lvl1pPr>
+            <a:lvl2pPr marL="742950" indent="-285750" defTabSz="3760788">
+              <a:spcBef>
+                <a:spcPct val="20000"/>
+              </a:spcBef>
+              <a:buChar char="–"/>
+              <a:defRPr sz="11500">
+                <a:solidFill>
+                  <a:schemeClr val="tx1"/>
+                </a:solidFill>
+                <a:latin typeface="Arial" charset="0"/>
+                <a:ea typeface="ＭＳ Ｐゴシック" charset="-128"/>
+              </a:defRPr>
+            </a:lvl2pPr>
+            <a:lvl3pPr marL="1143000" indent="-228600" defTabSz="3760788">
+              <a:spcBef>
+                <a:spcPct val="20000"/>
+              </a:spcBef>
+              <a:buChar char="•"/>
+              <a:defRPr sz="9800">
+                <a:solidFill>
+                  <a:schemeClr val="tx1"/>
+                </a:solidFill>
+                <a:latin typeface="Arial" charset="0"/>
+                <a:ea typeface="ＭＳ Ｐゴシック" charset="-128"/>
+              </a:defRPr>
+            </a:lvl3pPr>
+            <a:lvl4pPr marL="1600200" indent="-228600" defTabSz="3760788">
+              <a:spcBef>
+                <a:spcPct val="20000"/>
+              </a:spcBef>
+              <a:buChar char="–"/>
+              <a:defRPr sz="8100">
+                <a:solidFill>
+                  <a:schemeClr val="tx1"/>
+                </a:solidFill>
+                <a:latin typeface="Arial" charset="0"/>
+                <a:ea typeface="ＭＳ Ｐゴシック" charset="-128"/>
+              </a:defRPr>
+            </a:lvl4pPr>
+            <a:lvl5pPr marL="2057400" indent="-228600" defTabSz="3760788">
+              <a:spcBef>
+                <a:spcPct val="20000"/>
+              </a:spcBef>
+              <a:buChar char="»"/>
+              <a:defRPr sz="8100">
+                <a:solidFill>
+                  <a:schemeClr val="tx1"/>
+                </a:solidFill>
+                <a:latin typeface="Arial" charset="0"/>
+                <a:ea typeface="ＭＳ Ｐゴシック" charset="-128"/>
+              </a:defRPr>
+            </a:lvl5pPr>
+            <a:lvl6pPr marL="2514600" indent="-228600" defTabSz="3760788" eaLnBrk="0" fontAlgn="base" hangingPunct="0">
+              <a:spcBef>
+                <a:spcPct val="20000"/>
+              </a:spcBef>
+              <a:spcAft>
+                <a:spcPct val="0"/>
+              </a:spcAft>
+              <a:buChar char="»"/>
+              <a:defRPr sz="8100">
+                <a:solidFill>
+                  <a:schemeClr val="tx1"/>
+                </a:solidFill>
+                <a:latin typeface="Arial" charset="0"/>
+                <a:ea typeface="ＭＳ Ｐゴシック" charset="-128"/>
+              </a:defRPr>
+            </a:lvl6pPr>
+            <a:lvl7pPr marL="2971800" indent="-228600" defTabSz="3760788" eaLnBrk="0" fontAlgn="base" hangingPunct="0">
+              <a:spcBef>
+                <a:spcPct val="20000"/>
+              </a:spcBef>
+              <a:spcAft>
+                <a:spcPct val="0"/>
+              </a:spcAft>
+              <a:buChar char="»"/>
+              <a:defRPr sz="8100">
+                <a:solidFill>
+                  <a:schemeClr val="tx1"/>
+                </a:solidFill>
+                <a:latin typeface="Arial" charset="0"/>
+                <a:ea typeface="ＭＳ Ｐゴシック" charset="-128"/>
+              </a:defRPr>
+            </a:lvl7pPr>
+            <a:lvl8pPr marL="3429000" indent="-228600" defTabSz="3760788" eaLnBrk="0" fontAlgn="base" hangingPunct="0">
+              <a:spcBef>
+                <a:spcPct val="20000"/>
+              </a:spcBef>
+              <a:spcAft>
+                <a:spcPct val="0"/>
+              </a:spcAft>
+              <a:buChar char="»"/>
+              <a:defRPr sz="8100">
+                <a:solidFill>
+                  <a:schemeClr val="tx1"/>
+                </a:solidFill>
+                <a:latin typeface="Arial" charset="0"/>
+                <a:ea typeface="ＭＳ Ｐゴシック" charset="-128"/>
+              </a:defRPr>
+            </a:lvl8pPr>
+            <a:lvl9pPr marL="3886200" indent="-228600" defTabSz="3760788" eaLnBrk="0" fontAlgn="base" hangingPunct="0">
+              <a:spcBef>
+                <a:spcPct val="20000"/>
+              </a:spcBef>
+              <a:spcAft>
+                <a:spcPct val="0"/>
+              </a:spcAft>
+              <a:buChar char="»"/>
+              <a:defRPr sz="8100">
+                <a:solidFill>
+                  <a:schemeClr val="tx1"/>
+                </a:solidFill>
+                <a:latin typeface="Arial" charset="0"/>
+                <a:ea typeface="ＭＳ Ｐゴシック" charset="-128"/>
+              </a:defRPr>
+            </a:lvl9pPr>
+          </a:lstStyle>
+          <a:p>
+            <a:pPr>
+              <a:buNone/>
+            </a:pPr>
+            <a:endParaRPr lang="en-US" altLang="en-US" sz="4400" dirty="0">
+              <a:latin typeface="Times New Roman" charset="0"/>
+              <a:ea typeface="Times New Roman" charset="0"/>
+              <a:cs typeface="Times New Roman" charset="0"/>
+            </a:endParaRPr>
+          </a:p>
+          <a:p>
+            <a:pPr eaLnBrk="1" hangingPunct="1">
+              <a:spcBef>
+                <a:spcPct val="50000"/>
+              </a:spcBef>
+              <a:buFontTx/>
+              <a:buNone/>
+            </a:pPr>
+            <a:endParaRPr lang="en-US" altLang="en-US" sz="4800" dirty="0">
+              <a:latin typeface="Times New Roman" charset="0"/>
+              <a:ea typeface="Times New Roman" charset="0"/>
+              <a:cs typeface="Times New Roman" charset="0"/>
+            </a:endParaRPr>
+          </a:p>
+          <a:p>
+            <a:pPr eaLnBrk="1" hangingPunct="1">
+              <a:spcBef>
+                <a:spcPct val="50000"/>
+              </a:spcBef>
+              <a:buFontTx/>
+              <a:buNone/>
+            </a:pPr>
+            <a:endParaRPr lang="en-US" altLang="en-US" sz="4800" dirty="0">
+              <a:latin typeface="Times New Roman" charset="0"/>
+              <a:ea typeface="Times New Roman" charset="0"/>
+              <a:cs typeface="Times New Roman" charset="0"/>
+            </a:endParaRPr>
+          </a:p>
+          <a:p>
+            <a:pPr eaLnBrk="1" hangingPunct="1">
+              <a:spcBef>
+                <a:spcPct val="50000"/>
+              </a:spcBef>
+              <a:buFontTx/>
+              <a:buNone/>
+            </a:pPr>
+            <a:endParaRPr lang="en-US" altLang="en-US" sz="4800" dirty="0">
+              <a:latin typeface="Times New Roman" charset="0"/>
+              <a:ea typeface="Times New Roman" charset="0"/>
+              <a:cs typeface="Times New Roman" charset="0"/>
+            </a:endParaRPr>
+          </a:p>
+          <a:p>
+            <a:pPr eaLnBrk="1" hangingPunct="1">
+              <a:spcBef>
+                <a:spcPct val="50000"/>
+              </a:spcBef>
+              <a:buFontTx/>
+              <a:buNone/>
+            </a:pPr>
+            <a:endParaRPr lang="en-US" altLang="en-US" sz="4800" dirty="0">
+              <a:latin typeface="Times New Roman" charset="0"/>
+              <a:ea typeface="Times New Roman" charset="0"/>
+              <a:cs typeface="Times New Roman" charset="0"/>
+            </a:endParaRPr>
+          </a:p>
+          <a:p>
+            <a:pPr eaLnBrk="1" hangingPunct="1">
+              <a:spcBef>
+                <a:spcPct val="50000"/>
+              </a:spcBef>
+              <a:buFontTx/>
+              <a:buNone/>
+            </a:pPr>
+            <a:endParaRPr lang="en-US" altLang="en-US" sz="4800" dirty="0">
+              <a:latin typeface="Times New Roman" charset="0"/>
+              <a:ea typeface="Times New Roman" charset="0"/>
+              <a:cs typeface="Times New Roman" charset="0"/>
+            </a:endParaRPr>
+          </a:p>
+          <a:p>
+            <a:pPr eaLnBrk="1" hangingPunct="1">
+              <a:spcBef>
+                <a:spcPct val="50000"/>
+              </a:spcBef>
+              <a:buFontTx/>
+              <a:buNone/>
+            </a:pPr>
+            <a:endParaRPr lang="en-US" altLang="en-US" sz="4800" dirty="0">
+              <a:latin typeface="Times New Roman" charset="0"/>
+              <a:ea typeface="Times New Roman" charset="0"/>
+              <a:cs typeface="Times New Roman" charset="0"/>
+            </a:endParaRPr>
+          </a:p>
+          <a:p>
+            <a:pPr eaLnBrk="1" hangingPunct="1">
+              <a:spcBef>
+                <a:spcPct val="50000"/>
+              </a:spcBef>
+              <a:buFontTx/>
+              <a:buNone/>
+            </a:pPr>
+            <a:endParaRPr lang="en-US" altLang="en-US" sz="4800" dirty="0">
+              <a:latin typeface="Times New Roman" charset="0"/>
+              <a:ea typeface="Times New Roman" charset="0"/>
+              <a:cs typeface="Times New Roman" charset="0"/>
+            </a:endParaRPr>
+          </a:p>
+          <a:p>
+            <a:pPr eaLnBrk="1" hangingPunct="1">
+              <a:spcBef>
+                <a:spcPct val="50000"/>
+              </a:spcBef>
+              <a:buFontTx/>
+              <a:buNone/>
+            </a:pPr>
+            <a:endParaRPr lang="en-US" altLang="en-US" sz="4800" dirty="0">
+              <a:latin typeface="Times New Roman" charset="0"/>
+              <a:ea typeface="Times New Roman" charset="0"/>
+              <a:cs typeface="Times New Roman" charset="0"/>
+            </a:endParaRPr>
+          </a:p>
+          <a:p>
+            <a:pPr eaLnBrk="1" hangingPunct="1">
+              <a:spcBef>
+                <a:spcPct val="50000"/>
+              </a:spcBef>
+              <a:buFontTx/>
+              <a:buNone/>
+            </a:pPr>
+            <a:endParaRPr lang="en-US" altLang="en-US" sz="4800" dirty="0">
+              <a:latin typeface="Times New Roman" charset="0"/>
+              <a:ea typeface="Times New Roman" charset="0"/>
+              <a:cs typeface="Times New Roman" charset="0"/>
+            </a:endParaRPr>
+          </a:p>
+          <a:p>
+            <a:pPr eaLnBrk="1" hangingPunct="1">
+              <a:spcBef>
+                <a:spcPct val="50000"/>
+              </a:spcBef>
+              <a:buFontTx/>
+              <a:buNone/>
+            </a:pPr>
+            <a:endParaRPr lang="en-US" altLang="en-US" sz="4800" dirty="0">
+              <a:latin typeface="Times New Roman" charset="0"/>
+              <a:ea typeface="Times New Roman" charset="0"/>
+              <a:cs typeface="Times New Roman" charset="0"/>
+            </a:endParaRPr>
+          </a:p>
+        </p:txBody>
+      </p:sp>
+      <p:sp>
+        <p:nvSpPr>
+          <p:cNvPr id="30" name="Text Box 54"/>
+          <p:cNvSpPr txBox="1">
+            <a:spLocks noChangeArrowheads="1"/>
+          </p:cNvSpPr>
+          <p:nvPr/>
+        </p:nvSpPr>
+        <p:spPr bwMode="auto">
+          <a:xfrm>
+            <a:off x="11636094" y="6538891"/>
+            <a:ext cx="10360152" cy="7055689"/>
+          </a:xfrm>
+          <a:prstGeom prst="rect">
+            <a:avLst/>
+          </a:prstGeom>
+          <a:solidFill>
+            <a:schemeClr val="accent3"/>
+          </a:solidFill>
+          <a:ln>
+            <a:noFill/>
+          </a:ln>
+        </p:spPr>
+        <p:txBody>
+          <a:bodyPr wrap="square" lIns="98973" tIns="49486" rIns="98973" bIns="49486">
+            <a:spAutoFit/>
+          </a:bodyPr>
+          <a:lstStyle>
+            <a:lvl1pPr defTabSz="3760788">
+              <a:spcBef>
+                <a:spcPct val="20000"/>
+              </a:spcBef>
+              <a:buChar char="•"/>
+              <a:defRPr sz="13100">
+                <a:solidFill>
+                  <a:schemeClr val="tx1"/>
+                </a:solidFill>
+                <a:latin typeface="Arial" charset="0"/>
+                <a:ea typeface="ＭＳ Ｐゴシック" charset="-128"/>
+              </a:defRPr>
+            </a:lvl1pPr>
+            <a:lvl2pPr marL="742950" indent="-285750" defTabSz="3760788">
+              <a:spcBef>
+                <a:spcPct val="20000"/>
+              </a:spcBef>
+              <a:buChar char="–"/>
+              <a:defRPr sz="11500">
+                <a:solidFill>
+                  <a:schemeClr val="tx1"/>
+                </a:solidFill>
+                <a:latin typeface="Arial" charset="0"/>
+                <a:ea typeface="ＭＳ Ｐゴシック" charset="-128"/>
+              </a:defRPr>
+            </a:lvl2pPr>
+            <a:lvl3pPr marL="1143000" indent="-228600" defTabSz="3760788">
+              <a:spcBef>
+                <a:spcPct val="20000"/>
+              </a:spcBef>
+              <a:buChar char="•"/>
+              <a:defRPr sz="9800">
+                <a:solidFill>
+                  <a:schemeClr val="tx1"/>
+                </a:solidFill>
+                <a:latin typeface="Arial" charset="0"/>
+                <a:ea typeface="ＭＳ Ｐゴシック" charset="-128"/>
+              </a:defRPr>
+            </a:lvl3pPr>
+            <a:lvl4pPr marL="1600200" indent="-228600" defTabSz="3760788">
+              <a:spcBef>
+                <a:spcPct val="20000"/>
+              </a:spcBef>
+              <a:buChar char="–"/>
+              <a:defRPr sz="8100">
+                <a:solidFill>
+                  <a:schemeClr val="tx1"/>
+                </a:solidFill>
+                <a:latin typeface="Arial" charset="0"/>
+                <a:ea typeface="ＭＳ Ｐゴシック" charset="-128"/>
+              </a:defRPr>
+            </a:lvl4pPr>
+            <a:lvl5pPr marL="2057400" indent="-228600" defTabSz="3760788">
+              <a:spcBef>
+                <a:spcPct val="20000"/>
+              </a:spcBef>
+              <a:buChar char="»"/>
+              <a:defRPr sz="8100">
+                <a:solidFill>
+                  <a:schemeClr val="tx1"/>
+                </a:solidFill>
+                <a:latin typeface="Arial" charset="0"/>
+                <a:ea typeface="ＭＳ Ｐゴシック" charset="-128"/>
+              </a:defRPr>
+            </a:lvl5pPr>
+            <a:lvl6pPr marL="2514600" indent="-228600" defTabSz="3760788" eaLnBrk="0" fontAlgn="base" hangingPunct="0">
+              <a:spcBef>
+                <a:spcPct val="20000"/>
+              </a:spcBef>
+              <a:spcAft>
+                <a:spcPct val="0"/>
+              </a:spcAft>
+              <a:buChar char="»"/>
+              <a:defRPr sz="8100">
+                <a:solidFill>
+                  <a:schemeClr val="tx1"/>
+                </a:solidFill>
+                <a:latin typeface="Arial" charset="0"/>
+                <a:ea typeface="ＭＳ Ｐゴシック" charset="-128"/>
+              </a:defRPr>
+            </a:lvl6pPr>
+            <a:lvl7pPr marL="2971800" indent="-228600" defTabSz="3760788" eaLnBrk="0" fontAlgn="base" hangingPunct="0">
+              <a:spcBef>
+                <a:spcPct val="20000"/>
+              </a:spcBef>
+              <a:spcAft>
+                <a:spcPct val="0"/>
+              </a:spcAft>
+              <a:buChar char="»"/>
+              <a:defRPr sz="8100">
+                <a:solidFill>
+                  <a:schemeClr val="tx1"/>
+                </a:solidFill>
+                <a:latin typeface="Arial" charset="0"/>
+                <a:ea typeface="ＭＳ Ｐゴシック" charset="-128"/>
+              </a:defRPr>
+            </a:lvl7pPr>
+            <a:lvl8pPr marL="3429000" indent="-228600" defTabSz="3760788" eaLnBrk="0" fontAlgn="base" hangingPunct="0">
+              <a:spcBef>
+                <a:spcPct val="20000"/>
+              </a:spcBef>
+              <a:spcAft>
+                <a:spcPct val="0"/>
+              </a:spcAft>
+              <a:buChar char="»"/>
+              <a:defRPr sz="8100">
+                <a:solidFill>
+                  <a:schemeClr val="tx1"/>
+                </a:solidFill>
+                <a:latin typeface="Arial" charset="0"/>
+                <a:ea typeface="ＭＳ Ｐゴシック" charset="-128"/>
+              </a:defRPr>
+            </a:lvl8pPr>
+            <a:lvl9pPr marL="3886200" indent="-228600" defTabSz="3760788" eaLnBrk="0" fontAlgn="base" hangingPunct="0">
+              <a:spcBef>
+                <a:spcPct val="20000"/>
+              </a:spcBef>
+              <a:spcAft>
+                <a:spcPct val="0"/>
+              </a:spcAft>
+              <a:buChar char="»"/>
+              <a:defRPr sz="8100">
+                <a:solidFill>
+                  <a:schemeClr val="tx1"/>
+                </a:solidFill>
+                <a:latin typeface="Arial" charset="0"/>
+                <a:ea typeface="ＭＳ Ｐゴシック" charset="-128"/>
+              </a:defRPr>
+            </a:lvl9pPr>
+          </a:lstStyle>
+          <a:p>
+            <a:pPr marL="685800" lvl="0" indent="-685800">
+              <a:buFont typeface="Arial" charset="0"/>
+              <a:buChar char="•"/>
+            </a:pPr>
+            <a:r>
+              <a:rPr lang="en-US" sz="4800" dirty="0" smtClean="0">
+                <a:latin typeface="Times New Roman" charset="0"/>
+                <a:ea typeface="Times New Roman" charset="0"/>
+                <a:cs typeface="Times New Roman" charset="0"/>
+              </a:rPr>
+              <a:t>Web scraping the presidential </a:t>
+            </a:r>
+            <a:r>
+              <a:rPr lang="en-US" sz="4800" dirty="0">
+                <a:latin typeface="Times New Roman" charset="0"/>
+                <a:ea typeface="Times New Roman" charset="0"/>
+                <a:cs typeface="Times New Roman" charset="0"/>
+              </a:rPr>
+              <a:t>election speech of every </a:t>
+            </a:r>
+            <a:r>
+              <a:rPr lang="en-US" sz="4800" dirty="0" smtClean="0">
+                <a:latin typeface="Times New Roman" charset="0"/>
+                <a:ea typeface="Times New Roman" charset="0"/>
+                <a:cs typeface="Times New Roman" charset="0"/>
+              </a:rPr>
+              <a:t>candidates  in </a:t>
+            </a:r>
+            <a:r>
+              <a:rPr lang="en-US" sz="4800" dirty="0">
+                <a:latin typeface="Times New Roman" charset="0"/>
+                <a:ea typeface="Times New Roman" charset="0"/>
+                <a:cs typeface="Times New Roman" charset="0"/>
+              </a:rPr>
+              <a:t>2008, 2012, and </a:t>
+            </a:r>
+            <a:r>
+              <a:rPr lang="en-US" sz="4800" dirty="0" smtClean="0">
+                <a:latin typeface="Times New Roman" charset="0"/>
+                <a:ea typeface="Times New Roman" charset="0"/>
+                <a:cs typeface="Times New Roman" charset="0"/>
+              </a:rPr>
+              <a:t>2016 from The American Presidency Project(APP).</a:t>
+            </a:r>
+            <a:endParaRPr lang="en-US" altLang="en-US" sz="4800" dirty="0" smtClean="0">
+              <a:latin typeface="Times New Roman" charset="0"/>
+              <a:ea typeface="Times New Roman" charset="0"/>
+              <a:cs typeface="Times New Roman" charset="0"/>
+            </a:endParaRPr>
+          </a:p>
+          <a:p>
+            <a:pPr marL="685800" indent="-685800">
+              <a:buFont typeface="Arial" charset="0"/>
+              <a:buChar char="•"/>
+            </a:pPr>
+            <a:r>
+              <a:rPr lang="en-US" altLang="en-US" sz="4800" dirty="0" smtClean="0">
+                <a:latin typeface="Times New Roman" charset="0"/>
+                <a:ea typeface="Times New Roman" charset="0"/>
+                <a:cs typeface="Times New Roman" charset="0"/>
+              </a:rPr>
+              <a:t>Descriptive </a:t>
+            </a:r>
+            <a:r>
+              <a:rPr lang="en-US" altLang="en-US" sz="4800" dirty="0" smtClean="0">
+                <a:latin typeface="Times New Roman" charset="0"/>
+                <a:ea typeface="Times New Roman" charset="0"/>
+                <a:cs typeface="Times New Roman" charset="0"/>
+              </a:rPr>
+              <a:t>Statistics </a:t>
+            </a:r>
+            <a:endParaRPr lang="ko-KR" altLang="en-US" sz="4800" dirty="0" smtClean="0">
+              <a:latin typeface="Times New Roman" charset="0"/>
+              <a:ea typeface="Times New Roman" charset="0"/>
+              <a:cs typeface="Times New Roman" charset="0"/>
+            </a:endParaRPr>
+          </a:p>
+          <a:p>
+            <a:pPr marL="1428750" lvl="1" indent="-685800">
+              <a:buFont typeface="+mj-lt"/>
+              <a:buAutoNum type="arabicParenR"/>
+            </a:pPr>
+            <a:r>
+              <a:rPr lang="en-US" altLang="en-US" sz="4400" dirty="0" smtClean="0">
+                <a:latin typeface="Times New Roman" charset="0"/>
+                <a:ea typeface="Times New Roman" charset="0"/>
+                <a:cs typeface="Times New Roman" charset="0"/>
+              </a:rPr>
+              <a:t>Total 1</a:t>
+            </a:r>
+            <a:r>
+              <a:rPr lang="en-US" altLang="ko-KR" sz="4400" dirty="0" smtClean="0">
+                <a:latin typeface="Times New Roman" charset="0"/>
+                <a:ea typeface="Times New Roman" charset="0"/>
+                <a:cs typeface="Times New Roman" charset="0"/>
+              </a:rPr>
+              <a:t>,</a:t>
+            </a:r>
+            <a:r>
+              <a:rPr lang="en-US" altLang="en-US" sz="4400" dirty="0" smtClean="0">
+                <a:latin typeface="Times New Roman" charset="0"/>
+                <a:ea typeface="Times New Roman" charset="0"/>
+                <a:cs typeface="Times New Roman" charset="0"/>
+              </a:rPr>
+              <a:t>247 </a:t>
+            </a:r>
+            <a:r>
+              <a:rPr lang="en-US" altLang="en-US" sz="4400" dirty="0" smtClean="0">
+                <a:latin typeface="Times New Roman" charset="0"/>
+                <a:ea typeface="Times New Roman" charset="0"/>
+                <a:cs typeface="Times New Roman" charset="0"/>
+              </a:rPr>
+              <a:t>speeches </a:t>
+            </a:r>
+            <a:endParaRPr lang="ko-KR" altLang="en-US" sz="4400" dirty="0" smtClean="0">
+              <a:latin typeface="Times New Roman" charset="0"/>
+              <a:ea typeface="Times New Roman" charset="0"/>
+              <a:cs typeface="Times New Roman" charset="0"/>
+            </a:endParaRPr>
+          </a:p>
+          <a:p>
+            <a:pPr marL="1428750" lvl="1" indent="-685800">
+              <a:buFont typeface="+mj-lt"/>
+              <a:buAutoNum type="arabicParenR"/>
+            </a:pPr>
+            <a:r>
+              <a:rPr lang="en-US" altLang="en-US" sz="4400" dirty="0" smtClean="0">
+                <a:latin typeface="Times New Roman" charset="0"/>
+                <a:ea typeface="Times New Roman" charset="0"/>
+                <a:cs typeface="Times New Roman" charset="0"/>
+              </a:rPr>
+              <a:t>676 </a:t>
+            </a:r>
+            <a:r>
+              <a:rPr lang="en-US" altLang="en-US" sz="4400" dirty="0" smtClean="0">
+                <a:latin typeface="Times New Roman" charset="0"/>
+                <a:ea typeface="Times New Roman" charset="0"/>
+                <a:cs typeface="Times New Roman" charset="0"/>
+              </a:rPr>
+              <a:t>from Democratic Party, 571 from Republican Party </a:t>
+            </a:r>
+            <a:r>
+              <a:rPr lang="en-US" altLang="en-US" sz="4400" dirty="0" smtClean="0">
+                <a:latin typeface="Times New Roman" charset="0"/>
+                <a:ea typeface="Times New Roman" charset="0"/>
+                <a:cs typeface="Times New Roman" charset="0"/>
+              </a:rPr>
+              <a:t> </a:t>
+            </a:r>
+            <a:endParaRPr lang="ko-KR" altLang="en-US" sz="4400" dirty="0" smtClean="0">
+              <a:latin typeface="Times New Roman" charset="0"/>
+              <a:ea typeface="Times New Roman" charset="0"/>
+              <a:cs typeface="Times New Roman" charset="0"/>
+            </a:endParaRPr>
+          </a:p>
+          <a:p>
+            <a:pPr marL="1428750" lvl="1" indent="-685800">
+              <a:buFont typeface="+mj-lt"/>
+              <a:buAutoNum type="arabicParenR"/>
+            </a:pPr>
+            <a:r>
+              <a:rPr lang="en-US" altLang="en-US" sz="4400" dirty="0" smtClean="0">
+                <a:latin typeface="Times New Roman" charset="0"/>
+                <a:ea typeface="Times New Roman" charset="0"/>
+                <a:cs typeface="Times New Roman" charset="0"/>
+              </a:rPr>
+              <a:t>685</a:t>
+            </a:r>
+            <a:r>
+              <a:rPr lang="en-US" altLang="en-US" sz="4400" dirty="0" smtClean="0">
+                <a:latin typeface="Times New Roman" charset="0"/>
+                <a:ea typeface="Times New Roman" charset="0"/>
+                <a:cs typeface="Times New Roman" charset="0"/>
+              </a:rPr>
+              <a:t>, 282, 280 speeches in each year</a:t>
+            </a:r>
+          </a:p>
+        </p:txBody>
+      </p:sp>
       <p:pic>
         <p:nvPicPr>
           <p:cNvPr id="4" name="Picture 3"/>
@@ -10239,7 +10003,7 @@
         </p:blipFill>
         <p:spPr>
           <a:xfrm>
-            <a:off x="11937846" y="13476712"/>
+            <a:off x="11937846" y="14223473"/>
             <a:ext cx="10058400" cy="5747657"/>
           </a:xfrm>
           <a:prstGeom prst="rect">
@@ -10247,6 +10011,207 @@
           </a:prstGeom>
         </p:spPr>
       </p:pic>
+      <p:sp>
+        <p:nvSpPr>
+          <p:cNvPr id="38" name="Rectangle 22"/>
+          <p:cNvSpPr>
+            <a:spLocks noChangeArrowheads="1"/>
+          </p:cNvSpPr>
+          <p:nvPr/>
+        </p:nvSpPr>
+        <p:spPr bwMode="auto">
+          <a:xfrm>
+            <a:off x="11636094" y="5158872"/>
+            <a:ext cx="10360152" cy="1172936"/>
+          </a:xfrm>
+          <a:prstGeom prst="rect">
+            <a:avLst/>
+          </a:prstGeom>
+          <a:solidFill>
+            <a:srgbClr val="002060"/>
+          </a:solidFill>
+          <a:ln>
+            <a:noFill/>
+          </a:ln>
+          <a:effectLst>
+            <a:outerShdw blurRad="190500" dist="228600" dir="2700000" algn="ctr">
+              <a:srgbClr val="000000">
+                <a:alpha val="30000"/>
+              </a:srgbClr>
+            </a:outerShdw>
+          </a:effectLst>
+          <a:scene3d>
+            <a:camera prst="orthographicFront">
+              <a:rot lat="0" lon="0" rev="0"/>
+            </a:camera>
+            <a:lightRig rig="glow" dir="t">
+              <a:rot lat="0" lon="0" rev="4800000"/>
+            </a:lightRig>
+          </a:scene3d>
+          <a:sp3d prstMaterial="matte">
+            <a:bevelT w="127000" h="63500"/>
+          </a:sp3d>
+        </p:spPr>
+        <p:txBody>
+          <a:bodyPr lIns="98973" tIns="49486" rIns="98973" bIns="49486" anchor="ctr"/>
+          <a:lstStyle>
+            <a:lvl1pPr defTabSz="3760788">
+              <a:spcBef>
+                <a:spcPct val="20000"/>
+              </a:spcBef>
+              <a:buChar char="•"/>
+              <a:defRPr sz="13100">
+                <a:solidFill>
+                  <a:schemeClr val="tx1"/>
+                </a:solidFill>
+                <a:latin typeface="Arial" charset="0"/>
+                <a:ea typeface="ＭＳ Ｐゴシック" charset="-128"/>
+              </a:defRPr>
+            </a:lvl1pPr>
+            <a:lvl2pPr marL="742950" indent="-285750" defTabSz="3760788">
+              <a:spcBef>
+                <a:spcPct val="20000"/>
+              </a:spcBef>
+              <a:buChar char="–"/>
+              <a:defRPr sz="11500">
+                <a:solidFill>
+                  <a:schemeClr val="tx1"/>
+                </a:solidFill>
+                <a:latin typeface="Arial" charset="0"/>
+                <a:ea typeface="ＭＳ Ｐゴシック" charset="-128"/>
+              </a:defRPr>
+            </a:lvl2pPr>
+            <a:lvl3pPr marL="1143000" indent="-228600" defTabSz="3760788">
+              <a:spcBef>
+                <a:spcPct val="20000"/>
+              </a:spcBef>
+              <a:buChar char="•"/>
+              <a:defRPr sz="9800">
+                <a:solidFill>
+                  <a:schemeClr val="tx1"/>
+                </a:solidFill>
+                <a:latin typeface="Arial" charset="0"/>
+                <a:ea typeface="ＭＳ Ｐゴシック" charset="-128"/>
+              </a:defRPr>
+            </a:lvl3pPr>
+            <a:lvl4pPr marL="1600200" indent="-228600" defTabSz="3760788">
+              <a:spcBef>
+                <a:spcPct val="20000"/>
+              </a:spcBef>
+              <a:buChar char="–"/>
+              <a:defRPr sz="8100">
+                <a:solidFill>
+                  <a:schemeClr val="tx1"/>
+                </a:solidFill>
+                <a:latin typeface="Arial" charset="0"/>
+                <a:ea typeface="ＭＳ Ｐゴシック" charset="-128"/>
+              </a:defRPr>
+            </a:lvl4pPr>
+            <a:lvl5pPr marL="2057400" indent="-228600" defTabSz="3760788">
+              <a:spcBef>
+                <a:spcPct val="20000"/>
+              </a:spcBef>
+              <a:buChar char="»"/>
+              <a:defRPr sz="8100">
+                <a:solidFill>
+                  <a:schemeClr val="tx1"/>
+                </a:solidFill>
+                <a:latin typeface="Arial" charset="0"/>
+                <a:ea typeface="ＭＳ Ｐゴシック" charset="-128"/>
+              </a:defRPr>
+            </a:lvl5pPr>
+            <a:lvl6pPr marL="2514600" indent="-228600" defTabSz="3760788" eaLnBrk="0" fontAlgn="base" hangingPunct="0">
+              <a:spcBef>
+                <a:spcPct val="20000"/>
+              </a:spcBef>
+              <a:spcAft>
+                <a:spcPct val="0"/>
+              </a:spcAft>
+              <a:buChar char="»"/>
+              <a:defRPr sz="8100">
+                <a:solidFill>
+                  <a:schemeClr val="tx1"/>
+                </a:solidFill>
+                <a:latin typeface="Arial" charset="0"/>
+                <a:ea typeface="ＭＳ Ｐゴシック" charset="-128"/>
+              </a:defRPr>
+            </a:lvl6pPr>
+            <a:lvl7pPr marL="2971800" indent="-228600" defTabSz="3760788" eaLnBrk="0" fontAlgn="base" hangingPunct="0">
+              <a:spcBef>
+                <a:spcPct val="20000"/>
+              </a:spcBef>
+              <a:spcAft>
+                <a:spcPct val="0"/>
+              </a:spcAft>
+              <a:buChar char="»"/>
+              <a:defRPr sz="8100">
+                <a:solidFill>
+                  <a:schemeClr val="tx1"/>
+                </a:solidFill>
+                <a:latin typeface="Arial" charset="0"/>
+                <a:ea typeface="ＭＳ Ｐゴシック" charset="-128"/>
+              </a:defRPr>
+            </a:lvl7pPr>
+            <a:lvl8pPr marL="3429000" indent="-228600" defTabSz="3760788" eaLnBrk="0" fontAlgn="base" hangingPunct="0">
+              <a:spcBef>
+                <a:spcPct val="20000"/>
+              </a:spcBef>
+              <a:spcAft>
+                <a:spcPct val="0"/>
+              </a:spcAft>
+              <a:buChar char="»"/>
+              <a:defRPr sz="8100">
+                <a:solidFill>
+                  <a:schemeClr val="tx1"/>
+                </a:solidFill>
+                <a:latin typeface="Arial" charset="0"/>
+                <a:ea typeface="ＭＳ Ｐゴシック" charset="-128"/>
+              </a:defRPr>
+            </a:lvl8pPr>
+            <a:lvl9pPr marL="3886200" indent="-228600" defTabSz="3760788" eaLnBrk="0" fontAlgn="base" hangingPunct="0">
+              <a:spcBef>
+                <a:spcPct val="20000"/>
+              </a:spcBef>
+              <a:spcAft>
+                <a:spcPct val="0"/>
+              </a:spcAft>
+              <a:buChar char="»"/>
+              <a:defRPr sz="8100">
+                <a:solidFill>
+                  <a:schemeClr val="tx1"/>
+                </a:solidFill>
+                <a:latin typeface="Arial" charset="0"/>
+                <a:ea typeface="ＭＳ Ｐゴシック" charset="-128"/>
+              </a:defRPr>
+            </a:lvl9pPr>
+          </a:lstStyle>
+          <a:p>
+            <a:pPr algn="ctr" eaLnBrk="1" hangingPunct="1">
+              <a:spcBef>
+                <a:spcPct val="0"/>
+              </a:spcBef>
+              <a:buFontTx/>
+              <a:buNone/>
+            </a:pPr>
+            <a:r>
+              <a:rPr lang="en-US" altLang="en-US" sz="4628" dirty="0" smtClean="0">
+                <a:solidFill>
+                  <a:schemeClr val="bg1"/>
+                </a:solidFill>
+              </a:rPr>
+              <a:t>Data / Data </a:t>
+            </a:r>
+            <a:r>
+              <a:rPr lang="en-US" altLang="en-US" sz="4628" dirty="0">
+                <a:solidFill>
+                  <a:schemeClr val="bg1"/>
+                </a:solidFill>
+              </a:rPr>
+              <a:t>Structure</a:t>
+            </a:r>
+          </a:p>
+        </p:txBody>
+      </p:sp>
     </p:spTree>
   </p:cSld>
   <p:clrMapOvr>

--- a/Poster/ML_poster.pptx
+++ b/Poster/ML_poster.pptx
@@ -626,7 +626,7 @@
               </a14:hiddenFill>
             </a:ext>
             <a:ext uri="{FAA26D3D-D897-4be2-8F04-BA451C77F1D7}">
-              <ma14:placeholderFlag xmlns:ma14="http://schemas.microsoft.com/office/mac/drawingml/2011/main" xmlns="" val="1"/>
+              <ma14:placeholderFlag xmlns="" xmlns:ma14="http://schemas.microsoft.com/office/mac/drawingml/2011/main" val="1"/>
             </a:ext>
           </a:extLst>
         </p:spPr>
@@ -662,7 +662,7 @@
               </a14:hiddenLine>
             </a:ext>
             <a:ext uri="{FAA26D3D-D897-4be2-8F04-BA451C77F1D7}">
-              <ma14:placeholderFlag xmlns:ma14="http://schemas.microsoft.com/office/mac/drawingml/2011/main" xmlns="" val="1"/>
+              <ma14:placeholderFlag xmlns="" xmlns:ma14="http://schemas.microsoft.com/office/mac/drawingml/2011/main" val="1"/>
             </a:ext>
           </a:extLst>
         </p:spPr>
@@ -3549,7 +3549,7 @@
               </a14:hiddenLine>
             </a:ext>
             <a:ext uri="{FAA26D3D-D897-4be2-8F04-BA451C77F1D7}">
-              <ma14:placeholderFlag xmlns:ma14="http://schemas.microsoft.com/office/mac/drawingml/2011/main" xmlns="" val="1"/>
+              <ma14:placeholderFlag xmlns="" xmlns:ma14="http://schemas.microsoft.com/office/mac/drawingml/2011/main" val="1"/>
             </a:ext>
           </a:extLst>
         </p:spPr>
@@ -3610,7 +3610,7 @@
               </a14:hiddenLine>
             </a:ext>
             <a:ext uri="{FAA26D3D-D897-4be2-8F04-BA451C77F1D7}">
-              <ma14:placeholderFlag xmlns:ma14="http://schemas.microsoft.com/office/mac/drawingml/2011/main" xmlns="" val="1"/>
+              <ma14:placeholderFlag xmlns="" xmlns:ma14="http://schemas.microsoft.com/office/mac/drawingml/2011/main" val="1"/>
             </a:ext>
           </a:extLst>
         </p:spPr>
@@ -5370,17 +5370,7 @@
                   </a:schemeClr>
                 </a:solidFill>
               </a:rPr>
-              <a:t>Trade </a:t>
-            </a:r>
-            <a:r>
-              <a:rPr lang="en-US" altLang="en-US" sz="9600" b="1" dirty="0" smtClean="0">
-                <a:solidFill>
-                  <a:schemeClr val="accent3">
-                    <a:lumMod val="95000"/>
-                  </a:schemeClr>
-                </a:solidFill>
-              </a:rPr>
-              <a:t>Rhetoric Geography in the US Presidential Election Speeches</a:t>
+              <a:t>Trade Rhetoric Geography in the US Presidential Election Speeches</a:t>
             </a:r>
             <a:endParaRPr lang="en-US" altLang="en-US" sz="9600" b="1" dirty="0">
               <a:solidFill>
@@ -6475,45 +6465,8 @@
                 <a:ea typeface="Times New Roman" charset="0"/>
                 <a:cs typeface="Times New Roman" charset="0"/>
               </a:rPr>
-              <a:t>With </a:t>
-            </a:r>
-            <a:r>
-              <a:rPr lang="en-US" altLang="en-US" sz="4400" spc="-150" dirty="0" smtClean="0">
-                <a:latin typeface="Times New Roman" charset="0"/>
-                <a:ea typeface="Times New Roman" charset="0"/>
-                <a:cs typeface="Times New Roman" charset="0"/>
-              </a:rPr>
-              <a:t>15 FREX words for each dimension, </a:t>
-            </a:r>
-            <a:r>
-              <a:rPr lang="en-US" altLang="en-US" sz="4400" spc="-150" dirty="0" smtClean="0">
-                <a:latin typeface="Times New Roman" charset="0"/>
-                <a:ea typeface="Times New Roman" charset="0"/>
-                <a:cs typeface="Times New Roman" charset="0"/>
-              </a:rPr>
-              <a:t>counted </a:t>
-            </a:r>
-            <a:r>
-              <a:rPr lang="en-US" altLang="en-US" sz="4400" spc="-150" dirty="0" smtClean="0">
-                <a:latin typeface="Times New Roman" charset="0"/>
-                <a:ea typeface="Times New Roman" charset="0"/>
-                <a:cs typeface="Times New Roman" charset="0"/>
-              </a:rPr>
-              <a:t>the frequencies and scaled by each document </a:t>
-            </a:r>
-            <a:r>
-              <a:rPr lang="en-US" altLang="en-US" sz="4400" spc="-150" dirty="0" smtClean="0">
-                <a:latin typeface="Times New Roman" charset="0"/>
-                <a:ea typeface="Times New Roman" charset="0"/>
-                <a:cs typeface="Times New Roman" charset="0"/>
-              </a:rPr>
-              <a:t>length</a:t>
-            </a:r>
-            <a:endParaRPr lang="en-US" altLang="en-US" sz="4400" spc="-150" dirty="0" smtClean="0">
-              <a:latin typeface="Times New Roman" charset="0"/>
-              <a:ea typeface="Times New Roman" charset="0"/>
-              <a:cs typeface="Times New Roman" charset="0"/>
-            </a:endParaRPr>
+              <a:t>With 15 FREX words for each dimension, counted the frequencies and scaled by each document length</a:t>
+            </a:r>
           </a:p>
           <a:p>
             <a:pPr marL="685800" indent="-685800">
@@ -6617,39 +6570,7 @@
                 <a:ea typeface="Times New Roman" charset="0"/>
                 <a:cs typeface="Times New Roman" charset="0"/>
               </a:rPr>
-              <a:t>ust belt and </a:t>
-            </a:r>
-            <a:r>
-              <a:rPr lang="en-US" sz="4000" spc="-150" dirty="0" smtClean="0">
-                <a:latin typeface="Times New Roman" charset="0"/>
-                <a:ea typeface="Times New Roman" charset="0"/>
-                <a:cs typeface="Times New Roman" charset="0"/>
-              </a:rPr>
-              <a:t>n</a:t>
-            </a:r>
-            <a:r>
-              <a:rPr lang="en-US" sz="4000" spc="-150" dirty="0" smtClean="0">
-                <a:latin typeface="Times New Roman" charset="0"/>
-                <a:ea typeface="Times New Roman" charset="0"/>
-                <a:cs typeface="Times New Roman" charset="0"/>
-              </a:rPr>
-              <a:t>on-rust </a:t>
-            </a:r>
-            <a:r>
-              <a:rPr lang="en-US" sz="4000" spc="-150" dirty="0" smtClean="0">
-                <a:latin typeface="Times New Roman" charset="0"/>
-                <a:ea typeface="Times New Roman" charset="0"/>
-                <a:cs typeface="Times New Roman" charset="0"/>
-              </a:rPr>
-              <a:t>belt </a:t>
-            </a:r>
-            <a:r>
-              <a:rPr lang="en-US" sz="4000" spc="-150" dirty="0" smtClean="0">
-                <a:latin typeface="Times New Roman" charset="0"/>
-                <a:ea typeface="Times New Roman" charset="0"/>
-                <a:cs typeface="Times New Roman" charset="0"/>
-              </a:rPr>
-              <a:t>region)</a:t>
+              <a:t>ust belt and non-rust belt region)</a:t>
             </a:r>
             <a:endParaRPr lang="ko-KR" altLang="en-US" sz="4000" spc="-150" dirty="0">
               <a:latin typeface="Times New Roman" charset="0"/>
@@ -6754,15 +6675,7 @@
                 <a:ea typeface="Times New Roman" charset="0"/>
                 <a:cs typeface="Times New Roman" charset="0"/>
               </a:rPr>
-              <a:t>between</a:t>
-            </a:r>
-            <a:r>
-              <a:rPr lang="en-US" sz="4000" spc="-150" dirty="0" smtClean="0">
-                <a:latin typeface="Times New Roman" charset="0"/>
-                <a:ea typeface="Times New Roman" charset="0"/>
-                <a:cs typeface="Times New Roman" charset="0"/>
-              </a:rPr>
-              <a:t> the speaker and </a:t>
+              <a:t>between the speaker and </a:t>
             </a:r>
             <a:r>
               <a:rPr lang="en-US" sz="4000" spc="-150" dirty="0">
@@ -7064,15 +6977,7 @@
                 <a:ea typeface="Times New Roman" charset="0"/>
                 <a:cs typeface="Times New Roman" charset="0"/>
               </a:rPr>
-              <a:t>frame trade as special interest by linking trade with job security</a:t>
-            </a:r>
-            <a:r>
-              <a:rPr lang="en-US" sz="4800" dirty="0" smtClean="0">
-                <a:latin typeface="Times New Roman" charset="0"/>
-                <a:ea typeface="Times New Roman" charset="0"/>
-                <a:cs typeface="Times New Roman" charset="0"/>
-              </a:rPr>
-              <a:t>.</a:t>
+              <a:t>frame trade as special interest by linking trade with job security.</a:t>
             </a:r>
             <a:endParaRPr lang="en-US" sz="4800" dirty="0">
               <a:latin typeface="Times New Roman" charset="0"/>
@@ -8535,14 +8440,7 @@
                 <a:latin typeface="Times New Roman" panose="02020603050405020304" pitchFamily="18" charset="0"/>
                 <a:cs typeface="Times New Roman" panose="02020603050405020304" pitchFamily="18" charset="0"/>
               </a:rPr>
-              <a:t>customizing</a:t>
-            </a:r>
-            <a:r>
-              <a:rPr lang="en-US" altLang="ko-KR" sz="4800" dirty="0" smtClean="0">
-                <a:latin typeface="Times New Roman" panose="02020603050405020304" pitchFamily="18" charset="0"/>
-                <a:cs typeface="Times New Roman" panose="02020603050405020304" pitchFamily="18" charset="0"/>
-              </a:rPr>
-              <a:t> </a:t>
+              <a:t>customizing </a:t>
             </a:r>
             <a:r>
               <a:rPr lang="en-US" altLang="ko-KR" sz="4800" dirty="0">
@@ -9707,28 +9605,7 @@
                 <a:latin typeface="Times New Roman" panose="02020603050405020304" pitchFamily="18" charset="0"/>
                 <a:cs typeface="Times New Roman" panose="02020603050405020304" pitchFamily="18" charset="0"/>
               </a:rPr>
-              <a:t> respond to </a:t>
-            </a:r>
-            <a:r>
-              <a:rPr lang="en-US" altLang="ko-KR" sz="4800" dirty="0" smtClean="0">
-                <a:latin typeface="Times New Roman" panose="02020603050405020304" pitchFamily="18" charset="0"/>
-                <a:cs typeface="Times New Roman" panose="02020603050405020304" pitchFamily="18" charset="0"/>
-              </a:rPr>
-              <a:t>expected</a:t>
-            </a:r>
-            <a:r>
-              <a:rPr lang="en-US" altLang="ko-KR" sz="4800" dirty="0" smtClean="0">
-                <a:latin typeface="Times New Roman" panose="02020603050405020304" pitchFamily="18" charset="0"/>
-                <a:cs typeface="Times New Roman" panose="02020603050405020304" pitchFamily="18" charset="0"/>
-              </a:rPr>
-              <a:t> </a:t>
-            </a:r>
-            <a:r>
-              <a:rPr lang="en-US" altLang="ko-KR" sz="4800" dirty="0" smtClean="0">
-                <a:latin typeface="Times New Roman" panose="02020603050405020304" pitchFamily="18" charset="0"/>
-                <a:cs typeface="Times New Roman" panose="02020603050405020304" pitchFamily="18" charset="0"/>
-              </a:rPr>
-              <a:t>voter punishment in their presidential campaign speeches?</a:t>
+              <a:t> respond to expected voter punishment in their presidential campaign speeches?</a:t>
             </a:r>
             <a:endParaRPr lang="ko-KR" altLang="en-US" sz="4800" dirty="0">
               <a:latin typeface="Times New Roman" panose="02020603050405020304" pitchFamily="18" charset="0"/>

--- a/Poster/ML_poster.pptx
+++ b/Poster/ML_poster.pptx
@@ -626,7 +626,7 @@
               </a14:hiddenFill>
             </a:ext>
             <a:ext uri="{FAA26D3D-D897-4be2-8F04-BA451C77F1D7}">
-              <ma14:placeholderFlag xmlns="" xmlns:ma14="http://schemas.microsoft.com/office/mac/drawingml/2011/main" val="1"/>
+              <ma14:placeholderFlag xmlns:ma14="http://schemas.microsoft.com/office/mac/drawingml/2011/main" xmlns="" val="1"/>
             </a:ext>
           </a:extLst>
         </p:spPr>
@@ -662,7 +662,7 @@
               </a14:hiddenLine>
             </a:ext>
             <a:ext uri="{FAA26D3D-D897-4be2-8F04-BA451C77F1D7}">
-              <ma14:placeholderFlag xmlns="" xmlns:ma14="http://schemas.microsoft.com/office/mac/drawingml/2011/main" val="1"/>
+              <ma14:placeholderFlag xmlns:ma14="http://schemas.microsoft.com/office/mac/drawingml/2011/main" xmlns="" val="1"/>
             </a:ext>
           </a:extLst>
         </p:spPr>
@@ -3549,7 +3549,7 @@
               </a14:hiddenLine>
             </a:ext>
             <a:ext uri="{FAA26D3D-D897-4be2-8F04-BA451C77F1D7}">
-              <ma14:placeholderFlag xmlns="" xmlns:ma14="http://schemas.microsoft.com/office/mac/drawingml/2011/main" val="1"/>
+              <ma14:placeholderFlag xmlns:ma14="http://schemas.microsoft.com/office/mac/drawingml/2011/main" xmlns="" val="1"/>
             </a:ext>
           </a:extLst>
         </p:spPr>
@@ -3610,7 +3610,7 @@
               </a14:hiddenLine>
             </a:ext>
             <a:ext uri="{FAA26D3D-D897-4be2-8F04-BA451C77F1D7}">
-              <ma14:placeholderFlag xmlns="" xmlns:ma14="http://schemas.microsoft.com/office/mac/drawingml/2011/main" val="1"/>
+              <ma14:placeholderFlag xmlns:ma14="http://schemas.microsoft.com/office/mac/drawingml/2011/main" xmlns="" val="1"/>
             </a:ext>
           </a:extLst>
         </p:spPr>
@@ -5641,13 +5641,18 @@
               <a:buNone/>
             </a:pPr>
             <a:r>
-              <a:rPr lang="en-US" altLang="en-US" sz="4628" dirty="0">
+              <a:rPr lang="en-US" altLang="en-US" sz="4628" dirty="0" smtClean="0">
                 <a:solidFill>
                   <a:schemeClr val="bg1"/>
                 </a:solidFill>
               </a:rPr>
-              <a:t>Abstract / Background</a:t>
-            </a:r>
+              <a:t>Background</a:t>
+            </a:r>
+            <a:endParaRPr lang="en-US" altLang="en-US" sz="4628" dirty="0">
+              <a:solidFill>
+                <a:schemeClr val="bg1"/>
+              </a:solidFill>
+            </a:endParaRPr>
           </a:p>
         </p:txBody>
       </p:sp>
@@ -6035,13 +6040,18 @@
               <a:buNone/>
             </a:pPr>
             <a:r>
-              <a:rPr lang="en-US" altLang="en-US" sz="4628" dirty="0">
+              <a:rPr lang="en-US" altLang="en-US" sz="4628" dirty="0" smtClean="0">
                 <a:solidFill>
                   <a:schemeClr val="bg1"/>
                 </a:solidFill>
               </a:rPr>
-              <a:t>Methods</a:t>
-            </a:r>
+              <a:t>Research Design</a:t>
+            </a:r>
+            <a:endParaRPr lang="en-US" altLang="en-US" sz="4628" dirty="0">
+              <a:solidFill>
+                <a:schemeClr val="bg1"/>
+              </a:solidFill>
+            </a:endParaRPr>
           </a:p>
         </p:txBody>
       </p:sp>
@@ -6659,7 +6669,39 @@
                 <a:ea typeface="Times New Roman" charset="0"/>
                 <a:cs typeface="Times New Roman" charset="0"/>
               </a:rPr>
-              <a:t>annual unemployment, speaker’s party status as a challenger, </a:t>
+              <a:t>annual </a:t>
+            </a:r>
+            <a:r>
+              <a:rPr lang="en-US" sz="4000" spc="-150" dirty="0" smtClean="0">
+                <a:latin typeface="Times New Roman" charset="0"/>
+                <a:ea typeface="Times New Roman" charset="0"/>
+                <a:cs typeface="Times New Roman" charset="0"/>
+              </a:rPr>
+              <a:t>unemployment </a:t>
+            </a:r>
+            <a:r>
+              <a:rPr lang="en-US" sz="4000" spc="-150" dirty="0" smtClean="0">
+                <a:latin typeface="Times New Roman" charset="0"/>
+                <a:ea typeface="Times New Roman" charset="0"/>
+                <a:cs typeface="Times New Roman" charset="0"/>
+              </a:rPr>
+              <a:t>rate</a:t>
+            </a:r>
+            <a:r>
+              <a:rPr lang="en-US" sz="4000" spc="-150" dirty="0" smtClean="0">
+                <a:latin typeface="Times New Roman" charset="0"/>
+                <a:ea typeface="Times New Roman" charset="0"/>
+                <a:cs typeface="Times New Roman" charset="0"/>
+              </a:rPr>
+              <a:t>, </a:t>
+            </a:r>
+            <a:r>
+              <a:rPr lang="en-US" sz="4000" spc="-150" dirty="0" smtClean="0">
+                <a:latin typeface="Times New Roman" charset="0"/>
+                <a:ea typeface="Times New Roman" charset="0"/>
+                <a:cs typeface="Times New Roman" charset="0"/>
+              </a:rPr>
+              <a:t>speaker’s party status as a challenger, </a:t>
             </a:r>
             <a:r>
               <a:rPr lang="en-US" sz="4000" spc="-150" dirty="0">
@@ -7811,7 +7853,23 @@
                 <a:ea typeface="Times New Roman" charset="0"/>
                 <a:cs typeface="Times New Roman" charset="0"/>
               </a:rPr>
-              <a:t>(2) 676 from Democratic Party, 571 from Republican Party </a:t>
+              <a:t>(2) </a:t>
+            </a:r>
+            <a:r>
+              <a:rPr lang="en-US" altLang="en-US" sz="4800" dirty="0" smtClean="0">
+                <a:latin typeface="Times New Roman" charset="0"/>
+                <a:ea typeface="Times New Roman" charset="0"/>
+                <a:cs typeface="Times New Roman" charset="0"/>
+              </a:rPr>
+              <a:t>676, 571 speeches from Democratic, Republican </a:t>
+            </a:r>
+            <a:r>
+              <a:rPr lang="en-US" altLang="en-US" sz="4800" dirty="0" smtClean="0">
+                <a:latin typeface="Times New Roman" charset="0"/>
+                <a:ea typeface="Times New Roman" charset="0"/>
+                <a:cs typeface="Times New Roman" charset="0"/>
+              </a:rPr>
+              <a:t>Party </a:t>
             </a:r>
             <a:r>
               <a:rPr lang="en-US" altLang="en-US" sz="4800" dirty="0">
@@ -7834,8 +7892,21 @@
                 <a:ea typeface="Times New Roman" charset="0"/>
                 <a:cs typeface="Times New Roman" charset="0"/>
               </a:rPr>
-              <a:t>(3) 685, 282, 280 speeches in each year</a:t>
-            </a:r>
+              <a:t>(3) 685, 282, 280 speeches </a:t>
+            </a:r>
+            <a:r>
+              <a:rPr lang="en-US" altLang="en-US" sz="4800" dirty="0" smtClean="0">
+                <a:latin typeface="Times New Roman" charset="0"/>
+                <a:ea typeface="Times New Roman" charset="0"/>
+                <a:cs typeface="Times New Roman" charset="0"/>
+              </a:rPr>
+              <a:t>in the 2008, 2012, 2016 presidential election</a:t>
+            </a:r>
+            <a:endParaRPr lang="en-US" altLang="en-US" sz="4800" dirty="0" smtClean="0">
+              <a:latin typeface="Times New Roman" charset="0"/>
+              <a:ea typeface="Times New Roman" charset="0"/>
+              <a:cs typeface="Times New Roman" charset="0"/>
+            </a:endParaRPr>
           </a:p>
         </p:txBody>
       </p:sp>
@@ -8220,13 +8291,18 @@
               <a:buNone/>
             </a:pPr>
             <a:r>
-              <a:rPr lang="en-US" altLang="en-US" sz="4628" dirty="0">
+              <a:rPr lang="en-US" altLang="en-US" sz="4628" dirty="0" smtClean="0">
                 <a:solidFill>
                   <a:schemeClr val="bg1"/>
                 </a:solidFill>
               </a:rPr>
-              <a:t>Contribution/Conclusions</a:t>
-            </a:r>
+              <a:t>Conclusion</a:t>
+            </a:r>
+            <a:endParaRPr lang="en-US" altLang="en-US" sz="4628" dirty="0">
+              <a:solidFill>
+                <a:schemeClr val="bg1"/>
+              </a:solidFill>
+            </a:endParaRPr>
           </a:p>
         </p:txBody>
       </p:sp>
@@ -8241,7 +8317,7 @@
         <p:spPr bwMode="auto">
           <a:xfrm>
             <a:off x="33683719" y="26073654"/>
-            <a:ext cx="10360152" cy="4679654"/>
+            <a:ext cx="10360152" cy="7043378"/>
           </a:xfrm>
           <a:prstGeom prst="rect">
             <a:avLst/>
@@ -8467,8 +8543,32 @@
                 <a:latin typeface="Times New Roman" panose="02020603050405020304" pitchFamily="18" charset="0"/>
                 <a:cs typeface="Times New Roman" panose="02020603050405020304" pitchFamily="18" charset="0"/>
               </a:rPr>
-              <a:t>rhetoric varies by political partisanship.</a:t>
-            </a:r>
+              <a:t>rhetoric varies by political </a:t>
+            </a:r>
+            <a:r>
+              <a:rPr lang="en-US" altLang="ko-KR" sz="4800" dirty="0" smtClean="0">
+                <a:latin typeface="Times New Roman" panose="02020603050405020304" pitchFamily="18" charset="0"/>
+                <a:cs typeface="Times New Roman" panose="02020603050405020304" pitchFamily="18" charset="0"/>
+              </a:rPr>
+              <a:t>party, with higher intensity in swing states. </a:t>
+            </a:r>
+          </a:p>
+          <a:p>
+            <a:pPr marL="685800" indent="-685800">
+              <a:buFont typeface="Arial" panose="020B0604020202020204" pitchFamily="34" charset="0"/>
+              <a:buChar char="•"/>
+            </a:pPr>
+            <a:r>
+              <a:rPr lang="en-US" altLang="ko-KR" sz="4800" dirty="0" smtClean="0">
+                <a:latin typeface="Times New Roman" panose="02020603050405020304" pitchFamily="18" charset="0"/>
+                <a:cs typeface="Times New Roman" panose="02020603050405020304" pitchFamily="18" charset="0"/>
+              </a:rPr>
+              <a:t>While Democrats target rustbelt voters, Republicans target non-rustbelt voters in their usage of trade rhetoric.</a:t>
+            </a:r>
+            <a:endParaRPr lang="en-US" altLang="ko-KR" sz="4800" dirty="0">
+              <a:latin typeface="Times New Roman" panose="02020603050405020304" pitchFamily="18" charset="0"/>
+              <a:cs typeface="Times New Roman" panose="02020603050405020304" pitchFamily="18" charset="0"/>
+            </a:endParaRPr>
           </a:p>
         </p:txBody>
       </p:sp>

--- a/Poster/ML_poster.pptx
+++ b/Poster/ML_poster.pptx
@@ -626,7 +626,7 @@
               </a14:hiddenFill>
             </a:ext>
             <a:ext uri="{FAA26D3D-D897-4be2-8F04-BA451C77F1D7}">
-              <ma14:placeholderFlag xmlns:ma14="http://schemas.microsoft.com/office/mac/drawingml/2011/main" xmlns="" val="1"/>
+              <ma14:placeholderFlag xmlns="" xmlns:ma14="http://schemas.microsoft.com/office/mac/drawingml/2011/main" val="1"/>
             </a:ext>
           </a:extLst>
         </p:spPr>
@@ -662,7 +662,7 @@
               </a14:hiddenLine>
             </a:ext>
             <a:ext uri="{FAA26D3D-D897-4be2-8F04-BA451C77F1D7}">
-              <ma14:placeholderFlag xmlns:ma14="http://schemas.microsoft.com/office/mac/drawingml/2011/main" xmlns="" val="1"/>
+              <ma14:placeholderFlag xmlns="" xmlns:ma14="http://schemas.microsoft.com/office/mac/drawingml/2011/main" val="1"/>
             </a:ext>
           </a:extLst>
         </p:spPr>
@@ -3549,7 +3549,7 @@
               </a14:hiddenLine>
             </a:ext>
             <a:ext uri="{FAA26D3D-D897-4be2-8F04-BA451C77F1D7}">
-              <ma14:placeholderFlag xmlns:ma14="http://schemas.microsoft.com/office/mac/drawingml/2011/main" xmlns="" val="1"/>
+              <ma14:placeholderFlag xmlns="" xmlns:ma14="http://schemas.microsoft.com/office/mac/drawingml/2011/main" val="1"/>
             </a:ext>
           </a:extLst>
         </p:spPr>
@@ -3610,7 +3610,7 @@
               </a14:hiddenLine>
             </a:ext>
             <a:ext uri="{FAA26D3D-D897-4be2-8F04-BA451C77F1D7}">
-              <ma14:placeholderFlag xmlns:ma14="http://schemas.microsoft.com/office/mac/drawingml/2011/main" xmlns="" val="1"/>
+              <ma14:placeholderFlag xmlns="" xmlns:ma14="http://schemas.microsoft.com/office/mac/drawingml/2011/main" val="1"/>
             </a:ext>
           </a:extLst>
         </p:spPr>
@@ -6669,39 +6669,7 @@
                 <a:ea typeface="Times New Roman" charset="0"/>
                 <a:cs typeface="Times New Roman" charset="0"/>
               </a:rPr>
-              <a:t>annual </a:t>
-            </a:r>
-            <a:r>
-              <a:rPr lang="en-US" sz="4000" spc="-150" dirty="0" smtClean="0">
-                <a:latin typeface="Times New Roman" charset="0"/>
-                <a:ea typeface="Times New Roman" charset="0"/>
-                <a:cs typeface="Times New Roman" charset="0"/>
-              </a:rPr>
-              <a:t>unemployment </a:t>
-            </a:r>
-            <a:r>
-              <a:rPr lang="en-US" sz="4000" spc="-150" dirty="0" smtClean="0">
-                <a:latin typeface="Times New Roman" charset="0"/>
-                <a:ea typeface="Times New Roman" charset="0"/>
-                <a:cs typeface="Times New Roman" charset="0"/>
-              </a:rPr>
-              <a:t>rate</a:t>
-            </a:r>
-            <a:r>
-              <a:rPr lang="en-US" sz="4000" spc="-150" dirty="0" smtClean="0">
-                <a:latin typeface="Times New Roman" charset="0"/>
-                <a:ea typeface="Times New Roman" charset="0"/>
-                <a:cs typeface="Times New Roman" charset="0"/>
-              </a:rPr>
-              <a:t>, </a:t>
-            </a:r>
-            <a:r>
-              <a:rPr lang="en-US" sz="4000" spc="-150" dirty="0" smtClean="0">
-                <a:latin typeface="Times New Roman" charset="0"/>
-                <a:ea typeface="Times New Roman" charset="0"/>
-                <a:cs typeface="Times New Roman" charset="0"/>
-              </a:rPr>
-              <a:t>speaker’s party status as a challenger, </a:t>
+              <a:t>annual unemployment rate, speaker’s party status as a challenger, </a:t>
             </a:r>
             <a:r>
               <a:rPr lang="en-US" sz="4000" spc="-150" dirty="0">
@@ -7853,23 +7821,7 @@
                 <a:ea typeface="Times New Roman" charset="0"/>
                 <a:cs typeface="Times New Roman" charset="0"/>
               </a:rPr>
-              <a:t>(2) </a:t>
-            </a:r>
-            <a:r>
-              <a:rPr lang="en-US" altLang="en-US" sz="4800" dirty="0" smtClean="0">
-                <a:latin typeface="Times New Roman" charset="0"/>
-                <a:ea typeface="Times New Roman" charset="0"/>
-                <a:cs typeface="Times New Roman" charset="0"/>
-              </a:rPr>
-              <a:t>676, 571 speeches from Democratic, Republican </a:t>
-            </a:r>
-            <a:r>
-              <a:rPr lang="en-US" altLang="en-US" sz="4800" dirty="0" smtClean="0">
-                <a:latin typeface="Times New Roman" charset="0"/>
-                <a:ea typeface="Times New Roman" charset="0"/>
-                <a:cs typeface="Times New Roman" charset="0"/>
-              </a:rPr>
-              <a:t>Party </a:t>
+              <a:t>(2) 676, 571 speeches from Democratic, Republican Party </a:t>
             </a:r>
             <a:r>
               <a:rPr lang="en-US" altLang="en-US" sz="4800" dirty="0">
@@ -7892,21 +7844,8 @@
                 <a:ea typeface="Times New Roman" charset="0"/>
                 <a:cs typeface="Times New Roman" charset="0"/>
               </a:rPr>
-              <a:t>(3) 685, 282, 280 speeches </a:t>
-            </a:r>
-            <a:r>
-              <a:rPr lang="en-US" altLang="en-US" sz="4800" dirty="0" smtClean="0">
-                <a:latin typeface="Times New Roman" charset="0"/>
-                <a:ea typeface="Times New Roman" charset="0"/>
-                <a:cs typeface="Times New Roman" charset="0"/>
-              </a:rPr>
-              <a:t>in the 2008, 2012, 2016 presidential election</a:t>
-            </a:r>
-            <a:endParaRPr lang="en-US" altLang="en-US" sz="4800" dirty="0" smtClean="0">
-              <a:latin typeface="Times New Roman" charset="0"/>
-              <a:ea typeface="Times New Roman" charset="0"/>
-              <a:cs typeface="Times New Roman" charset="0"/>
-            </a:endParaRPr>
+              <a:t>(3) 685, 282, 280 speeches in the 2008, 2012, 2016 presidential election</a:t>
+            </a:r>
           </a:p>
         </p:txBody>
       </p:sp>
